--- a/doc/Nmapscanner_Presentation.pptx
+++ b/doc/Nmapscanner_Presentation.pptx
@@ -4,6 +4,9 @@
   <p:sldMasterIdLst>
     <p:sldMasterId id="2147483648" r:id="rId1"/>
   </p:sldMasterIdLst>
+  <p:notesMasterIdLst>
+    <p:notesMasterId r:id="rId13"/>
+  </p:notesMasterIdLst>
   <p:sldIdLst>
     <p:sldId id="256" r:id="rId2"/>
     <p:sldId id="265" r:id="rId3"/>
@@ -11,10 +14,11 @@
     <p:sldId id="258" r:id="rId5"/>
     <p:sldId id="263" r:id="rId6"/>
     <p:sldId id="264" r:id="rId7"/>
-    <p:sldId id="260" r:id="rId8"/>
-    <p:sldId id="261" r:id="rId9"/>
-    <p:sldId id="259" r:id="rId10"/>
-    <p:sldId id="262" r:id="rId11"/>
+    <p:sldId id="262" r:id="rId8"/>
+    <p:sldId id="267" r:id="rId9"/>
+    <p:sldId id="270" r:id="rId10"/>
+    <p:sldId id="268" r:id="rId11"/>
+    <p:sldId id="269" r:id="rId12"/>
   </p:sldIdLst>
   <p:sldSz cx="12192000" cy="6858000"/>
   <p:notesSz cx="6858000" cy="9144000"/>
@@ -868,925 +872,6 @@
 </dgm:colorsDef>
 </file>
 
-<file path=ppt/diagrams/colors2.xml><?xml version="1.0" encoding="utf-8"?>
-<dgm:colorsDef xmlns:dgm="http://schemas.openxmlformats.org/drawingml/2006/diagram" xmlns:a="http://schemas.openxmlformats.org/drawingml/2006/main" uniqueId="urn:microsoft.com/office/officeart/2005/8/colors/colorful1">
-  <dgm:title val=""/>
-  <dgm:desc val=""/>
-  <dgm:catLst>
-    <dgm:cat type="colorful" pri="10100"/>
-  </dgm:catLst>
-  <dgm:styleLbl name="node0">
-    <dgm:fillClrLst meth="repeat">
-      <a:schemeClr val="accent1"/>
-    </dgm:fillClrLst>
-    <dgm:linClrLst meth="repeat">
-      <a:schemeClr val="lt1"/>
-    </dgm:linClrLst>
-    <dgm:effectClrLst/>
-    <dgm:txLinClrLst/>
-    <dgm:txFillClrLst/>
-    <dgm:txEffectClrLst/>
-  </dgm:styleLbl>
-  <dgm:styleLbl name="node1">
-    <dgm:fillClrLst meth="repeat">
-      <a:schemeClr val="accent2"/>
-      <a:schemeClr val="accent3"/>
-      <a:schemeClr val="accent4"/>
-      <a:schemeClr val="accent5"/>
-      <a:schemeClr val="accent6"/>
-    </dgm:fillClrLst>
-    <dgm:linClrLst meth="repeat">
-      <a:schemeClr val="lt1"/>
-    </dgm:linClrLst>
-    <dgm:effectClrLst/>
-    <dgm:txLinClrLst/>
-    <dgm:txFillClrLst/>
-    <dgm:txEffectClrLst/>
-  </dgm:styleLbl>
-  <dgm:styleLbl name="alignNode1">
-    <dgm:fillClrLst meth="repeat">
-      <a:schemeClr val="accent2"/>
-      <a:schemeClr val="accent3"/>
-      <a:schemeClr val="accent4"/>
-      <a:schemeClr val="accent5"/>
-      <a:schemeClr val="accent6"/>
-    </dgm:fillClrLst>
-    <dgm:linClrLst meth="repeat">
-      <a:schemeClr val="accent2"/>
-      <a:schemeClr val="accent3"/>
-      <a:schemeClr val="accent4"/>
-      <a:schemeClr val="accent5"/>
-      <a:schemeClr val="accent6"/>
-    </dgm:linClrLst>
-    <dgm:effectClrLst/>
-    <dgm:txLinClrLst/>
-    <dgm:txFillClrLst/>
-    <dgm:txEffectClrLst/>
-  </dgm:styleLbl>
-  <dgm:styleLbl name="lnNode1">
-    <dgm:fillClrLst meth="repeat">
-      <a:schemeClr val="accent2"/>
-      <a:schemeClr val="accent3"/>
-      <a:schemeClr val="accent4"/>
-      <a:schemeClr val="accent5"/>
-      <a:schemeClr val="accent6"/>
-    </dgm:fillClrLst>
-    <dgm:linClrLst meth="repeat">
-      <a:schemeClr val="lt1"/>
-    </dgm:linClrLst>
-    <dgm:effectClrLst/>
-    <dgm:txLinClrLst/>
-    <dgm:txFillClrLst/>
-    <dgm:txEffectClrLst/>
-  </dgm:styleLbl>
-  <dgm:styleLbl name="vennNode1">
-    <dgm:fillClrLst meth="repeat">
-      <a:schemeClr val="accent2">
-        <a:alpha val="50000"/>
-      </a:schemeClr>
-      <a:schemeClr val="accent3">
-        <a:alpha val="50000"/>
-      </a:schemeClr>
-      <a:schemeClr val="accent4">
-        <a:alpha val="50000"/>
-      </a:schemeClr>
-      <a:schemeClr val="accent5">
-        <a:alpha val="50000"/>
-      </a:schemeClr>
-      <a:schemeClr val="accent6">
-        <a:alpha val="50000"/>
-      </a:schemeClr>
-    </dgm:fillClrLst>
-    <dgm:linClrLst meth="repeat">
-      <a:schemeClr val="lt1"/>
-    </dgm:linClrLst>
-    <dgm:effectClrLst/>
-    <dgm:txLinClrLst/>
-    <dgm:txFillClrLst/>
-    <dgm:txEffectClrLst/>
-  </dgm:styleLbl>
-  <dgm:styleLbl name="node2">
-    <dgm:fillClrLst>
-      <a:schemeClr val="accent2"/>
-    </dgm:fillClrLst>
-    <dgm:linClrLst meth="repeat">
-      <a:schemeClr val="lt1"/>
-    </dgm:linClrLst>
-    <dgm:effectClrLst/>
-    <dgm:txLinClrLst/>
-    <dgm:txFillClrLst/>
-    <dgm:txEffectClrLst/>
-  </dgm:styleLbl>
-  <dgm:styleLbl name="node3">
-    <dgm:fillClrLst>
-      <a:schemeClr val="accent3"/>
-    </dgm:fillClrLst>
-    <dgm:linClrLst meth="repeat">
-      <a:schemeClr val="lt1"/>
-    </dgm:linClrLst>
-    <dgm:effectClrLst/>
-    <dgm:txLinClrLst/>
-    <dgm:txFillClrLst/>
-    <dgm:txEffectClrLst/>
-  </dgm:styleLbl>
-  <dgm:styleLbl name="node4">
-    <dgm:fillClrLst>
-      <a:schemeClr val="accent4"/>
-    </dgm:fillClrLst>
-    <dgm:linClrLst meth="repeat">
-      <a:schemeClr val="lt1"/>
-    </dgm:linClrLst>
-    <dgm:effectClrLst/>
-    <dgm:txLinClrLst/>
-    <dgm:txFillClrLst/>
-    <dgm:txEffectClrLst/>
-  </dgm:styleLbl>
-  <dgm:styleLbl name="fgImgPlace1">
-    <dgm:fillClrLst meth="repeat">
-      <a:schemeClr val="accent2">
-        <a:tint val="50000"/>
-      </a:schemeClr>
-      <a:schemeClr val="accent3">
-        <a:tint val="50000"/>
-      </a:schemeClr>
-      <a:schemeClr val="accent4">
-        <a:tint val="50000"/>
-      </a:schemeClr>
-      <a:schemeClr val="accent5">
-        <a:tint val="50000"/>
-      </a:schemeClr>
-      <a:schemeClr val="accent6">
-        <a:tint val="50000"/>
-      </a:schemeClr>
-    </dgm:fillClrLst>
-    <dgm:linClrLst meth="repeat">
-      <a:schemeClr val="lt1"/>
-    </dgm:linClrLst>
-    <dgm:effectClrLst/>
-    <dgm:txLinClrLst/>
-    <dgm:txFillClrLst meth="repeat">
-      <a:schemeClr val="lt1"/>
-    </dgm:txFillClrLst>
-    <dgm:txEffectClrLst/>
-  </dgm:styleLbl>
-  <dgm:styleLbl name="alignImgPlace1">
-    <dgm:fillClrLst>
-      <a:schemeClr val="accent1">
-        <a:tint val="50000"/>
-      </a:schemeClr>
-      <a:schemeClr val="accent2">
-        <a:tint val="20000"/>
-      </a:schemeClr>
-    </dgm:fillClrLst>
-    <dgm:linClrLst meth="repeat">
-      <a:schemeClr val="lt1"/>
-    </dgm:linClrLst>
-    <dgm:effectClrLst/>
-    <dgm:txLinClrLst/>
-    <dgm:txFillClrLst meth="repeat">
-      <a:schemeClr val="lt1"/>
-    </dgm:txFillClrLst>
-    <dgm:txEffectClrLst/>
-  </dgm:styleLbl>
-  <dgm:styleLbl name="bgImgPlace1">
-    <dgm:fillClrLst>
-      <a:schemeClr val="accent1">
-        <a:tint val="50000"/>
-      </a:schemeClr>
-      <a:schemeClr val="accent2">
-        <a:tint val="20000"/>
-      </a:schemeClr>
-    </dgm:fillClrLst>
-    <dgm:linClrLst meth="repeat">
-      <a:schemeClr val="lt1"/>
-    </dgm:linClrLst>
-    <dgm:effectClrLst/>
-    <dgm:txLinClrLst/>
-    <dgm:txFillClrLst meth="repeat">
-      <a:schemeClr val="lt1"/>
-    </dgm:txFillClrLst>
-    <dgm:txEffectClrLst/>
-  </dgm:styleLbl>
-  <dgm:styleLbl name="sibTrans2D1">
-    <dgm:fillClrLst meth="repeat">
-      <a:schemeClr val="accent2"/>
-      <a:schemeClr val="accent3"/>
-      <a:schemeClr val="accent4"/>
-      <a:schemeClr val="accent5"/>
-      <a:schemeClr val="accent6"/>
-    </dgm:fillClrLst>
-    <dgm:linClrLst meth="cycle">
-      <a:schemeClr val="lt1"/>
-    </dgm:linClrLst>
-    <dgm:effectClrLst/>
-    <dgm:txLinClrLst/>
-    <dgm:txFillClrLst/>
-    <dgm:txEffectClrLst/>
-  </dgm:styleLbl>
-  <dgm:styleLbl name="fgSibTrans2D1">
-    <dgm:fillClrLst meth="repeat">
-      <a:schemeClr val="accent2"/>
-      <a:schemeClr val="accent3"/>
-      <a:schemeClr val="accent4"/>
-      <a:schemeClr val="accent5"/>
-      <a:schemeClr val="accent6"/>
-    </dgm:fillClrLst>
-    <dgm:linClrLst meth="cycle">
-      <a:schemeClr val="lt1"/>
-    </dgm:linClrLst>
-    <dgm:effectClrLst/>
-    <dgm:txLinClrLst/>
-    <dgm:txFillClrLst meth="repeat">
-      <a:schemeClr val="lt1"/>
-    </dgm:txFillClrLst>
-    <dgm:txEffectClrLst/>
-  </dgm:styleLbl>
-  <dgm:styleLbl name="bgSibTrans2D1">
-    <dgm:fillClrLst meth="repeat">
-      <a:schemeClr val="accent2"/>
-      <a:schemeClr val="accent3"/>
-      <a:schemeClr val="accent4"/>
-      <a:schemeClr val="accent5"/>
-      <a:schemeClr val="accent6"/>
-    </dgm:fillClrLst>
-    <dgm:linClrLst meth="cycle">
-      <a:schemeClr val="lt1"/>
-    </dgm:linClrLst>
-    <dgm:effectClrLst/>
-    <dgm:txLinClrLst/>
-    <dgm:txFillClrLst meth="repeat">
-      <a:schemeClr val="lt1"/>
-    </dgm:txFillClrLst>
-    <dgm:txEffectClrLst/>
-  </dgm:styleLbl>
-  <dgm:styleLbl name="sibTrans1D1">
-    <dgm:fillClrLst meth="repeat">
-      <a:schemeClr val="accent2"/>
-      <a:schemeClr val="accent3"/>
-      <a:schemeClr val="accent4"/>
-      <a:schemeClr val="accent5"/>
-      <a:schemeClr val="accent6"/>
-    </dgm:fillClrLst>
-    <dgm:linClrLst meth="repeat">
-      <a:schemeClr val="accent2"/>
-      <a:schemeClr val="accent3"/>
-      <a:schemeClr val="accent4"/>
-      <a:schemeClr val="accent5"/>
-      <a:schemeClr val="accent6"/>
-    </dgm:linClrLst>
-    <dgm:effectClrLst/>
-    <dgm:txLinClrLst/>
-    <dgm:txFillClrLst meth="repeat">
-      <a:schemeClr val="tx1"/>
-    </dgm:txFillClrLst>
-    <dgm:txEffectClrLst/>
-  </dgm:styleLbl>
-  <dgm:styleLbl name="callout">
-    <dgm:fillClrLst meth="repeat">
-      <a:schemeClr val="accent2"/>
-    </dgm:fillClrLst>
-    <dgm:linClrLst meth="repeat">
-      <a:schemeClr val="accent2">
-        <a:tint val="50000"/>
-      </a:schemeClr>
-    </dgm:linClrLst>
-    <dgm:effectClrLst/>
-    <dgm:txLinClrLst/>
-    <dgm:txFillClrLst meth="repeat">
-      <a:schemeClr val="tx1"/>
-    </dgm:txFillClrLst>
-    <dgm:txEffectClrLst/>
-  </dgm:styleLbl>
-  <dgm:styleLbl name="asst0">
-    <dgm:fillClrLst meth="repeat">
-      <a:schemeClr val="accent1"/>
-    </dgm:fillClrLst>
-    <dgm:linClrLst meth="repeat">
-      <a:schemeClr val="lt1"/>
-    </dgm:linClrLst>
-    <dgm:effectClrLst/>
-    <dgm:txLinClrLst/>
-    <dgm:txFillClrLst/>
-    <dgm:txEffectClrLst/>
-  </dgm:styleLbl>
-  <dgm:styleLbl name="asst1">
-    <dgm:fillClrLst meth="repeat">
-      <a:schemeClr val="accent2"/>
-    </dgm:fillClrLst>
-    <dgm:linClrLst meth="repeat">
-      <a:schemeClr val="lt1"/>
-    </dgm:linClrLst>
-    <dgm:effectClrLst/>
-    <dgm:txLinClrLst/>
-    <dgm:txFillClrLst/>
-    <dgm:txEffectClrLst/>
-  </dgm:styleLbl>
-  <dgm:styleLbl name="asst2">
-    <dgm:fillClrLst>
-      <a:schemeClr val="accent3"/>
-    </dgm:fillClrLst>
-    <dgm:linClrLst meth="repeat">
-      <a:schemeClr val="lt1"/>
-    </dgm:linClrLst>
-    <dgm:effectClrLst/>
-    <dgm:txLinClrLst/>
-    <dgm:txFillClrLst/>
-    <dgm:txEffectClrLst/>
-  </dgm:styleLbl>
-  <dgm:styleLbl name="asst3">
-    <dgm:fillClrLst>
-      <a:schemeClr val="accent4"/>
-    </dgm:fillClrLst>
-    <dgm:linClrLst meth="repeat">
-      <a:schemeClr val="lt1"/>
-    </dgm:linClrLst>
-    <dgm:effectClrLst/>
-    <dgm:txLinClrLst/>
-    <dgm:txFillClrLst/>
-    <dgm:txEffectClrLst/>
-  </dgm:styleLbl>
-  <dgm:styleLbl name="asst4">
-    <dgm:fillClrLst>
-      <a:schemeClr val="accent5"/>
-    </dgm:fillClrLst>
-    <dgm:linClrLst meth="repeat">
-      <a:schemeClr val="lt1"/>
-    </dgm:linClrLst>
-    <dgm:effectClrLst/>
-    <dgm:txLinClrLst/>
-    <dgm:txFillClrLst/>
-    <dgm:txEffectClrLst/>
-  </dgm:styleLbl>
-  <dgm:styleLbl name="parChTrans2D1">
-    <dgm:fillClrLst meth="repeat">
-      <a:schemeClr val="accent2"/>
-    </dgm:fillClrLst>
-    <dgm:linClrLst meth="repeat">
-      <a:schemeClr val="lt1"/>
-    </dgm:linClrLst>
-    <dgm:effectClrLst/>
-    <dgm:txLinClrLst/>
-    <dgm:txFillClrLst meth="repeat">
-      <a:schemeClr val="lt1"/>
-    </dgm:txFillClrLst>
-    <dgm:txEffectClrLst/>
-  </dgm:styleLbl>
-  <dgm:styleLbl name="parChTrans2D2">
-    <dgm:fillClrLst meth="repeat">
-      <a:schemeClr val="accent3"/>
-    </dgm:fillClrLst>
-    <dgm:linClrLst meth="repeat">
-      <a:schemeClr val="lt1"/>
-    </dgm:linClrLst>
-    <dgm:effectClrLst/>
-    <dgm:txLinClrLst/>
-    <dgm:txFillClrLst/>
-    <dgm:txEffectClrLst/>
-  </dgm:styleLbl>
-  <dgm:styleLbl name="parChTrans2D3">
-    <dgm:fillClrLst meth="repeat">
-      <a:schemeClr val="accent4"/>
-    </dgm:fillClrLst>
-    <dgm:linClrLst meth="repeat">
-      <a:schemeClr val="lt1"/>
-    </dgm:linClrLst>
-    <dgm:effectClrLst/>
-    <dgm:txLinClrLst/>
-    <dgm:txFillClrLst/>
-    <dgm:txEffectClrLst/>
-  </dgm:styleLbl>
-  <dgm:styleLbl name="parChTrans2D4">
-    <dgm:fillClrLst meth="repeat">
-      <a:schemeClr val="accent5"/>
-    </dgm:fillClrLst>
-    <dgm:linClrLst meth="repeat">
-      <a:schemeClr val="lt1"/>
-    </dgm:linClrLst>
-    <dgm:effectClrLst/>
-    <dgm:txLinClrLst/>
-    <dgm:txFillClrLst meth="repeat">
-      <a:schemeClr val="lt1"/>
-    </dgm:txFillClrLst>
-    <dgm:txEffectClrLst/>
-  </dgm:styleLbl>
-  <dgm:styleLbl name="parChTrans1D1">
-    <dgm:fillClrLst meth="repeat">
-      <a:schemeClr val="accent2"/>
-    </dgm:fillClrLst>
-    <dgm:linClrLst meth="repeat">
-      <a:schemeClr val="accent1"/>
-    </dgm:linClrLst>
-    <dgm:effectClrLst/>
-    <dgm:txLinClrLst/>
-    <dgm:txFillClrLst meth="repeat">
-      <a:schemeClr val="tx1"/>
-    </dgm:txFillClrLst>
-    <dgm:txEffectClrLst/>
-  </dgm:styleLbl>
-  <dgm:styleLbl name="parChTrans1D2">
-    <dgm:fillClrLst meth="repeat">
-      <a:schemeClr val="accent3">
-        <a:tint val="90000"/>
-      </a:schemeClr>
-    </dgm:fillClrLst>
-    <dgm:linClrLst meth="repeat">
-      <a:schemeClr val="accent2"/>
-    </dgm:linClrLst>
-    <dgm:effectClrLst/>
-    <dgm:txLinClrLst/>
-    <dgm:txFillClrLst meth="repeat">
-      <a:schemeClr val="tx1"/>
-    </dgm:txFillClrLst>
-    <dgm:txEffectClrLst/>
-  </dgm:styleLbl>
-  <dgm:styleLbl name="parChTrans1D3">
-    <dgm:fillClrLst meth="repeat">
-      <a:schemeClr val="accent4">
-        <a:tint val="70000"/>
-      </a:schemeClr>
-    </dgm:fillClrLst>
-    <dgm:linClrLst meth="repeat">
-      <a:schemeClr val="accent3"/>
-    </dgm:linClrLst>
-    <dgm:effectClrLst/>
-    <dgm:txLinClrLst/>
-    <dgm:txFillClrLst meth="repeat">
-      <a:schemeClr val="tx1"/>
-    </dgm:txFillClrLst>
-    <dgm:txEffectClrLst/>
-  </dgm:styleLbl>
-  <dgm:styleLbl name="parChTrans1D4">
-    <dgm:fillClrLst meth="repeat">
-      <a:schemeClr val="accent5">
-        <a:tint val="50000"/>
-      </a:schemeClr>
-    </dgm:fillClrLst>
-    <dgm:linClrLst meth="repeat">
-      <a:schemeClr val="accent4"/>
-    </dgm:linClrLst>
-    <dgm:effectClrLst/>
-    <dgm:txLinClrLst/>
-    <dgm:txFillClrLst meth="repeat">
-      <a:schemeClr val="tx1"/>
-    </dgm:txFillClrLst>
-    <dgm:txEffectClrLst/>
-  </dgm:styleLbl>
-  <dgm:styleLbl name="fgAcc1">
-    <dgm:fillClrLst meth="repeat">
-      <a:schemeClr val="lt1">
-        <a:alpha val="90000"/>
-      </a:schemeClr>
-    </dgm:fillClrLst>
-    <dgm:linClrLst meth="repeat">
-      <a:schemeClr val="accent2"/>
-      <a:schemeClr val="accent3"/>
-      <a:schemeClr val="accent4"/>
-      <a:schemeClr val="accent5"/>
-      <a:schemeClr val="accent6"/>
-    </dgm:linClrLst>
-    <dgm:effectClrLst/>
-    <dgm:txLinClrLst/>
-    <dgm:txFillClrLst meth="repeat">
-      <a:schemeClr val="dk1"/>
-    </dgm:txFillClrLst>
-    <dgm:txEffectClrLst/>
-  </dgm:styleLbl>
-  <dgm:styleLbl name="conFgAcc1">
-    <dgm:fillClrLst meth="repeat">
-      <a:schemeClr val="lt1">
-        <a:alpha val="90000"/>
-      </a:schemeClr>
-    </dgm:fillClrLst>
-    <dgm:linClrLst meth="repeat">
-      <a:schemeClr val="accent2"/>
-      <a:schemeClr val="accent3"/>
-      <a:schemeClr val="accent4"/>
-      <a:schemeClr val="accent5"/>
-      <a:schemeClr val="accent6"/>
-    </dgm:linClrLst>
-    <dgm:effectClrLst/>
-    <dgm:txLinClrLst/>
-    <dgm:txFillClrLst meth="repeat">
-      <a:schemeClr val="dk1"/>
-    </dgm:txFillClrLst>
-    <dgm:txEffectClrLst/>
-  </dgm:styleLbl>
-  <dgm:styleLbl name="alignAcc1">
-    <dgm:fillClrLst meth="repeat">
-      <a:schemeClr val="lt1">
-        <a:alpha val="90000"/>
-      </a:schemeClr>
-    </dgm:fillClrLst>
-    <dgm:linClrLst meth="repeat">
-      <a:schemeClr val="accent2"/>
-      <a:schemeClr val="accent3"/>
-      <a:schemeClr val="accent4"/>
-      <a:schemeClr val="accent5"/>
-      <a:schemeClr val="accent6"/>
-    </dgm:linClrLst>
-    <dgm:effectClrLst/>
-    <dgm:txLinClrLst/>
-    <dgm:txFillClrLst meth="repeat">
-      <a:schemeClr val="dk1"/>
-    </dgm:txFillClrLst>
-    <dgm:txEffectClrLst/>
-  </dgm:styleLbl>
-  <dgm:styleLbl name="trAlignAcc1">
-    <dgm:fillClrLst meth="repeat">
-      <a:schemeClr val="lt1">
-        <a:alpha val="40000"/>
-      </a:schemeClr>
-    </dgm:fillClrLst>
-    <dgm:linClrLst meth="repeat">
-      <a:schemeClr val="accent1"/>
-    </dgm:linClrLst>
-    <dgm:effectClrLst/>
-    <dgm:txLinClrLst/>
-    <dgm:txFillClrLst meth="repeat">
-      <a:schemeClr val="dk1"/>
-    </dgm:txFillClrLst>
-    <dgm:txEffectClrLst/>
-  </dgm:styleLbl>
-  <dgm:styleLbl name="bgAcc1">
-    <dgm:fillClrLst meth="repeat">
-      <a:schemeClr val="lt1">
-        <a:alpha val="90000"/>
-      </a:schemeClr>
-    </dgm:fillClrLst>
-    <dgm:linClrLst meth="repeat">
-      <a:schemeClr val="accent2"/>
-      <a:schemeClr val="accent3"/>
-      <a:schemeClr val="accent4"/>
-      <a:schemeClr val="accent5"/>
-      <a:schemeClr val="accent6"/>
-    </dgm:linClrLst>
-    <dgm:effectClrLst/>
-    <dgm:txLinClrLst/>
-    <dgm:txFillClrLst meth="repeat">
-      <a:schemeClr val="dk1"/>
-    </dgm:txFillClrLst>
-    <dgm:txEffectClrLst/>
-  </dgm:styleLbl>
-  <dgm:styleLbl name="solidFgAcc1">
-    <dgm:fillClrLst meth="repeat">
-      <a:schemeClr val="lt1"/>
-    </dgm:fillClrLst>
-    <dgm:linClrLst meth="repeat">
-      <a:schemeClr val="accent2"/>
-      <a:schemeClr val="accent3"/>
-      <a:schemeClr val="accent4"/>
-      <a:schemeClr val="accent5"/>
-      <a:schemeClr val="accent6"/>
-    </dgm:linClrLst>
-    <dgm:effectClrLst/>
-    <dgm:txLinClrLst/>
-    <dgm:txFillClrLst meth="repeat">
-      <a:schemeClr val="dk1"/>
-    </dgm:txFillClrLst>
-    <dgm:txEffectClrLst/>
-  </dgm:styleLbl>
-  <dgm:styleLbl name="solidAlignAcc1">
-    <dgm:fillClrLst meth="repeat">
-      <a:schemeClr val="lt1"/>
-    </dgm:fillClrLst>
-    <dgm:linClrLst meth="repeat">
-      <a:schemeClr val="accent2"/>
-      <a:schemeClr val="accent3"/>
-      <a:schemeClr val="accent4"/>
-      <a:schemeClr val="accent5"/>
-      <a:schemeClr val="accent6"/>
-    </dgm:linClrLst>
-    <dgm:effectClrLst/>
-    <dgm:txLinClrLst/>
-    <dgm:txFillClrLst meth="repeat">
-      <a:schemeClr val="dk1"/>
-    </dgm:txFillClrLst>
-    <dgm:txEffectClrLst/>
-  </dgm:styleLbl>
-  <dgm:styleLbl name="solidBgAcc1">
-    <dgm:fillClrLst meth="repeat">
-      <a:schemeClr val="lt1"/>
-    </dgm:fillClrLst>
-    <dgm:linClrLst meth="repeat">
-      <a:schemeClr val="accent2"/>
-      <a:schemeClr val="accent3"/>
-      <a:schemeClr val="accent4"/>
-      <a:schemeClr val="accent5"/>
-      <a:schemeClr val="accent6"/>
-    </dgm:linClrLst>
-    <dgm:effectClrLst/>
-    <dgm:txLinClrLst/>
-    <dgm:txFillClrLst meth="repeat">
-      <a:schemeClr val="dk1"/>
-    </dgm:txFillClrLst>
-    <dgm:txEffectClrLst/>
-  </dgm:styleLbl>
-  <dgm:styleLbl name="fgAccFollowNode1">
-    <dgm:fillClrLst meth="repeat">
-      <a:schemeClr val="accent2">
-        <a:tint val="40000"/>
-        <a:alpha val="90000"/>
-      </a:schemeClr>
-      <a:schemeClr val="accent3">
-        <a:tint val="40000"/>
-        <a:alpha val="90000"/>
-      </a:schemeClr>
-      <a:schemeClr val="accent4">
-        <a:tint val="40000"/>
-        <a:alpha val="90000"/>
-      </a:schemeClr>
-      <a:schemeClr val="accent5">
-        <a:tint val="40000"/>
-        <a:alpha val="90000"/>
-      </a:schemeClr>
-      <a:schemeClr val="accent6">
-        <a:tint val="40000"/>
-        <a:alpha val="90000"/>
-      </a:schemeClr>
-    </dgm:fillClrLst>
-    <dgm:linClrLst meth="repeat">
-      <a:schemeClr val="accent2">
-        <a:tint val="40000"/>
-        <a:alpha val="90000"/>
-      </a:schemeClr>
-      <a:schemeClr val="accent3">
-        <a:tint val="40000"/>
-        <a:alpha val="90000"/>
-      </a:schemeClr>
-      <a:schemeClr val="accent4">
-        <a:tint val="40000"/>
-        <a:alpha val="90000"/>
-      </a:schemeClr>
-      <a:schemeClr val="accent5">
-        <a:tint val="40000"/>
-        <a:alpha val="90000"/>
-      </a:schemeClr>
-      <a:schemeClr val="accent6">
-        <a:tint val="40000"/>
-        <a:alpha val="90000"/>
-      </a:schemeClr>
-    </dgm:linClrLst>
-    <dgm:effectClrLst/>
-    <dgm:txLinClrLst/>
-    <dgm:txFillClrLst meth="repeat">
-      <a:schemeClr val="dk1"/>
-    </dgm:txFillClrLst>
-    <dgm:txEffectClrLst/>
-  </dgm:styleLbl>
-  <dgm:styleLbl name="alignAccFollowNode1">
-    <dgm:fillClrLst meth="repeat">
-      <a:schemeClr val="accent2">
-        <a:tint val="40000"/>
-        <a:alpha val="90000"/>
-      </a:schemeClr>
-      <a:schemeClr val="accent3">
-        <a:tint val="40000"/>
-        <a:alpha val="90000"/>
-      </a:schemeClr>
-      <a:schemeClr val="accent4">
-        <a:tint val="40000"/>
-        <a:alpha val="90000"/>
-      </a:schemeClr>
-      <a:schemeClr val="accent5">
-        <a:tint val="40000"/>
-        <a:alpha val="90000"/>
-      </a:schemeClr>
-      <a:schemeClr val="accent6">
-        <a:tint val="40000"/>
-        <a:alpha val="90000"/>
-      </a:schemeClr>
-    </dgm:fillClrLst>
-    <dgm:linClrLst meth="repeat">
-      <a:schemeClr val="accent2">
-        <a:tint val="40000"/>
-        <a:alpha val="90000"/>
-      </a:schemeClr>
-      <a:schemeClr val="accent3">
-        <a:tint val="40000"/>
-        <a:alpha val="90000"/>
-      </a:schemeClr>
-      <a:schemeClr val="accent4">
-        <a:tint val="40000"/>
-        <a:alpha val="90000"/>
-      </a:schemeClr>
-      <a:schemeClr val="accent5">
-        <a:tint val="40000"/>
-        <a:alpha val="90000"/>
-      </a:schemeClr>
-      <a:schemeClr val="accent6">
-        <a:tint val="40000"/>
-        <a:alpha val="90000"/>
-      </a:schemeClr>
-    </dgm:linClrLst>
-    <dgm:effectClrLst/>
-    <dgm:txLinClrLst/>
-    <dgm:txFillClrLst meth="repeat">
-      <a:schemeClr val="dk1"/>
-    </dgm:txFillClrLst>
-    <dgm:txEffectClrLst/>
-  </dgm:styleLbl>
-  <dgm:styleLbl name="bgAccFollowNode1">
-    <dgm:fillClrLst meth="repeat">
-      <a:schemeClr val="accent2">
-        <a:tint val="40000"/>
-        <a:alpha val="90000"/>
-      </a:schemeClr>
-      <a:schemeClr val="accent3">
-        <a:tint val="40000"/>
-        <a:alpha val="90000"/>
-      </a:schemeClr>
-      <a:schemeClr val="accent4">
-        <a:tint val="40000"/>
-        <a:alpha val="90000"/>
-      </a:schemeClr>
-      <a:schemeClr val="accent5">
-        <a:tint val="40000"/>
-        <a:alpha val="90000"/>
-      </a:schemeClr>
-      <a:schemeClr val="accent6">
-        <a:tint val="40000"/>
-        <a:alpha val="90000"/>
-      </a:schemeClr>
-    </dgm:fillClrLst>
-    <dgm:linClrLst meth="repeat">
-      <a:schemeClr val="accent2">
-        <a:tint val="40000"/>
-        <a:alpha val="90000"/>
-      </a:schemeClr>
-      <a:schemeClr val="accent3">
-        <a:tint val="40000"/>
-        <a:alpha val="90000"/>
-      </a:schemeClr>
-      <a:schemeClr val="accent4">
-        <a:tint val="40000"/>
-        <a:alpha val="90000"/>
-      </a:schemeClr>
-      <a:schemeClr val="accent5">
-        <a:tint val="40000"/>
-        <a:alpha val="90000"/>
-      </a:schemeClr>
-      <a:schemeClr val="accent6">
-        <a:tint val="40000"/>
-        <a:alpha val="90000"/>
-      </a:schemeClr>
-    </dgm:linClrLst>
-    <dgm:effectClrLst/>
-    <dgm:txLinClrLst/>
-    <dgm:txFillClrLst meth="repeat">
-      <a:schemeClr val="dk1"/>
-    </dgm:txFillClrLst>
-    <dgm:txEffectClrLst/>
-  </dgm:styleLbl>
-  <dgm:styleLbl name="fgAcc0">
-    <dgm:fillClrLst meth="repeat">
-      <a:schemeClr val="lt1">
-        <a:alpha val="90000"/>
-      </a:schemeClr>
-    </dgm:fillClrLst>
-    <dgm:linClrLst>
-      <a:schemeClr val="accent1"/>
-    </dgm:linClrLst>
-    <dgm:effectClrLst/>
-    <dgm:txLinClrLst/>
-    <dgm:txFillClrLst meth="repeat">
-      <a:schemeClr val="dk1"/>
-    </dgm:txFillClrLst>
-    <dgm:txEffectClrLst/>
-  </dgm:styleLbl>
-  <dgm:styleLbl name="fgAcc2">
-    <dgm:fillClrLst meth="repeat">
-      <a:schemeClr val="lt1">
-        <a:alpha val="90000"/>
-      </a:schemeClr>
-    </dgm:fillClrLst>
-    <dgm:linClrLst>
-      <a:schemeClr val="accent2"/>
-    </dgm:linClrLst>
-    <dgm:effectClrLst/>
-    <dgm:txLinClrLst/>
-    <dgm:txFillClrLst meth="repeat">
-      <a:schemeClr val="dk1"/>
-    </dgm:txFillClrLst>
-    <dgm:txEffectClrLst/>
-  </dgm:styleLbl>
-  <dgm:styleLbl name="fgAcc3">
-    <dgm:fillClrLst meth="repeat">
-      <a:schemeClr val="lt1">
-        <a:alpha val="90000"/>
-      </a:schemeClr>
-    </dgm:fillClrLst>
-    <dgm:linClrLst>
-      <a:schemeClr val="accent3"/>
-    </dgm:linClrLst>
-    <dgm:effectClrLst/>
-    <dgm:txLinClrLst/>
-    <dgm:txFillClrLst meth="repeat">
-      <a:schemeClr val="dk1"/>
-    </dgm:txFillClrLst>
-    <dgm:txEffectClrLst/>
-  </dgm:styleLbl>
-  <dgm:styleLbl name="fgAcc4">
-    <dgm:fillClrLst meth="repeat">
-      <a:schemeClr val="lt1">
-        <a:alpha val="90000"/>
-      </a:schemeClr>
-    </dgm:fillClrLst>
-    <dgm:linClrLst>
-      <a:schemeClr val="accent4"/>
-    </dgm:linClrLst>
-    <dgm:effectClrLst/>
-    <dgm:txLinClrLst/>
-    <dgm:txFillClrLst meth="repeat">
-      <a:schemeClr val="dk1"/>
-    </dgm:txFillClrLst>
-    <dgm:txEffectClrLst/>
-  </dgm:styleLbl>
-  <dgm:styleLbl name="bgShp">
-    <dgm:fillClrLst meth="repeat">
-      <a:schemeClr val="accent2">
-        <a:tint val="40000"/>
-      </a:schemeClr>
-    </dgm:fillClrLst>
-    <dgm:linClrLst meth="repeat">
-      <a:schemeClr val="dk1"/>
-    </dgm:linClrLst>
-    <dgm:effectClrLst/>
-    <dgm:txLinClrLst/>
-    <dgm:txFillClrLst meth="repeat">
-      <a:schemeClr val="dk1"/>
-    </dgm:txFillClrLst>
-    <dgm:txEffectClrLst/>
-  </dgm:styleLbl>
-  <dgm:styleLbl name="dkBgShp">
-    <dgm:fillClrLst meth="repeat">
-      <a:schemeClr val="accent2">
-        <a:shade val="90000"/>
-      </a:schemeClr>
-    </dgm:fillClrLst>
-    <dgm:linClrLst meth="repeat">
-      <a:schemeClr val="dk1"/>
-    </dgm:linClrLst>
-    <dgm:effectClrLst/>
-    <dgm:txLinClrLst/>
-    <dgm:txFillClrLst meth="repeat">
-      <a:schemeClr val="lt1"/>
-    </dgm:txFillClrLst>
-    <dgm:txEffectClrLst/>
-  </dgm:styleLbl>
-  <dgm:styleLbl name="trBgShp">
-    <dgm:fillClrLst meth="repeat">
-      <a:schemeClr val="accent1">
-        <a:tint val="50000"/>
-        <a:alpha val="40000"/>
-      </a:schemeClr>
-    </dgm:fillClrLst>
-    <dgm:linClrLst meth="repeat">
-      <a:schemeClr val="accent2"/>
-    </dgm:linClrLst>
-    <dgm:effectClrLst/>
-    <dgm:txLinClrLst/>
-    <dgm:txFillClrLst meth="repeat">
-      <a:schemeClr val="lt1"/>
-    </dgm:txFillClrLst>
-    <dgm:txEffectClrLst/>
-  </dgm:styleLbl>
-  <dgm:styleLbl name="fgShp">
-    <dgm:fillClrLst meth="repeat">
-      <a:schemeClr val="accent2">
-        <a:tint val="40000"/>
-      </a:schemeClr>
-    </dgm:fillClrLst>
-    <dgm:linClrLst meth="repeat">
-      <a:schemeClr val="lt1"/>
-    </dgm:linClrLst>
-    <dgm:effectClrLst/>
-    <dgm:txLinClrLst/>
-    <dgm:txFillClrLst meth="repeat">
-      <a:schemeClr val="dk1"/>
-    </dgm:txFillClrLst>
-    <dgm:txEffectClrLst/>
-  </dgm:styleLbl>
-  <dgm:styleLbl name="revTx">
-    <dgm:fillClrLst meth="repeat">
-      <a:schemeClr val="lt1">
-        <a:alpha val="0"/>
-      </a:schemeClr>
-    </dgm:fillClrLst>
-    <dgm:linClrLst meth="repeat">
-      <a:schemeClr val="dk1">
-        <a:alpha val="0"/>
-      </a:schemeClr>
-    </dgm:linClrLst>
-    <dgm:effectClrLst/>
-    <dgm:txLinClrLst/>
-    <dgm:txFillClrLst meth="repeat">
-      <a:schemeClr val="tx1"/>
-    </dgm:txFillClrLst>
-    <dgm:txEffectClrLst/>
-  </dgm:styleLbl>
-</dgm:colorsDef>
-</file>
-
 <file path=ppt/diagrams/data1.xml><?xml version="1.0" encoding="utf-8"?>
 <dgm:dataModel xmlns:dgm="http://schemas.openxmlformats.org/drawingml/2006/diagram" xmlns:a="http://schemas.openxmlformats.org/drawingml/2006/main">
   <dgm:ptLst>
@@ -2028,219 +1113,6 @@
     <dgm:cxn modelId="{EBD9E365-14D4-8946-9B34-9B083A6A5E9F}" type="presParOf" srcId="{59631399-47B8-BC4E-9D75-EBF3DCFBE8B7}" destId="{A9F5F643-8B2C-D746-8888-8BD33172D1B3}" srcOrd="0" destOrd="0" presId="urn:microsoft.com/office/officeart/2005/8/layout/hierarchy1"/>
     <dgm:cxn modelId="{7DAEDDC4-01BE-1848-8CD3-5DB1CA7DE9EE}" type="presParOf" srcId="{59631399-47B8-BC4E-9D75-EBF3DCFBE8B7}" destId="{F9FAC149-BDFF-5E40-BCBA-76B1FADFC0AD}" srcOrd="1" destOrd="0" presId="urn:microsoft.com/office/officeart/2005/8/layout/hierarchy1"/>
     <dgm:cxn modelId="{002F25DA-E8CE-F74D-AB93-1A66DAAB4A4A}" type="presParOf" srcId="{2672AC1D-0105-C64B-AA7A-2F47B9015A66}" destId="{089ACB23-7913-5B43-8520-CC73B298E34B}" srcOrd="1" destOrd="0" presId="urn:microsoft.com/office/officeart/2005/8/layout/hierarchy1"/>
-  </dgm:cxnLst>
-  <dgm:bg/>
-  <dgm:whole/>
-  <dgm:extLst>
-    <a:ext uri="http://schemas.microsoft.com/office/drawing/2008/diagram">
-      <dsp:dataModelExt xmlns:dsp="http://schemas.microsoft.com/office/drawing/2008/diagram" relId="rId6" minVer="http://schemas.openxmlformats.org/drawingml/2006/diagram"/>
-    </a:ext>
-  </dgm:extLst>
-</dgm:dataModel>
-</file>
-
-<file path=ppt/diagrams/data2.xml><?xml version="1.0" encoding="utf-8"?>
-<dgm:dataModel xmlns:dgm="http://schemas.openxmlformats.org/drawingml/2006/diagram" xmlns:a="http://schemas.openxmlformats.org/drawingml/2006/main">
-  <dgm:ptLst>
-    <dgm:pt modelId="{28AA02AD-E2AC-4ABA-B1EF-9E0BFF254302}" type="doc">
-      <dgm:prSet loTypeId="urn:microsoft.com/office/officeart/2005/8/layout/vList5" loCatId="list" qsTypeId="urn:microsoft.com/office/officeart/2005/8/quickstyle/simple1" qsCatId="simple" csTypeId="urn:microsoft.com/office/officeart/2005/8/colors/colorful1" csCatId="colorful" phldr="1"/>
-      <dgm:spPr/>
-      <dgm:t>
-        <a:bodyPr/>
-        <a:lstStyle/>
-        <a:p>
-          <a:endParaRPr lang="en-US"/>
-        </a:p>
-      </dgm:t>
-    </dgm:pt>
-    <dgm:pt modelId="{AC98E0FF-BB60-452F-ABCB-C1C7FD3C1F2F}">
-      <dgm:prSet/>
-      <dgm:spPr/>
-      <dgm:t>
-        <a:bodyPr/>
-        <a:lstStyle/>
-        <a:p>
-          <a:r>
-            <a:rPr lang="ar-KW" dirty="0"/>
-            <a:t>مشاكل عامة مع اعادة الضبط</a:t>
-          </a:r>
-          <a:endParaRPr lang="en-US" dirty="0"/>
-        </a:p>
-      </dgm:t>
-    </dgm:pt>
-    <dgm:pt modelId="{D2467B49-4979-45D8-87E0-9ADBF2BAAC6A}" type="parTrans" cxnId="{9B5289F4-165A-4DE2-9F8B-ED7BDADD710E}">
-      <dgm:prSet/>
-      <dgm:spPr/>
-      <dgm:t>
-        <a:bodyPr/>
-        <a:lstStyle/>
-        <a:p>
-          <a:endParaRPr lang="en-US"/>
-        </a:p>
-      </dgm:t>
-    </dgm:pt>
-    <dgm:pt modelId="{79778760-1664-4924-9190-50232874194D}" type="sibTrans" cxnId="{9B5289F4-165A-4DE2-9F8B-ED7BDADD710E}">
-      <dgm:prSet/>
-      <dgm:spPr/>
-      <dgm:t>
-        <a:bodyPr/>
-        <a:lstStyle/>
-        <a:p>
-          <a:endParaRPr lang="en-US"/>
-        </a:p>
-      </dgm:t>
-    </dgm:pt>
-    <dgm:pt modelId="{684125EE-8224-4550-8A5A-EE238D91EE49}">
-      <dgm:prSet/>
-      <dgm:spPr/>
-      <dgm:t>
-        <a:bodyPr/>
-        <a:lstStyle/>
-        <a:p>
-          <a:r>
-            <a:rPr lang="ar-KW" dirty="0"/>
-            <a:t>مشاكل مع موقع </a:t>
-          </a:r>
-          <a:r>
-            <a:rPr lang="en-US" dirty="0"/>
-            <a:t>NVD </a:t>
-          </a:r>
-        </a:p>
-      </dgm:t>
-    </dgm:pt>
-    <dgm:pt modelId="{99D0E43F-DA4C-49B7-BEA9-7DD3EB88A8F7}" type="parTrans" cxnId="{FEA13F5A-F270-4610-9F5B-CC97009A405A}">
-      <dgm:prSet/>
-      <dgm:spPr/>
-      <dgm:t>
-        <a:bodyPr/>
-        <a:lstStyle/>
-        <a:p>
-          <a:endParaRPr lang="en-US"/>
-        </a:p>
-      </dgm:t>
-    </dgm:pt>
-    <dgm:pt modelId="{E855F73B-25F4-4D46-9D9C-D8AF1A5B8133}" type="sibTrans" cxnId="{FEA13F5A-F270-4610-9F5B-CC97009A405A}">
-      <dgm:prSet/>
-      <dgm:spPr/>
-      <dgm:t>
-        <a:bodyPr/>
-        <a:lstStyle/>
-        <a:p>
-          <a:endParaRPr lang="en-US"/>
-        </a:p>
-      </dgm:t>
-    </dgm:pt>
-    <dgm:pt modelId="{87505DAE-B4F0-4A3A-86E8-38F5AE7A64BF}">
-      <dgm:prSet/>
-      <dgm:spPr/>
-      <dgm:t>
-        <a:bodyPr/>
-        <a:lstStyle/>
-        <a:p>
-          <a:r>
-            <a:rPr lang="ar-KW" dirty="0"/>
-            <a:t>مشاكل مع الشبكات الكثيفة</a:t>
-          </a:r>
-          <a:endParaRPr lang="en-US" dirty="0"/>
-        </a:p>
-      </dgm:t>
-    </dgm:pt>
-    <dgm:pt modelId="{3F3E7B2E-B16B-48D2-931A-055B5E165625}" type="sibTrans" cxnId="{79FBC876-CD50-447B-B2D4-216D5CF9E096}">
-      <dgm:prSet/>
-      <dgm:spPr/>
-      <dgm:t>
-        <a:bodyPr/>
-        <a:lstStyle/>
-        <a:p>
-          <a:endParaRPr lang="en-US"/>
-        </a:p>
-      </dgm:t>
-    </dgm:pt>
-    <dgm:pt modelId="{7CBC4E9A-C26D-4EA1-B52F-5B7EAE20E0B1}" type="parTrans" cxnId="{79FBC876-CD50-447B-B2D4-216D5CF9E096}">
-      <dgm:prSet/>
-      <dgm:spPr/>
-      <dgm:t>
-        <a:bodyPr/>
-        <a:lstStyle/>
-        <a:p>
-          <a:endParaRPr lang="en-US"/>
-        </a:p>
-      </dgm:t>
-    </dgm:pt>
-    <dgm:pt modelId="{56E01A08-CD30-E142-82E7-2150E8DA5D04}" type="pres">
-      <dgm:prSet presAssocID="{28AA02AD-E2AC-4ABA-B1EF-9E0BFF254302}" presName="Name0" presStyleCnt="0">
-        <dgm:presLayoutVars>
-          <dgm:dir/>
-          <dgm:animLvl val="lvl"/>
-          <dgm:resizeHandles val="exact"/>
-        </dgm:presLayoutVars>
-      </dgm:prSet>
-      <dgm:spPr/>
-    </dgm:pt>
-    <dgm:pt modelId="{7FC340A0-F0BF-E44F-B098-4D4AA42FC907}" type="pres">
-      <dgm:prSet presAssocID="{AC98E0FF-BB60-452F-ABCB-C1C7FD3C1F2F}" presName="linNode" presStyleCnt="0"/>
-      <dgm:spPr/>
-    </dgm:pt>
-    <dgm:pt modelId="{A539EF6D-8C5E-9549-9149-3411C206E187}" type="pres">
-      <dgm:prSet presAssocID="{AC98E0FF-BB60-452F-ABCB-C1C7FD3C1F2F}" presName="parentText" presStyleLbl="node1" presStyleIdx="0" presStyleCnt="3">
-        <dgm:presLayoutVars>
-          <dgm:chMax val="1"/>
-          <dgm:bulletEnabled val="1"/>
-        </dgm:presLayoutVars>
-      </dgm:prSet>
-      <dgm:spPr/>
-    </dgm:pt>
-    <dgm:pt modelId="{86486763-91DB-3A44-8E85-A37DA9341861}" type="pres">
-      <dgm:prSet presAssocID="{79778760-1664-4924-9190-50232874194D}" presName="sp" presStyleCnt="0"/>
-      <dgm:spPr/>
-    </dgm:pt>
-    <dgm:pt modelId="{6C216D87-B877-1245-8F81-F7FA4FC16444}" type="pres">
-      <dgm:prSet presAssocID="{684125EE-8224-4550-8A5A-EE238D91EE49}" presName="linNode" presStyleCnt="0"/>
-      <dgm:spPr/>
-    </dgm:pt>
-    <dgm:pt modelId="{F523DE71-DBC4-D844-9EE8-5AFB677E4338}" type="pres">
-      <dgm:prSet presAssocID="{684125EE-8224-4550-8A5A-EE238D91EE49}" presName="parentText" presStyleLbl="node1" presStyleIdx="1" presStyleCnt="3">
-        <dgm:presLayoutVars>
-          <dgm:chMax val="1"/>
-          <dgm:bulletEnabled val="1"/>
-        </dgm:presLayoutVars>
-      </dgm:prSet>
-      <dgm:spPr/>
-    </dgm:pt>
-    <dgm:pt modelId="{834D8AB6-CFCA-154F-9AA4-4FFC445D1346}" type="pres">
-      <dgm:prSet presAssocID="{E855F73B-25F4-4D46-9D9C-D8AF1A5B8133}" presName="sp" presStyleCnt="0"/>
-      <dgm:spPr/>
-    </dgm:pt>
-    <dgm:pt modelId="{FE78AF8B-BC50-DD45-8DB2-F22429E1ADAC}" type="pres">
-      <dgm:prSet presAssocID="{87505DAE-B4F0-4A3A-86E8-38F5AE7A64BF}" presName="linNode" presStyleCnt="0"/>
-      <dgm:spPr/>
-    </dgm:pt>
-    <dgm:pt modelId="{539A8CD8-181C-174F-BCA1-4BDBC6A4CB73}" type="pres">
-      <dgm:prSet presAssocID="{87505DAE-B4F0-4A3A-86E8-38F5AE7A64BF}" presName="parentText" presStyleLbl="node1" presStyleIdx="2" presStyleCnt="3">
-        <dgm:presLayoutVars>
-          <dgm:chMax val="1"/>
-          <dgm:bulletEnabled val="1"/>
-        </dgm:presLayoutVars>
-      </dgm:prSet>
-      <dgm:spPr/>
-    </dgm:pt>
-  </dgm:ptLst>
-  <dgm:cxnLst>
-    <dgm:cxn modelId="{3A6C1529-C98A-C34F-9D54-44BACD4C2DF1}" type="presOf" srcId="{28AA02AD-E2AC-4ABA-B1EF-9E0BFF254302}" destId="{56E01A08-CD30-E142-82E7-2150E8DA5D04}" srcOrd="0" destOrd="0" presId="urn:microsoft.com/office/officeart/2005/8/layout/vList5"/>
-    <dgm:cxn modelId="{FEA13F5A-F270-4610-9F5B-CC97009A405A}" srcId="{28AA02AD-E2AC-4ABA-B1EF-9E0BFF254302}" destId="{684125EE-8224-4550-8A5A-EE238D91EE49}" srcOrd="1" destOrd="0" parTransId="{99D0E43F-DA4C-49B7-BEA9-7DD3EB88A8F7}" sibTransId="{E855F73B-25F4-4D46-9D9C-D8AF1A5B8133}"/>
-    <dgm:cxn modelId="{79FBC876-CD50-447B-B2D4-216D5CF9E096}" srcId="{28AA02AD-E2AC-4ABA-B1EF-9E0BFF254302}" destId="{87505DAE-B4F0-4A3A-86E8-38F5AE7A64BF}" srcOrd="2" destOrd="0" parTransId="{7CBC4E9A-C26D-4EA1-B52F-5B7EAE20E0B1}" sibTransId="{3F3E7B2E-B16B-48D2-931A-055B5E165625}"/>
-    <dgm:cxn modelId="{278D8CA8-4523-EB40-8950-5618E8FB41B8}" type="presOf" srcId="{AC98E0FF-BB60-452F-ABCB-C1C7FD3C1F2F}" destId="{A539EF6D-8C5E-9549-9149-3411C206E187}" srcOrd="0" destOrd="0" presId="urn:microsoft.com/office/officeart/2005/8/layout/vList5"/>
-    <dgm:cxn modelId="{DFBF16B2-8C72-E94C-914E-3527B734B27B}" type="presOf" srcId="{87505DAE-B4F0-4A3A-86E8-38F5AE7A64BF}" destId="{539A8CD8-181C-174F-BCA1-4BDBC6A4CB73}" srcOrd="0" destOrd="0" presId="urn:microsoft.com/office/officeart/2005/8/layout/vList5"/>
-    <dgm:cxn modelId="{789DADF0-4243-1842-B50A-1430441343EC}" type="presOf" srcId="{684125EE-8224-4550-8A5A-EE238D91EE49}" destId="{F523DE71-DBC4-D844-9EE8-5AFB677E4338}" srcOrd="0" destOrd="0" presId="urn:microsoft.com/office/officeart/2005/8/layout/vList5"/>
-    <dgm:cxn modelId="{9B5289F4-165A-4DE2-9F8B-ED7BDADD710E}" srcId="{28AA02AD-E2AC-4ABA-B1EF-9E0BFF254302}" destId="{AC98E0FF-BB60-452F-ABCB-C1C7FD3C1F2F}" srcOrd="0" destOrd="0" parTransId="{D2467B49-4979-45D8-87E0-9ADBF2BAAC6A}" sibTransId="{79778760-1664-4924-9190-50232874194D}"/>
-    <dgm:cxn modelId="{B5C0A32C-1F7A-4743-8172-B00F393C0DDE}" type="presParOf" srcId="{56E01A08-CD30-E142-82E7-2150E8DA5D04}" destId="{7FC340A0-F0BF-E44F-B098-4D4AA42FC907}" srcOrd="0" destOrd="0" presId="urn:microsoft.com/office/officeart/2005/8/layout/vList5"/>
-    <dgm:cxn modelId="{923B1719-16A0-5246-89BA-EDBD185683CD}" type="presParOf" srcId="{7FC340A0-F0BF-E44F-B098-4D4AA42FC907}" destId="{A539EF6D-8C5E-9549-9149-3411C206E187}" srcOrd="0" destOrd="0" presId="urn:microsoft.com/office/officeart/2005/8/layout/vList5"/>
-    <dgm:cxn modelId="{005365B4-9970-DE47-BA76-F700030ED1B7}" type="presParOf" srcId="{56E01A08-CD30-E142-82E7-2150E8DA5D04}" destId="{86486763-91DB-3A44-8E85-A37DA9341861}" srcOrd="1" destOrd="0" presId="urn:microsoft.com/office/officeart/2005/8/layout/vList5"/>
-    <dgm:cxn modelId="{9686F865-225D-E641-937A-1E8B916994BC}" type="presParOf" srcId="{56E01A08-CD30-E142-82E7-2150E8DA5D04}" destId="{6C216D87-B877-1245-8F81-F7FA4FC16444}" srcOrd="2" destOrd="0" presId="urn:microsoft.com/office/officeart/2005/8/layout/vList5"/>
-    <dgm:cxn modelId="{EB9EB37F-4974-5649-985E-FD5DE227BFC4}" type="presParOf" srcId="{6C216D87-B877-1245-8F81-F7FA4FC16444}" destId="{F523DE71-DBC4-D844-9EE8-5AFB677E4338}" srcOrd="0" destOrd="0" presId="urn:microsoft.com/office/officeart/2005/8/layout/vList5"/>
-    <dgm:cxn modelId="{60251CE8-7ED4-4F43-A67C-4C952C4F4A35}" type="presParOf" srcId="{56E01A08-CD30-E142-82E7-2150E8DA5D04}" destId="{834D8AB6-CFCA-154F-9AA4-4FFC445D1346}" srcOrd="3" destOrd="0" presId="urn:microsoft.com/office/officeart/2005/8/layout/vList5"/>
-    <dgm:cxn modelId="{650BCC2D-A61D-DA4D-9584-1034C18B0B1F}" type="presParOf" srcId="{56E01A08-CD30-E142-82E7-2150E8DA5D04}" destId="{FE78AF8B-BC50-DD45-8DB2-F22429E1ADAC}" srcOrd="4" destOrd="0" presId="urn:microsoft.com/office/officeart/2005/8/layout/vList5"/>
-    <dgm:cxn modelId="{BA43E124-DACC-C243-9277-403971331351}" type="presParOf" srcId="{FE78AF8B-BC50-DD45-8DB2-F22429E1ADAC}" destId="{539A8CD8-181C-174F-BCA1-4BDBC6A4CB73}" srcOrd="0" destOrd="0" presId="urn:microsoft.com/office/officeart/2005/8/layout/vList5"/>
   </dgm:cxnLst>
   <dgm:bg/>
   <dgm:whole/>
@@ -2662,258 +1534,6 @@
       <dsp:txXfrm>
         <a:off x="7613092" y="1447754"/>
         <a:ext cx="2847502" cy="1768010"/>
-      </dsp:txXfrm>
-    </dsp:sp>
-  </dsp:spTree>
-</dsp:drawing>
-</file>
-
-<file path=ppt/diagrams/drawing2.xml><?xml version="1.0" encoding="utf-8"?>
-<dsp:drawing xmlns:dgm="http://schemas.openxmlformats.org/drawingml/2006/diagram" xmlns:dsp="http://schemas.microsoft.com/office/drawing/2008/diagram" xmlns:a="http://schemas.openxmlformats.org/drawingml/2006/main">
-  <dsp:spTree>
-    <dsp:nvGrpSpPr>
-      <dsp:cNvPr id="0" name=""/>
-      <dsp:cNvGrpSpPr/>
-    </dsp:nvGrpSpPr>
-    <dsp:grpSpPr/>
-    <dsp:sp modelId="{A539EF6D-8C5E-9549-9149-3411C206E187}">
-      <dsp:nvSpPr>
-        <dsp:cNvPr id="0" name=""/>
-        <dsp:cNvSpPr/>
-      </dsp:nvSpPr>
-      <dsp:spPr>
-        <a:xfrm>
-          <a:off x="3496905" y="2047"/>
-          <a:ext cx="3934018" cy="1351196"/>
-        </a:xfrm>
-        <a:prstGeom prst="roundRect">
-          <a:avLst/>
-        </a:prstGeom>
-        <a:solidFill>
-          <a:schemeClr val="accent2">
-            <a:hueOff val="0"/>
-            <a:satOff val="0"/>
-            <a:lumOff val="0"/>
-            <a:alphaOff val="0"/>
-          </a:schemeClr>
-        </a:solidFill>
-        <a:ln w="12700" cap="flat" cmpd="sng" algn="ctr">
-          <a:solidFill>
-            <a:schemeClr val="lt1">
-              <a:hueOff val="0"/>
-              <a:satOff val="0"/>
-              <a:lumOff val="0"/>
-              <a:alphaOff val="0"/>
-            </a:schemeClr>
-          </a:solidFill>
-          <a:prstDash val="solid"/>
-          <a:miter lim="800000"/>
-        </a:ln>
-        <a:effectLst/>
-      </dsp:spPr>
-      <dsp:style>
-        <a:lnRef idx="2">
-          <a:scrgbClr r="0" g="0" b="0"/>
-        </a:lnRef>
-        <a:fillRef idx="1">
-          <a:scrgbClr r="0" g="0" b="0"/>
-        </a:fillRef>
-        <a:effectRef idx="0">
-          <a:scrgbClr r="0" g="0" b="0"/>
-        </a:effectRef>
-        <a:fontRef idx="minor">
-          <a:schemeClr val="lt1"/>
-        </a:fontRef>
-      </dsp:style>
-      <dsp:txBody>
-        <a:bodyPr spcFirstLastPara="0" vert="horz" wrap="square" lIns="148590" tIns="74295" rIns="148590" bIns="74295" numCol="1" spcCol="1270" anchor="ctr" anchorCtr="0">
-          <a:noAutofit/>
-        </a:bodyPr>
-        <a:lstStyle/>
-        <a:p>
-          <a:pPr marL="0" lvl="0" indent="0" algn="ctr" defTabSz="1733550">
-            <a:lnSpc>
-              <a:spcPct val="90000"/>
-            </a:lnSpc>
-            <a:spcBef>
-              <a:spcPct val="0"/>
-            </a:spcBef>
-            <a:spcAft>
-              <a:spcPct val="35000"/>
-            </a:spcAft>
-            <a:buNone/>
-          </a:pPr>
-          <a:r>
-            <a:rPr lang="ar-KW" sz="3900" kern="1200" dirty="0"/>
-            <a:t>مشاكل عامة مع اعادة الضبط</a:t>
-          </a:r>
-          <a:endParaRPr lang="en-US" sz="3900" kern="1200" dirty="0"/>
-        </a:p>
-      </dsp:txBody>
-      <dsp:txXfrm>
-        <a:off x="3562865" y="68007"/>
-        <a:ext cx="3802098" cy="1219276"/>
-      </dsp:txXfrm>
-    </dsp:sp>
-    <dsp:sp modelId="{F523DE71-DBC4-D844-9EE8-5AFB677E4338}">
-      <dsp:nvSpPr>
-        <dsp:cNvPr id="0" name=""/>
-        <dsp:cNvSpPr/>
-      </dsp:nvSpPr>
-      <dsp:spPr>
-        <a:xfrm>
-          <a:off x="3496905" y="1420804"/>
-          <a:ext cx="3934018" cy="1351196"/>
-        </a:xfrm>
-        <a:prstGeom prst="roundRect">
-          <a:avLst/>
-        </a:prstGeom>
-        <a:solidFill>
-          <a:schemeClr val="accent3">
-            <a:hueOff val="0"/>
-            <a:satOff val="0"/>
-            <a:lumOff val="0"/>
-            <a:alphaOff val="0"/>
-          </a:schemeClr>
-        </a:solidFill>
-        <a:ln w="12700" cap="flat" cmpd="sng" algn="ctr">
-          <a:solidFill>
-            <a:schemeClr val="lt1">
-              <a:hueOff val="0"/>
-              <a:satOff val="0"/>
-              <a:lumOff val="0"/>
-              <a:alphaOff val="0"/>
-            </a:schemeClr>
-          </a:solidFill>
-          <a:prstDash val="solid"/>
-          <a:miter lim="800000"/>
-        </a:ln>
-        <a:effectLst/>
-      </dsp:spPr>
-      <dsp:style>
-        <a:lnRef idx="2">
-          <a:scrgbClr r="0" g="0" b="0"/>
-        </a:lnRef>
-        <a:fillRef idx="1">
-          <a:scrgbClr r="0" g="0" b="0"/>
-        </a:fillRef>
-        <a:effectRef idx="0">
-          <a:scrgbClr r="0" g="0" b="0"/>
-        </a:effectRef>
-        <a:fontRef idx="minor">
-          <a:schemeClr val="lt1"/>
-        </a:fontRef>
-      </dsp:style>
-      <dsp:txBody>
-        <a:bodyPr spcFirstLastPara="0" vert="horz" wrap="square" lIns="148590" tIns="74295" rIns="148590" bIns="74295" numCol="1" spcCol="1270" anchor="ctr" anchorCtr="0">
-          <a:noAutofit/>
-        </a:bodyPr>
-        <a:lstStyle/>
-        <a:p>
-          <a:pPr marL="0" lvl="0" indent="0" algn="ctr" defTabSz="1733550">
-            <a:lnSpc>
-              <a:spcPct val="90000"/>
-            </a:lnSpc>
-            <a:spcBef>
-              <a:spcPct val="0"/>
-            </a:spcBef>
-            <a:spcAft>
-              <a:spcPct val="35000"/>
-            </a:spcAft>
-            <a:buNone/>
-          </a:pPr>
-          <a:r>
-            <a:rPr lang="ar-KW" sz="3900" kern="1200" dirty="0"/>
-            <a:t>مشاكل مع موقع </a:t>
-          </a:r>
-          <a:r>
-            <a:rPr lang="en-US" sz="3900" kern="1200" dirty="0"/>
-            <a:t>NVD </a:t>
-          </a:r>
-        </a:p>
-      </dsp:txBody>
-      <dsp:txXfrm>
-        <a:off x="3562865" y="1486764"/>
-        <a:ext cx="3802098" cy="1219276"/>
-      </dsp:txXfrm>
-    </dsp:sp>
-    <dsp:sp modelId="{539A8CD8-181C-174F-BCA1-4BDBC6A4CB73}">
-      <dsp:nvSpPr>
-        <dsp:cNvPr id="0" name=""/>
-        <dsp:cNvSpPr/>
-      </dsp:nvSpPr>
-      <dsp:spPr>
-        <a:xfrm>
-          <a:off x="3496905" y="2839560"/>
-          <a:ext cx="3934018" cy="1351196"/>
-        </a:xfrm>
-        <a:prstGeom prst="roundRect">
-          <a:avLst/>
-        </a:prstGeom>
-        <a:solidFill>
-          <a:schemeClr val="accent4">
-            <a:hueOff val="0"/>
-            <a:satOff val="0"/>
-            <a:lumOff val="0"/>
-            <a:alphaOff val="0"/>
-          </a:schemeClr>
-        </a:solidFill>
-        <a:ln w="12700" cap="flat" cmpd="sng" algn="ctr">
-          <a:solidFill>
-            <a:schemeClr val="lt1">
-              <a:hueOff val="0"/>
-              <a:satOff val="0"/>
-              <a:lumOff val="0"/>
-              <a:alphaOff val="0"/>
-            </a:schemeClr>
-          </a:solidFill>
-          <a:prstDash val="solid"/>
-          <a:miter lim="800000"/>
-        </a:ln>
-        <a:effectLst/>
-      </dsp:spPr>
-      <dsp:style>
-        <a:lnRef idx="2">
-          <a:scrgbClr r="0" g="0" b="0"/>
-        </a:lnRef>
-        <a:fillRef idx="1">
-          <a:scrgbClr r="0" g="0" b="0"/>
-        </a:fillRef>
-        <a:effectRef idx="0">
-          <a:scrgbClr r="0" g="0" b="0"/>
-        </a:effectRef>
-        <a:fontRef idx="minor">
-          <a:schemeClr val="lt1"/>
-        </a:fontRef>
-      </dsp:style>
-      <dsp:txBody>
-        <a:bodyPr spcFirstLastPara="0" vert="horz" wrap="square" lIns="148590" tIns="74295" rIns="148590" bIns="74295" numCol="1" spcCol="1270" anchor="ctr" anchorCtr="0">
-          <a:noAutofit/>
-        </a:bodyPr>
-        <a:lstStyle/>
-        <a:p>
-          <a:pPr marL="0" lvl="0" indent="0" algn="ctr" defTabSz="1733550">
-            <a:lnSpc>
-              <a:spcPct val="90000"/>
-            </a:lnSpc>
-            <a:spcBef>
-              <a:spcPct val="0"/>
-            </a:spcBef>
-            <a:spcAft>
-              <a:spcPct val="35000"/>
-            </a:spcAft>
-            <a:buNone/>
-          </a:pPr>
-          <a:r>
-            <a:rPr lang="ar-KW" sz="3900" kern="1200" dirty="0"/>
-            <a:t>مشاكل مع الشبكات الكثيفة</a:t>
-          </a:r>
-          <a:endParaRPr lang="en-US" sz="3900" kern="1200" dirty="0"/>
-        </a:p>
-      </dsp:txBody>
-      <dsp:txXfrm>
-        <a:off x="3562865" y="2905520"/>
-        <a:ext cx="3802098" cy="1219276"/>
       </dsp:txXfrm>
     </dsp:sp>
   </dsp:spTree>
@@ -3483,239 +2103,6 @@
 </dgm:layoutDef>
 </file>
 
-<file path=ppt/diagrams/layout2.xml><?xml version="1.0" encoding="utf-8"?>
-<dgm:layoutDef xmlns:dgm="http://schemas.openxmlformats.org/drawingml/2006/diagram" xmlns:a="http://schemas.openxmlformats.org/drawingml/2006/main" uniqueId="urn:microsoft.com/office/officeart/2005/8/layout/vList5">
-  <dgm:title val=""/>
-  <dgm:desc val=""/>
-  <dgm:catLst>
-    <dgm:cat type="list" pri="15000"/>
-    <dgm:cat type="convert" pri="2000"/>
-  </dgm:catLst>
-  <dgm:sampData>
-    <dgm:dataModel>
-      <dgm:ptLst>
-        <dgm:pt modelId="0" type="doc"/>
-        <dgm:pt modelId="1">
-          <dgm:prSet phldr="1"/>
-        </dgm:pt>
-        <dgm:pt modelId="11">
-          <dgm:prSet phldr="1"/>
-        </dgm:pt>
-        <dgm:pt modelId="12">
-          <dgm:prSet phldr="1"/>
-        </dgm:pt>
-        <dgm:pt modelId="2">
-          <dgm:prSet phldr="1"/>
-        </dgm:pt>
-        <dgm:pt modelId="21">
-          <dgm:prSet phldr="1"/>
-        </dgm:pt>
-        <dgm:pt modelId="22">
-          <dgm:prSet phldr="1"/>
-        </dgm:pt>
-        <dgm:pt modelId="3">
-          <dgm:prSet phldr="1"/>
-        </dgm:pt>
-        <dgm:pt modelId="31">
-          <dgm:prSet phldr="1"/>
-        </dgm:pt>
-        <dgm:pt modelId="32">
-          <dgm:prSet phldr="1"/>
-        </dgm:pt>
-      </dgm:ptLst>
-      <dgm:cxnLst>
-        <dgm:cxn modelId="4" srcId="0" destId="1" srcOrd="0" destOrd="0"/>
-        <dgm:cxn modelId="5" srcId="0" destId="2" srcOrd="1" destOrd="0"/>
-        <dgm:cxn modelId="6" srcId="0" destId="3" srcOrd="2" destOrd="0"/>
-        <dgm:cxn modelId="13" srcId="1" destId="11" srcOrd="0" destOrd="0"/>
-        <dgm:cxn modelId="14" srcId="1" destId="12" srcOrd="1" destOrd="0"/>
-        <dgm:cxn modelId="23" srcId="2" destId="21" srcOrd="0" destOrd="0"/>
-        <dgm:cxn modelId="24" srcId="2" destId="22" srcOrd="1" destOrd="0"/>
-        <dgm:cxn modelId="33" srcId="3" destId="31" srcOrd="0" destOrd="0"/>
-        <dgm:cxn modelId="34" srcId="3" destId="32" srcOrd="1" destOrd="0"/>
-      </dgm:cxnLst>
-      <dgm:bg/>
-      <dgm:whole/>
-    </dgm:dataModel>
-  </dgm:sampData>
-  <dgm:styleData>
-    <dgm:dataModel>
-      <dgm:ptLst>
-        <dgm:pt modelId="0" type="doc"/>
-        <dgm:pt modelId="1"/>
-        <dgm:pt modelId="11"/>
-        <dgm:pt modelId="2"/>
-        <dgm:pt modelId="21"/>
-      </dgm:ptLst>
-      <dgm:cxnLst>
-        <dgm:cxn modelId="4" srcId="0" destId="1" srcOrd="0" destOrd="0"/>
-        <dgm:cxn modelId="5" srcId="0" destId="2" srcOrd="1" destOrd="0"/>
-        <dgm:cxn modelId="13" srcId="1" destId="11" srcOrd="0" destOrd="0"/>
-        <dgm:cxn modelId="23" srcId="2" destId="21" srcOrd="0" destOrd="0"/>
-      </dgm:cxnLst>
-      <dgm:bg/>
-      <dgm:whole/>
-    </dgm:dataModel>
-  </dgm:styleData>
-  <dgm:clrData>
-    <dgm:dataModel>
-      <dgm:ptLst>
-        <dgm:pt modelId="0" type="doc"/>
-        <dgm:pt modelId="1"/>
-        <dgm:pt modelId="11"/>
-        <dgm:pt modelId="2"/>
-        <dgm:pt modelId="21"/>
-        <dgm:pt modelId="3"/>
-        <dgm:pt modelId="31"/>
-        <dgm:pt modelId="4"/>
-        <dgm:pt modelId="41"/>
-      </dgm:ptLst>
-      <dgm:cxnLst>
-        <dgm:cxn modelId="5" srcId="0" destId="1" srcOrd="0" destOrd="0"/>
-        <dgm:cxn modelId="6" srcId="0" destId="2" srcOrd="1" destOrd="0"/>
-        <dgm:cxn modelId="7" srcId="0" destId="3" srcOrd="2" destOrd="0"/>
-        <dgm:cxn modelId="8" srcId="0" destId="4" srcOrd="3" destOrd="0"/>
-        <dgm:cxn modelId="13" srcId="1" destId="11" srcOrd="0" destOrd="0"/>
-        <dgm:cxn modelId="23" srcId="2" destId="21" srcOrd="0" destOrd="0"/>
-        <dgm:cxn modelId="33" srcId="3" destId="31" srcOrd="0" destOrd="0"/>
-        <dgm:cxn modelId="43" srcId="4" destId="41" srcOrd="0" destOrd="0"/>
-      </dgm:cxnLst>
-      <dgm:bg/>
-      <dgm:whole/>
-    </dgm:dataModel>
-  </dgm:clrData>
-  <dgm:layoutNode name="Name0">
-    <dgm:varLst>
-      <dgm:dir/>
-      <dgm:animLvl val="lvl"/>
-      <dgm:resizeHandles val="exact"/>
-    </dgm:varLst>
-    <dgm:choose name="Name1">
-      <dgm:if name="Name2" func="var" arg="dir" op="equ" val="norm">
-        <dgm:alg type="lin">
-          <dgm:param type="linDir" val="fromT"/>
-          <dgm:param type="nodeHorzAlign" val="l"/>
-        </dgm:alg>
-      </dgm:if>
-      <dgm:else name="Name3">
-        <dgm:alg type="lin">
-          <dgm:param type="linDir" val="fromT"/>
-          <dgm:param type="nodeHorzAlign" val="r"/>
-        </dgm:alg>
-      </dgm:else>
-    </dgm:choose>
-    <dgm:shape xmlns:r="http://schemas.openxmlformats.org/officeDocument/2006/relationships" r:blip="">
-      <dgm:adjLst/>
-    </dgm:shape>
-    <dgm:presOf/>
-    <dgm:constrLst>
-      <dgm:constr type="h" for="ch" forName="linNode" refType="h"/>
-      <dgm:constr type="w" for="ch" forName="linNode" refType="w"/>
-      <dgm:constr type="h" for="ch" forName="sp" refType="h" fact="0.05"/>
-      <dgm:constr type="primFontSz" for="des" forName="parentText" op="equ" val="65"/>
-      <dgm:constr type="secFontSz" for="des" forName="descendantText" op="equ"/>
-    </dgm:constrLst>
-    <dgm:ruleLst/>
-    <dgm:forEach name="Name4" axis="ch" ptType="node">
-      <dgm:layoutNode name="linNode">
-        <dgm:choose name="Name5">
-          <dgm:if name="Name6" func="var" arg="dir" op="equ" val="norm">
-            <dgm:alg type="lin">
-              <dgm:param type="linDir" val="fromL"/>
-            </dgm:alg>
-          </dgm:if>
-          <dgm:else name="Name7">
-            <dgm:alg type="lin">
-              <dgm:param type="linDir" val="fromR"/>
-            </dgm:alg>
-          </dgm:else>
-        </dgm:choose>
-        <dgm:shape xmlns:r="http://schemas.openxmlformats.org/officeDocument/2006/relationships" r:blip="">
-          <dgm:adjLst/>
-        </dgm:shape>
-        <dgm:presOf/>
-        <dgm:constrLst>
-          <dgm:constr type="w" for="ch" forName="parentText" refType="w" fact="0.36"/>
-          <dgm:constr type="w" for="ch" forName="descendantText" refType="w" fact="0.64"/>
-          <dgm:constr type="h" for="ch" forName="parentText" refType="h"/>
-          <dgm:constr type="h" for="ch" forName="descendantText" refType="h" refFor="ch" refForName="parentText" fact="0.8"/>
-        </dgm:constrLst>
-        <dgm:ruleLst/>
-        <dgm:layoutNode name="parentText">
-          <dgm:varLst>
-            <dgm:chMax val="1"/>
-            <dgm:bulletEnabled val="1"/>
-          </dgm:varLst>
-          <dgm:alg type="tx"/>
-          <dgm:shape xmlns:r="http://schemas.openxmlformats.org/officeDocument/2006/relationships" type="roundRect" r:blip="" zOrderOff="3">
-            <dgm:adjLst/>
-          </dgm:shape>
-          <dgm:presOf axis="self" ptType="node"/>
-          <dgm:constrLst>
-            <dgm:constr type="tMarg" refType="primFontSz" fact="0.15"/>
-            <dgm:constr type="bMarg" refType="primFontSz" fact="0.15"/>
-            <dgm:constr type="lMarg" refType="primFontSz" fact="0.3"/>
-            <dgm:constr type="rMarg" refType="primFontSz" fact="0.3"/>
-          </dgm:constrLst>
-          <dgm:ruleLst>
-            <dgm:rule type="primFontSz" val="5" fact="NaN" max="NaN"/>
-          </dgm:ruleLst>
-        </dgm:layoutNode>
-        <dgm:choose name="Name8">
-          <dgm:if name="Name9" axis="ch" ptType="node" func="cnt" op="gte" val="1">
-            <dgm:layoutNode name="descendantText" styleLbl="alignAccFollowNode1">
-              <dgm:varLst>
-                <dgm:bulletEnabled val="1"/>
-              </dgm:varLst>
-              <dgm:alg type="tx">
-                <dgm:param type="stBulletLvl" val="1"/>
-                <dgm:param type="txAnchorVertCh" val="mid"/>
-              </dgm:alg>
-              <dgm:choose name="Name10">
-                <dgm:if name="Name11" func="var" arg="dir" op="equ" val="norm">
-                  <dgm:shape xmlns:r="http://schemas.openxmlformats.org/officeDocument/2006/relationships" rot="90" type="round2SameRect" r:blip="">
-                    <dgm:adjLst/>
-                  </dgm:shape>
-                </dgm:if>
-                <dgm:else name="Name12">
-                  <dgm:shape xmlns:r="http://schemas.openxmlformats.org/officeDocument/2006/relationships" rot="-90" type="round2SameRect" r:blip="">
-                    <dgm:adjLst/>
-                  </dgm:shape>
-                </dgm:else>
-              </dgm:choose>
-              <dgm:presOf axis="des" ptType="node"/>
-              <dgm:constrLst>
-                <dgm:constr type="secFontSz" val="65"/>
-                <dgm:constr type="primFontSz" refType="secFontSz"/>
-                <dgm:constr type="lMarg" refType="secFontSz" fact="0.3"/>
-                <dgm:constr type="rMarg" refType="secFontSz" fact="0.3"/>
-                <dgm:constr type="tMarg" refType="secFontSz" fact="0.15"/>
-                <dgm:constr type="bMarg" refType="secFontSz" fact="0.15"/>
-              </dgm:constrLst>
-              <dgm:ruleLst>
-                <dgm:rule type="secFontSz" val="5" fact="NaN" max="NaN"/>
-              </dgm:ruleLst>
-            </dgm:layoutNode>
-          </dgm:if>
-          <dgm:else name="Name13"/>
-        </dgm:choose>
-      </dgm:layoutNode>
-      <dgm:forEach name="Name14" axis="followSib" ptType="sibTrans" cnt="1">
-        <dgm:layoutNode name="sp">
-          <dgm:alg type="sp"/>
-          <dgm:shape xmlns:r="http://schemas.openxmlformats.org/officeDocument/2006/relationships" r:blip="">
-            <dgm:adjLst/>
-          </dgm:shape>
-          <dgm:presOf/>
-          <dgm:constrLst/>
-          <dgm:ruleLst/>
-        </dgm:layoutNode>
-      </dgm:forEach>
-    </dgm:forEach>
-  </dgm:layoutNode>
-</dgm:layoutDef>
-</file>
-
 <file path=ppt/diagrams/quickStyle1.xml><?xml version="1.0" encoding="utf-8"?>
 <dgm:styleDef xmlns:dgm="http://schemas.openxmlformats.org/drawingml/2006/diagram" xmlns:a="http://schemas.openxmlformats.org/drawingml/2006/main" uniqueId="urn:microsoft.com/office/officeart/2005/8/quickstyle/simple1">
   <dgm:title val=""/>
@@ -4750,1038 +3137,521 @@
 </dgm:styleDef>
 </file>
 
-<file path=ppt/diagrams/quickStyle2.xml><?xml version="1.0" encoding="utf-8"?>
-<dgm:styleDef xmlns:dgm="http://schemas.openxmlformats.org/drawingml/2006/diagram" xmlns:a="http://schemas.openxmlformats.org/drawingml/2006/main" uniqueId="urn:microsoft.com/office/officeart/2005/8/quickstyle/simple1">
-  <dgm:title val=""/>
-  <dgm:desc val=""/>
-  <dgm:catLst>
-    <dgm:cat type="simple" pri="10100"/>
-  </dgm:catLst>
-  <dgm:scene3d>
-    <a:camera prst="orthographicFront"/>
-    <a:lightRig rig="threePt" dir="t"/>
-  </dgm:scene3d>
-  <dgm:styleLbl name="node0">
-    <dgm:scene3d>
-      <a:camera prst="orthographicFront"/>
-      <a:lightRig rig="threePt" dir="t"/>
-    </dgm:scene3d>
-    <dgm:sp3d/>
-    <dgm:txPr/>
-    <dgm:style>
-      <a:lnRef idx="2">
-        <a:scrgbClr r="0" g="0" b="0"/>
-      </a:lnRef>
-      <a:fillRef idx="1">
-        <a:scrgbClr r="0" g="0" b="0"/>
-      </a:fillRef>
-      <a:effectRef idx="0">
-        <a:scrgbClr r="0" g="0" b="0"/>
-      </a:effectRef>
-      <a:fontRef idx="minor">
-        <a:schemeClr val="lt1"/>
-      </a:fontRef>
-    </dgm:style>
-  </dgm:styleLbl>
-  <dgm:styleLbl name="lnNode1">
-    <dgm:scene3d>
-      <a:camera prst="orthographicFront"/>
-      <a:lightRig rig="threePt" dir="t"/>
-    </dgm:scene3d>
-    <dgm:sp3d/>
-    <dgm:txPr/>
-    <dgm:style>
-      <a:lnRef idx="2">
-        <a:scrgbClr r="0" g="0" b="0"/>
-      </a:lnRef>
-      <a:fillRef idx="1">
-        <a:scrgbClr r="0" g="0" b="0"/>
-      </a:fillRef>
-      <a:effectRef idx="0">
-        <a:scrgbClr r="0" g="0" b="0"/>
-      </a:effectRef>
-      <a:fontRef idx="minor">
-        <a:schemeClr val="lt1"/>
-      </a:fontRef>
-    </dgm:style>
-  </dgm:styleLbl>
-  <dgm:styleLbl name="vennNode1">
-    <dgm:scene3d>
-      <a:camera prst="orthographicFront"/>
-      <a:lightRig rig="threePt" dir="t"/>
-    </dgm:scene3d>
-    <dgm:sp3d/>
-    <dgm:txPr/>
-    <dgm:style>
-      <a:lnRef idx="2">
-        <a:scrgbClr r="0" g="0" b="0"/>
-      </a:lnRef>
-      <a:fillRef idx="1">
-        <a:scrgbClr r="0" g="0" b="0"/>
-      </a:fillRef>
-      <a:effectRef idx="0">
-        <a:scrgbClr r="0" g="0" b="0"/>
-      </a:effectRef>
-      <a:fontRef idx="minor">
-        <a:schemeClr val="tx1"/>
-      </a:fontRef>
-    </dgm:style>
-  </dgm:styleLbl>
-  <dgm:styleLbl name="alignNode1">
-    <dgm:scene3d>
-      <a:camera prst="orthographicFront"/>
-      <a:lightRig rig="threePt" dir="t"/>
-    </dgm:scene3d>
-    <dgm:sp3d/>
-    <dgm:txPr/>
-    <dgm:style>
-      <a:lnRef idx="2">
-        <a:scrgbClr r="0" g="0" b="0"/>
-      </a:lnRef>
-      <a:fillRef idx="1">
-        <a:scrgbClr r="0" g="0" b="0"/>
-      </a:fillRef>
-      <a:effectRef idx="0">
-        <a:scrgbClr r="0" g="0" b="0"/>
-      </a:effectRef>
-      <a:fontRef idx="minor">
-        <a:schemeClr val="lt1"/>
-      </a:fontRef>
-    </dgm:style>
-  </dgm:styleLbl>
-  <dgm:styleLbl name="node1">
-    <dgm:scene3d>
-      <a:camera prst="orthographicFront"/>
-      <a:lightRig rig="threePt" dir="t"/>
-    </dgm:scene3d>
-    <dgm:sp3d/>
-    <dgm:txPr/>
-    <dgm:style>
-      <a:lnRef idx="2">
-        <a:scrgbClr r="0" g="0" b="0"/>
-      </a:lnRef>
-      <a:fillRef idx="1">
-        <a:scrgbClr r="0" g="0" b="0"/>
-      </a:fillRef>
-      <a:effectRef idx="0">
-        <a:scrgbClr r="0" g="0" b="0"/>
-      </a:effectRef>
-      <a:fontRef idx="minor">
-        <a:schemeClr val="lt1"/>
-      </a:fontRef>
-    </dgm:style>
-  </dgm:styleLbl>
-  <dgm:styleLbl name="node2">
-    <dgm:scene3d>
-      <a:camera prst="orthographicFront"/>
-      <a:lightRig rig="threePt" dir="t"/>
-    </dgm:scene3d>
-    <dgm:sp3d/>
-    <dgm:txPr/>
-    <dgm:style>
-      <a:lnRef idx="2">
-        <a:scrgbClr r="0" g="0" b="0"/>
-      </a:lnRef>
-      <a:fillRef idx="1">
-        <a:scrgbClr r="0" g="0" b="0"/>
-      </a:fillRef>
-      <a:effectRef idx="0">
-        <a:scrgbClr r="0" g="0" b="0"/>
-      </a:effectRef>
-      <a:fontRef idx="minor">
-        <a:schemeClr val="lt1"/>
-      </a:fontRef>
-    </dgm:style>
-  </dgm:styleLbl>
-  <dgm:styleLbl name="node3">
-    <dgm:scene3d>
-      <a:camera prst="orthographicFront"/>
-      <a:lightRig rig="threePt" dir="t"/>
-    </dgm:scene3d>
-    <dgm:sp3d/>
-    <dgm:txPr/>
-    <dgm:style>
-      <a:lnRef idx="2">
-        <a:scrgbClr r="0" g="0" b="0"/>
-      </a:lnRef>
-      <a:fillRef idx="1">
-        <a:scrgbClr r="0" g="0" b="0"/>
-      </a:fillRef>
-      <a:effectRef idx="0">
-        <a:scrgbClr r="0" g="0" b="0"/>
-      </a:effectRef>
-      <a:fontRef idx="minor">
-        <a:schemeClr val="lt1"/>
-      </a:fontRef>
-    </dgm:style>
-  </dgm:styleLbl>
-  <dgm:styleLbl name="node4">
-    <dgm:scene3d>
-      <a:camera prst="orthographicFront"/>
-      <a:lightRig rig="threePt" dir="t"/>
-    </dgm:scene3d>
-    <dgm:sp3d/>
-    <dgm:txPr/>
-    <dgm:style>
-      <a:lnRef idx="2">
-        <a:scrgbClr r="0" g="0" b="0"/>
-      </a:lnRef>
-      <a:fillRef idx="1">
-        <a:scrgbClr r="0" g="0" b="0"/>
-      </a:fillRef>
-      <a:effectRef idx="0">
-        <a:scrgbClr r="0" g="0" b="0"/>
-      </a:effectRef>
-      <a:fontRef idx="minor">
-        <a:schemeClr val="lt1"/>
-      </a:fontRef>
-    </dgm:style>
-  </dgm:styleLbl>
-  <dgm:styleLbl name="fgImgPlace1">
-    <dgm:scene3d>
-      <a:camera prst="orthographicFront"/>
-      <a:lightRig rig="threePt" dir="t"/>
-    </dgm:scene3d>
-    <dgm:sp3d/>
-    <dgm:txPr/>
-    <dgm:style>
-      <a:lnRef idx="2">
-        <a:scrgbClr r="0" g="0" b="0"/>
-      </a:lnRef>
-      <a:fillRef idx="1">
-        <a:scrgbClr r="0" g="0" b="0"/>
-      </a:fillRef>
-      <a:effectRef idx="0">
-        <a:scrgbClr r="0" g="0" b="0"/>
-      </a:effectRef>
-      <a:fontRef idx="minor"/>
-    </dgm:style>
-  </dgm:styleLbl>
-  <dgm:styleLbl name="alignImgPlace1">
-    <dgm:scene3d>
-      <a:camera prst="orthographicFront"/>
-      <a:lightRig rig="threePt" dir="t"/>
-    </dgm:scene3d>
-    <dgm:sp3d/>
-    <dgm:txPr/>
-    <dgm:style>
-      <a:lnRef idx="2">
-        <a:scrgbClr r="0" g="0" b="0"/>
-      </a:lnRef>
-      <a:fillRef idx="1">
-        <a:scrgbClr r="0" g="0" b="0"/>
-      </a:fillRef>
-      <a:effectRef idx="0">
-        <a:scrgbClr r="0" g="0" b="0"/>
-      </a:effectRef>
-      <a:fontRef idx="minor"/>
-    </dgm:style>
-  </dgm:styleLbl>
-  <dgm:styleLbl name="bgImgPlace1">
-    <dgm:scene3d>
-      <a:camera prst="orthographicFront"/>
-      <a:lightRig rig="threePt" dir="t"/>
-    </dgm:scene3d>
-    <dgm:sp3d/>
-    <dgm:txPr/>
-    <dgm:style>
-      <a:lnRef idx="2">
-        <a:scrgbClr r="0" g="0" b="0"/>
-      </a:lnRef>
-      <a:fillRef idx="1">
-        <a:scrgbClr r="0" g="0" b="0"/>
-      </a:fillRef>
-      <a:effectRef idx="0">
-        <a:scrgbClr r="0" g="0" b="0"/>
-      </a:effectRef>
-      <a:fontRef idx="minor"/>
-    </dgm:style>
-  </dgm:styleLbl>
-  <dgm:styleLbl name="sibTrans2D1">
-    <dgm:scene3d>
-      <a:camera prst="orthographicFront"/>
-      <a:lightRig rig="threePt" dir="t"/>
-    </dgm:scene3d>
-    <dgm:sp3d/>
-    <dgm:txPr/>
-    <dgm:style>
-      <a:lnRef idx="0">
-        <a:scrgbClr r="0" g="0" b="0"/>
-      </a:lnRef>
-      <a:fillRef idx="1">
-        <a:scrgbClr r="0" g="0" b="0"/>
-      </a:fillRef>
-      <a:effectRef idx="0">
-        <a:scrgbClr r="0" g="0" b="0"/>
-      </a:effectRef>
-      <a:fontRef idx="minor">
-        <a:schemeClr val="lt1"/>
-      </a:fontRef>
-    </dgm:style>
-  </dgm:styleLbl>
-  <dgm:styleLbl name="fgSibTrans2D1">
-    <dgm:scene3d>
-      <a:camera prst="orthographicFront"/>
-      <a:lightRig rig="threePt" dir="t"/>
-    </dgm:scene3d>
-    <dgm:sp3d/>
-    <dgm:txPr/>
-    <dgm:style>
-      <a:lnRef idx="0">
-        <a:scrgbClr r="0" g="0" b="0"/>
-      </a:lnRef>
-      <a:fillRef idx="1">
-        <a:scrgbClr r="0" g="0" b="0"/>
-      </a:fillRef>
-      <a:effectRef idx="0">
-        <a:scrgbClr r="0" g="0" b="0"/>
-      </a:effectRef>
-      <a:fontRef idx="minor">
-        <a:schemeClr val="lt1"/>
-      </a:fontRef>
-    </dgm:style>
-  </dgm:styleLbl>
-  <dgm:styleLbl name="bgSibTrans2D1">
-    <dgm:scene3d>
-      <a:camera prst="orthographicFront"/>
-      <a:lightRig rig="threePt" dir="t"/>
-    </dgm:scene3d>
-    <dgm:sp3d/>
-    <dgm:txPr/>
-    <dgm:style>
-      <a:lnRef idx="0">
-        <a:scrgbClr r="0" g="0" b="0"/>
-      </a:lnRef>
-      <a:fillRef idx="1">
-        <a:scrgbClr r="0" g="0" b="0"/>
-      </a:fillRef>
-      <a:effectRef idx="0">
-        <a:scrgbClr r="0" g="0" b="0"/>
-      </a:effectRef>
-      <a:fontRef idx="minor">
-        <a:schemeClr val="lt1"/>
-      </a:fontRef>
-    </dgm:style>
-  </dgm:styleLbl>
-  <dgm:styleLbl name="sibTrans1D1">
-    <dgm:scene3d>
-      <a:camera prst="orthographicFront"/>
-      <a:lightRig rig="threePt" dir="t"/>
-    </dgm:scene3d>
-    <dgm:sp3d/>
-    <dgm:txPr/>
-    <dgm:style>
-      <a:lnRef idx="1">
-        <a:scrgbClr r="0" g="0" b="0"/>
-      </a:lnRef>
-      <a:fillRef idx="0">
-        <a:scrgbClr r="0" g="0" b="0"/>
-      </a:fillRef>
-      <a:effectRef idx="0">
-        <a:scrgbClr r="0" g="0" b="0"/>
-      </a:effectRef>
-      <a:fontRef idx="minor"/>
-    </dgm:style>
-  </dgm:styleLbl>
-  <dgm:styleLbl name="callout">
-    <dgm:scene3d>
-      <a:camera prst="orthographicFront"/>
-      <a:lightRig rig="threePt" dir="t"/>
-    </dgm:scene3d>
-    <dgm:sp3d/>
-    <dgm:txPr/>
-    <dgm:style>
-      <a:lnRef idx="2">
-        <a:scrgbClr r="0" g="0" b="0"/>
-      </a:lnRef>
-      <a:fillRef idx="1">
-        <a:scrgbClr r="0" g="0" b="0"/>
-      </a:fillRef>
-      <a:effectRef idx="0">
-        <a:scrgbClr r="0" g="0" b="0"/>
-      </a:effectRef>
-      <a:fontRef idx="minor"/>
-    </dgm:style>
-  </dgm:styleLbl>
-  <dgm:styleLbl name="asst0">
-    <dgm:scene3d>
-      <a:camera prst="orthographicFront"/>
-      <a:lightRig rig="threePt" dir="t"/>
-    </dgm:scene3d>
-    <dgm:sp3d/>
-    <dgm:txPr/>
-    <dgm:style>
-      <a:lnRef idx="2">
-        <a:scrgbClr r="0" g="0" b="0"/>
-      </a:lnRef>
-      <a:fillRef idx="1">
-        <a:scrgbClr r="0" g="0" b="0"/>
-      </a:fillRef>
-      <a:effectRef idx="0">
-        <a:scrgbClr r="0" g="0" b="0"/>
-      </a:effectRef>
-      <a:fontRef idx="minor">
-        <a:schemeClr val="lt1"/>
-      </a:fontRef>
-    </dgm:style>
-  </dgm:styleLbl>
-  <dgm:styleLbl name="asst1">
-    <dgm:scene3d>
-      <a:camera prst="orthographicFront"/>
-      <a:lightRig rig="threePt" dir="t"/>
-    </dgm:scene3d>
-    <dgm:sp3d/>
-    <dgm:txPr/>
-    <dgm:style>
-      <a:lnRef idx="2">
-        <a:scrgbClr r="0" g="0" b="0"/>
-      </a:lnRef>
-      <a:fillRef idx="1">
-        <a:scrgbClr r="0" g="0" b="0"/>
-      </a:fillRef>
-      <a:effectRef idx="0">
-        <a:scrgbClr r="0" g="0" b="0"/>
-      </a:effectRef>
-      <a:fontRef idx="minor">
-        <a:schemeClr val="lt1"/>
-      </a:fontRef>
-    </dgm:style>
-  </dgm:styleLbl>
-  <dgm:styleLbl name="asst2">
-    <dgm:scene3d>
-      <a:camera prst="orthographicFront"/>
-      <a:lightRig rig="threePt" dir="t"/>
-    </dgm:scene3d>
-    <dgm:sp3d/>
-    <dgm:txPr/>
-    <dgm:style>
-      <a:lnRef idx="2">
-        <a:scrgbClr r="0" g="0" b="0"/>
-      </a:lnRef>
-      <a:fillRef idx="1">
-        <a:scrgbClr r="0" g="0" b="0"/>
-      </a:fillRef>
-      <a:effectRef idx="0">
-        <a:scrgbClr r="0" g="0" b="0"/>
-      </a:effectRef>
-      <a:fontRef idx="minor">
-        <a:schemeClr val="lt1"/>
-      </a:fontRef>
-    </dgm:style>
-  </dgm:styleLbl>
-  <dgm:styleLbl name="asst3">
-    <dgm:scene3d>
-      <a:camera prst="orthographicFront"/>
-      <a:lightRig rig="threePt" dir="t"/>
-    </dgm:scene3d>
-    <dgm:sp3d/>
-    <dgm:txPr/>
-    <dgm:style>
-      <a:lnRef idx="2">
-        <a:scrgbClr r="0" g="0" b="0"/>
-      </a:lnRef>
-      <a:fillRef idx="1">
-        <a:scrgbClr r="0" g="0" b="0"/>
-      </a:fillRef>
-      <a:effectRef idx="0">
-        <a:scrgbClr r="0" g="0" b="0"/>
-      </a:effectRef>
-      <a:fontRef idx="minor">
-        <a:schemeClr val="lt1"/>
-      </a:fontRef>
-    </dgm:style>
-  </dgm:styleLbl>
-  <dgm:styleLbl name="asst4">
-    <dgm:scene3d>
-      <a:camera prst="orthographicFront"/>
-      <a:lightRig rig="threePt" dir="t"/>
-    </dgm:scene3d>
-    <dgm:sp3d/>
-    <dgm:txPr/>
-    <dgm:style>
-      <a:lnRef idx="2">
-        <a:scrgbClr r="0" g="0" b="0"/>
-      </a:lnRef>
-      <a:fillRef idx="1">
-        <a:scrgbClr r="0" g="0" b="0"/>
-      </a:fillRef>
-      <a:effectRef idx="0">
-        <a:scrgbClr r="0" g="0" b="0"/>
-      </a:effectRef>
-      <a:fontRef idx="minor">
-        <a:schemeClr val="lt1"/>
-      </a:fontRef>
-    </dgm:style>
-  </dgm:styleLbl>
-  <dgm:styleLbl name="parChTrans2D1">
-    <dgm:scene3d>
-      <a:camera prst="orthographicFront"/>
-      <a:lightRig rig="threePt" dir="t"/>
-    </dgm:scene3d>
-    <dgm:sp3d/>
-    <dgm:txPr/>
-    <dgm:style>
-      <a:lnRef idx="2">
-        <a:scrgbClr r="0" g="0" b="0"/>
-      </a:lnRef>
-      <a:fillRef idx="1">
-        <a:scrgbClr r="0" g="0" b="0"/>
-      </a:fillRef>
-      <a:effectRef idx="0">
-        <a:scrgbClr r="0" g="0" b="0"/>
-      </a:effectRef>
-      <a:fontRef idx="minor">
-        <a:schemeClr val="lt1"/>
-      </a:fontRef>
-    </dgm:style>
-  </dgm:styleLbl>
-  <dgm:styleLbl name="parChTrans2D2">
-    <dgm:scene3d>
-      <a:camera prst="orthographicFront"/>
-      <a:lightRig rig="threePt" dir="t"/>
-    </dgm:scene3d>
-    <dgm:sp3d/>
-    <dgm:txPr/>
-    <dgm:style>
-      <a:lnRef idx="2">
-        <a:scrgbClr r="0" g="0" b="0"/>
-      </a:lnRef>
-      <a:fillRef idx="1">
-        <a:scrgbClr r="0" g="0" b="0"/>
-      </a:fillRef>
-      <a:effectRef idx="0">
-        <a:scrgbClr r="0" g="0" b="0"/>
-      </a:effectRef>
-      <a:fontRef idx="minor">
-        <a:schemeClr val="lt1"/>
-      </a:fontRef>
-    </dgm:style>
-  </dgm:styleLbl>
-  <dgm:styleLbl name="parChTrans2D3">
-    <dgm:scene3d>
-      <a:camera prst="orthographicFront"/>
-      <a:lightRig rig="threePt" dir="t"/>
-    </dgm:scene3d>
-    <dgm:sp3d/>
-    <dgm:txPr/>
-    <dgm:style>
-      <a:lnRef idx="2">
-        <a:scrgbClr r="0" g="0" b="0"/>
-      </a:lnRef>
-      <a:fillRef idx="1">
-        <a:scrgbClr r="0" g="0" b="0"/>
-      </a:fillRef>
-      <a:effectRef idx="0">
-        <a:scrgbClr r="0" g="0" b="0"/>
-      </a:effectRef>
-      <a:fontRef idx="minor">
-        <a:schemeClr val="lt1"/>
-      </a:fontRef>
-    </dgm:style>
-  </dgm:styleLbl>
-  <dgm:styleLbl name="parChTrans2D4">
-    <dgm:scene3d>
-      <a:camera prst="orthographicFront"/>
-      <a:lightRig rig="threePt" dir="t"/>
-    </dgm:scene3d>
-    <dgm:sp3d/>
-    <dgm:txPr/>
-    <dgm:style>
-      <a:lnRef idx="2">
-        <a:scrgbClr r="0" g="0" b="0"/>
-      </a:lnRef>
-      <a:fillRef idx="1">
-        <a:scrgbClr r="0" g="0" b="0"/>
-      </a:fillRef>
-      <a:effectRef idx="0">
-        <a:scrgbClr r="0" g="0" b="0"/>
-      </a:effectRef>
-      <a:fontRef idx="minor">
-        <a:schemeClr val="lt1"/>
-      </a:fontRef>
-    </dgm:style>
-  </dgm:styleLbl>
-  <dgm:styleLbl name="parChTrans1D1">
-    <dgm:scene3d>
-      <a:camera prst="orthographicFront"/>
-      <a:lightRig rig="threePt" dir="t"/>
-    </dgm:scene3d>
-    <dgm:sp3d/>
-    <dgm:txPr/>
-    <dgm:style>
-      <a:lnRef idx="2">
-        <a:scrgbClr r="0" g="0" b="0"/>
-      </a:lnRef>
-      <a:fillRef idx="0">
-        <a:scrgbClr r="0" g="0" b="0"/>
-      </a:fillRef>
-      <a:effectRef idx="0">
-        <a:scrgbClr r="0" g="0" b="0"/>
-      </a:effectRef>
-      <a:fontRef idx="minor"/>
-    </dgm:style>
-  </dgm:styleLbl>
-  <dgm:styleLbl name="parChTrans1D2">
-    <dgm:scene3d>
-      <a:camera prst="orthographicFront"/>
-      <a:lightRig rig="threePt" dir="t"/>
-    </dgm:scene3d>
-    <dgm:sp3d/>
-    <dgm:txPr/>
-    <dgm:style>
-      <a:lnRef idx="2">
-        <a:scrgbClr r="0" g="0" b="0"/>
-      </a:lnRef>
-      <a:fillRef idx="0">
-        <a:scrgbClr r="0" g="0" b="0"/>
-      </a:fillRef>
-      <a:effectRef idx="0">
-        <a:scrgbClr r="0" g="0" b="0"/>
-      </a:effectRef>
-      <a:fontRef idx="minor"/>
-    </dgm:style>
-  </dgm:styleLbl>
-  <dgm:styleLbl name="parChTrans1D3">
-    <dgm:scene3d>
-      <a:camera prst="orthographicFront"/>
-      <a:lightRig rig="threePt" dir="t"/>
-    </dgm:scene3d>
-    <dgm:sp3d/>
-    <dgm:txPr/>
-    <dgm:style>
-      <a:lnRef idx="2">
-        <a:scrgbClr r="0" g="0" b="0"/>
-      </a:lnRef>
-      <a:fillRef idx="0">
-        <a:scrgbClr r="0" g="0" b="0"/>
-      </a:fillRef>
-      <a:effectRef idx="0">
-        <a:scrgbClr r="0" g="0" b="0"/>
-      </a:effectRef>
-      <a:fontRef idx="minor"/>
-    </dgm:style>
-  </dgm:styleLbl>
-  <dgm:styleLbl name="parChTrans1D4">
-    <dgm:scene3d>
-      <a:camera prst="orthographicFront"/>
-      <a:lightRig rig="threePt" dir="t"/>
-    </dgm:scene3d>
-    <dgm:sp3d/>
-    <dgm:txPr/>
-    <dgm:style>
-      <a:lnRef idx="2">
-        <a:scrgbClr r="0" g="0" b="0"/>
-      </a:lnRef>
-      <a:fillRef idx="0">
-        <a:scrgbClr r="0" g="0" b="0"/>
-      </a:fillRef>
-      <a:effectRef idx="0">
-        <a:scrgbClr r="0" g="0" b="0"/>
-      </a:effectRef>
-      <a:fontRef idx="minor"/>
-    </dgm:style>
-  </dgm:styleLbl>
-  <dgm:styleLbl name="fgAcc1">
-    <dgm:scene3d>
-      <a:camera prst="orthographicFront"/>
-      <a:lightRig rig="threePt" dir="t"/>
-    </dgm:scene3d>
-    <dgm:sp3d/>
-    <dgm:txPr/>
-    <dgm:style>
-      <a:lnRef idx="2">
-        <a:scrgbClr r="0" g="0" b="0"/>
-      </a:lnRef>
-      <a:fillRef idx="1">
-        <a:scrgbClr r="0" g="0" b="0"/>
-      </a:fillRef>
-      <a:effectRef idx="0">
-        <a:scrgbClr r="0" g="0" b="0"/>
-      </a:effectRef>
-      <a:fontRef idx="minor"/>
-    </dgm:style>
-  </dgm:styleLbl>
-  <dgm:styleLbl name="conFgAcc1">
-    <dgm:scene3d>
-      <a:camera prst="orthographicFront"/>
-      <a:lightRig rig="threePt" dir="t"/>
-    </dgm:scene3d>
-    <dgm:sp3d/>
-    <dgm:txPr/>
-    <dgm:style>
-      <a:lnRef idx="2">
-        <a:scrgbClr r="0" g="0" b="0"/>
-      </a:lnRef>
-      <a:fillRef idx="1">
-        <a:scrgbClr r="0" g="0" b="0"/>
-      </a:fillRef>
-      <a:effectRef idx="0">
-        <a:scrgbClr r="0" g="0" b="0"/>
-      </a:effectRef>
-      <a:fontRef idx="minor"/>
-    </dgm:style>
-  </dgm:styleLbl>
-  <dgm:styleLbl name="alignAcc1">
-    <dgm:scene3d>
-      <a:camera prst="orthographicFront"/>
-      <a:lightRig rig="threePt" dir="t"/>
-    </dgm:scene3d>
-    <dgm:sp3d/>
-    <dgm:txPr/>
-    <dgm:style>
-      <a:lnRef idx="2">
-        <a:scrgbClr r="0" g="0" b="0"/>
-      </a:lnRef>
-      <a:fillRef idx="1">
-        <a:scrgbClr r="0" g="0" b="0"/>
-      </a:fillRef>
-      <a:effectRef idx="0">
-        <a:scrgbClr r="0" g="0" b="0"/>
-      </a:effectRef>
-      <a:fontRef idx="minor"/>
-    </dgm:style>
-  </dgm:styleLbl>
-  <dgm:styleLbl name="trAlignAcc1">
-    <dgm:scene3d>
-      <a:camera prst="orthographicFront"/>
-      <a:lightRig rig="threePt" dir="t"/>
-    </dgm:scene3d>
-    <dgm:sp3d/>
-    <dgm:txPr/>
-    <dgm:style>
-      <a:lnRef idx="1">
-        <a:scrgbClr r="0" g="0" b="0"/>
-      </a:lnRef>
-      <a:fillRef idx="1">
-        <a:scrgbClr r="0" g="0" b="0"/>
-      </a:fillRef>
-      <a:effectRef idx="0">
-        <a:scrgbClr r="0" g="0" b="0"/>
-      </a:effectRef>
-      <a:fontRef idx="minor"/>
-    </dgm:style>
-  </dgm:styleLbl>
-  <dgm:styleLbl name="bgAcc1">
-    <dgm:scene3d>
-      <a:camera prst="orthographicFront"/>
-      <a:lightRig rig="threePt" dir="t"/>
-    </dgm:scene3d>
-    <dgm:sp3d/>
-    <dgm:txPr/>
-    <dgm:style>
-      <a:lnRef idx="2">
-        <a:scrgbClr r="0" g="0" b="0"/>
-      </a:lnRef>
-      <a:fillRef idx="1">
-        <a:scrgbClr r="0" g="0" b="0"/>
-      </a:fillRef>
-      <a:effectRef idx="0">
-        <a:scrgbClr r="0" g="0" b="0"/>
-      </a:effectRef>
-      <a:fontRef idx="minor"/>
-    </dgm:style>
-  </dgm:styleLbl>
-  <dgm:styleLbl name="solidFgAcc1">
-    <dgm:scene3d>
-      <a:camera prst="orthographicFront"/>
-      <a:lightRig rig="threePt" dir="t"/>
-    </dgm:scene3d>
-    <dgm:sp3d/>
-    <dgm:txPr/>
-    <dgm:style>
-      <a:lnRef idx="2">
-        <a:scrgbClr r="0" g="0" b="0"/>
-      </a:lnRef>
-      <a:fillRef idx="1">
-        <a:scrgbClr r="0" g="0" b="0"/>
-      </a:fillRef>
-      <a:effectRef idx="0">
-        <a:scrgbClr r="0" g="0" b="0"/>
-      </a:effectRef>
-      <a:fontRef idx="minor"/>
-    </dgm:style>
-  </dgm:styleLbl>
-  <dgm:styleLbl name="solidAlignAcc1">
-    <dgm:scene3d>
-      <a:camera prst="orthographicFront"/>
-      <a:lightRig rig="threePt" dir="t"/>
-    </dgm:scene3d>
-    <dgm:sp3d/>
-    <dgm:txPr/>
-    <dgm:style>
-      <a:lnRef idx="2">
-        <a:scrgbClr r="0" g="0" b="0"/>
-      </a:lnRef>
-      <a:fillRef idx="1">
-        <a:scrgbClr r="0" g="0" b="0"/>
-      </a:fillRef>
-      <a:effectRef idx="0">
-        <a:scrgbClr r="0" g="0" b="0"/>
-      </a:effectRef>
-      <a:fontRef idx="minor"/>
-    </dgm:style>
-  </dgm:styleLbl>
-  <dgm:styleLbl name="solidBgAcc1">
-    <dgm:scene3d>
-      <a:camera prst="orthographicFront"/>
-      <a:lightRig rig="threePt" dir="t"/>
-    </dgm:scene3d>
-    <dgm:sp3d/>
-    <dgm:txPr/>
-    <dgm:style>
-      <a:lnRef idx="2">
-        <a:scrgbClr r="0" g="0" b="0"/>
-      </a:lnRef>
-      <a:fillRef idx="1">
-        <a:scrgbClr r="0" g="0" b="0"/>
-      </a:fillRef>
-      <a:effectRef idx="0">
-        <a:scrgbClr r="0" g="0" b="0"/>
-      </a:effectRef>
-      <a:fontRef idx="minor"/>
-    </dgm:style>
-  </dgm:styleLbl>
-  <dgm:styleLbl name="fgAccFollowNode1">
-    <dgm:scene3d>
-      <a:camera prst="orthographicFront"/>
-      <a:lightRig rig="threePt" dir="t"/>
-    </dgm:scene3d>
-    <dgm:sp3d/>
-    <dgm:txPr/>
-    <dgm:style>
-      <a:lnRef idx="2">
-        <a:scrgbClr r="0" g="0" b="0"/>
-      </a:lnRef>
-      <a:fillRef idx="1">
-        <a:scrgbClr r="0" g="0" b="0"/>
-      </a:fillRef>
-      <a:effectRef idx="0">
-        <a:scrgbClr r="0" g="0" b="0"/>
-      </a:effectRef>
-      <a:fontRef idx="minor"/>
-    </dgm:style>
-  </dgm:styleLbl>
-  <dgm:styleLbl name="alignAccFollowNode1">
-    <dgm:scene3d>
-      <a:camera prst="orthographicFront"/>
-      <a:lightRig rig="threePt" dir="t"/>
-    </dgm:scene3d>
-    <dgm:sp3d/>
-    <dgm:txPr/>
-    <dgm:style>
-      <a:lnRef idx="2">
-        <a:scrgbClr r="0" g="0" b="0"/>
-      </a:lnRef>
-      <a:fillRef idx="1">
-        <a:scrgbClr r="0" g="0" b="0"/>
-      </a:fillRef>
-      <a:effectRef idx="0">
-        <a:scrgbClr r="0" g="0" b="0"/>
-      </a:effectRef>
-      <a:fontRef idx="minor"/>
-    </dgm:style>
-  </dgm:styleLbl>
-  <dgm:styleLbl name="bgAccFollowNode1">
-    <dgm:scene3d>
-      <a:camera prst="orthographicFront"/>
-      <a:lightRig rig="threePt" dir="t"/>
-    </dgm:scene3d>
-    <dgm:sp3d/>
-    <dgm:txPr/>
-    <dgm:style>
-      <a:lnRef idx="2">
-        <a:scrgbClr r="0" g="0" b="0"/>
-      </a:lnRef>
-      <a:fillRef idx="1">
-        <a:scrgbClr r="0" g="0" b="0"/>
-      </a:fillRef>
-      <a:effectRef idx="0">
-        <a:scrgbClr r="0" g="0" b="0"/>
-      </a:effectRef>
-      <a:fontRef idx="minor"/>
-    </dgm:style>
-  </dgm:styleLbl>
-  <dgm:styleLbl name="fgAcc0">
-    <dgm:scene3d>
-      <a:camera prst="orthographicFront"/>
-      <a:lightRig rig="threePt" dir="t"/>
-    </dgm:scene3d>
-    <dgm:sp3d/>
-    <dgm:txPr/>
-    <dgm:style>
-      <a:lnRef idx="2">
-        <a:scrgbClr r="0" g="0" b="0"/>
-      </a:lnRef>
-      <a:fillRef idx="1">
-        <a:scrgbClr r="0" g="0" b="0"/>
-      </a:fillRef>
-      <a:effectRef idx="0">
-        <a:scrgbClr r="0" g="0" b="0"/>
-      </a:effectRef>
-      <a:fontRef idx="minor"/>
-    </dgm:style>
-  </dgm:styleLbl>
-  <dgm:styleLbl name="fgAcc2">
-    <dgm:scene3d>
-      <a:camera prst="orthographicFront"/>
-      <a:lightRig rig="threePt" dir="t"/>
-    </dgm:scene3d>
-    <dgm:sp3d/>
-    <dgm:txPr/>
-    <dgm:style>
-      <a:lnRef idx="2">
-        <a:scrgbClr r="0" g="0" b="0"/>
-      </a:lnRef>
-      <a:fillRef idx="1">
-        <a:scrgbClr r="0" g="0" b="0"/>
-      </a:fillRef>
-      <a:effectRef idx="0">
-        <a:scrgbClr r="0" g="0" b="0"/>
-      </a:effectRef>
-      <a:fontRef idx="minor"/>
-    </dgm:style>
-  </dgm:styleLbl>
-  <dgm:styleLbl name="fgAcc3">
-    <dgm:scene3d>
-      <a:camera prst="orthographicFront"/>
-      <a:lightRig rig="threePt" dir="t"/>
-    </dgm:scene3d>
-    <dgm:sp3d/>
-    <dgm:txPr/>
-    <dgm:style>
-      <a:lnRef idx="2">
-        <a:scrgbClr r="0" g="0" b="0"/>
-      </a:lnRef>
-      <a:fillRef idx="1">
-        <a:scrgbClr r="0" g="0" b="0"/>
-      </a:fillRef>
-      <a:effectRef idx="0">
-        <a:scrgbClr r="0" g="0" b="0"/>
-      </a:effectRef>
-      <a:fontRef idx="minor"/>
-    </dgm:style>
-  </dgm:styleLbl>
-  <dgm:styleLbl name="fgAcc4">
-    <dgm:scene3d>
-      <a:camera prst="orthographicFront"/>
-      <a:lightRig rig="threePt" dir="t"/>
-    </dgm:scene3d>
-    <dgm:sp3d/>
-    <dgm:txPr/>
-    <dgm:style>
-      <a:lnRef idx="2">
-        <a:scrgbClr r="0" g="0" b="0"/>
-      </a:lnRef>
-      <a:fillRef idx="1">
-        <a:scrgbClr r="0" g="0" b="0"/>
-      </a:fillRef>
-      <a:effectRef idx="0">
-        <a:scrgbClr r="0" g="0" b="0"/>
-      </a:effectRef>
-      <a:fontRef idx="minor"/>
-    </dgm:style>
-  </dgm:styleLbl>
-  <dgm:styleLbl name="bgShp">
-    <dgm:scene3d>
-      <a:camera prst="orthographicFront"/>
-      <a:lightRig rig="threePt" dir="t"/>
-    </dgm:scene3d>
-    <dgm:sp3d/>
-    <dgm:txPr/>
-    <dgm:style>
-      <a:lnRef idx="0">
-        <a:scrgbClr r="0" g="0" b="0"/>
-      </a:lnRef>
-      <a:fillRef idx="1">
-        <a:scrgbClr r="0" g="0" b="0"/>
-      </a:fillRef>
-      <a:effectRef idx="0">
-        <a:scrgbClr r="0" g="0" b="0"/>
-      </a:effectRef>
-      <a:fontRef idx="minor"/>
-    </dgm:style>
-  </dgm:styleLbl>
-  <dgm:styleLbl name="dkBgShp">
-    <dgm:scene3d>
-      <a:camera prst="orthographicFront"/>
-      <a:lightRig rig="threePt" dir="t"/>
-    </dgm:scene3d>
-    <dgm:sp3d/>
-    <dgm:txPr/>
-    <dgm:style>
-      <a:lnRef idx="0">
-        <a:scrgbClr r="0" g="0" b="0"/>
-      </a:lnRef>
-      <a:fillRef idx="1">
-        <a:scrgbClr r="0" g="0" b="0"/>
-      </a:fillRef>
-      <a:effectRef idx="0">
-        <a:scrgbClr r="0" g="0" b="0"/>
-      </a:effectRef>
-      <a:fontRef idx="minor"/>
-    </dgm:style>
-  </dgm:styleLbl>
-  <dgm:styleLbl name="trBgShp">
-    <dgm:scene3d>
-      <a:camera prst="orthographicFront"/>
-      <a:lightRig rig="threePt" dir="t"/>
-    </dgm:scene3d>
-    <dgm:sp3d/>
-    <dgm:txPr/>
-    <dgm:style>
-      <a:lnRef idx="0">
-        <a:scrgbClr r="0" g="0" b="0"/>
-      </a:lnRef>
-      <a:fillRef idx="1">
-        <a:scrgbClr r="0" g="0" b="0"/>
-      </a:fillRef>
-      <a:effectRef idx="0">
-        <a:scrgbClr r="0" g="0" b="0"/>
-      </a:effectRef>
-      <a:fontRef idx="minor"/>
-    </dgm:style>
-  </dgm:styleLbl>
-  <dgm:styleLbl name="fgShp">
-    <dgm:scene3d>
-      <a:camera prst="orthographicFront"/>
-      <a:lightRig rig="threePt" dir="t"/>
-    </dgm:scene3d>
-    <dgm:sp3d/>
-    <dgm:txPr/>
-    <dgm:style>
-      <a:lnRef idx="2">
-        <a:scrgbClr r="0" g="0" b="0"/>
-      </a:lnRef>
-      <a:fillRef idx="1">
-        <a:scrgbClr r="0" g="0" b="0"/>
-      </a:fillRef>
-      <a:effectRef idx="0">
-        <a:scrgbClr r="0" g="0" b="0"/>
-      </a:effectRef>
-      <a:fontRef idx="minor"/>
-    </dgm:style>
-  </dgm:styleLbl>
-  <dgm:styleLbl name="revTx">
-    <dgm:scene3d>
-      <a:camera prst="orthographicFront"/>
-      <a:lightRig rig="threePt" dir="t"/>
-    </dgm:scene3d>
-    <dgm:sp3d/>
-    <dgm:txPr/>
-    <dgm:style>
-      <a:lnRef idx="0">
-        <a:scrgbClr r="0" g="0" b="0"/>
-      </a:lnRef>
-      <a:fillRef idx="0">
-        <a:scrgbClr r="0" g="0" b="0"/>
-      </a:fillRef>
-      <a:effectRef idx="0">
-        <a:scrgbClr r="0" g="0" b="0"/>
-      </a:effectRef>
-      <a:fontRef idx="minor"/>
-    </dgm:style>
-  </dgm:styleLbl>
-</dgm:styleDef>
+<file path=ppt/notesMasters/notesMaster1.xml><?xml version="1.0" encoding="utf-8"?>
+<p:notesMaster xmlns:a="http://schemas.openxmlformats.org/drawingml/2006/main" xmlns:r="http://schemas.openxmlformats.org/officeDocument/2006/relationships" xmlns:p="http://schemas.openxmlformats.org/presentationml/2006/main">
+  <p:cSld>
+    <p:bg>
+      <p:bgRef idx="1001">
+        <a:schemeClr val="bg1"/>
+      </p:bgRef>
+    </p:bg>
+    <p:spTree>
+      <p:nvGrpSpPr>
+        <p:cNvPr id="1" name=""/>
+        <p:cNvGrpSpPr/>
+        <p:nvPr/>
+      </p:nvGrpSpPr>
+      <p:grpSpPr>
+        <a:xfrm>
+          <a:off x="0" y="0"/>
+          <a:ext cx="0" cy="0"/>
+          <a:chOff x="0" y="0"/>
+          <a:chExt cx="0" cy="0"/>
+        </a:xfrm>
+      </p:grpSpPr>
+      <p:sp>
+        <p:nvSpPr>
+          <p:cNvPr id="2" name="Header Placeholder 1"/>
+          <p:cNvSpPr>
+            <a:spLocks noGrp="1"/>
+          </p:cNvSpPr>
+          <p:nvPr>
+            <p:ph type="hdr" sz="quarter"/>
+          </p:nvPr>
+        </p:nvSpPr>
+        <p:spPr>
+          <a:xfrm>
+            <a:off x="0" y="0"/>
+            <a:ext cx="2971800" cy="458788"/>
+          </a:xfrm>
+          <a:prstGeom prst="rect">
+            <a:avLst/>
+          </a:prstGeom>
+        </p:spPr>
+        <p:txBody>
+          <a:bodyPr vert="horz" lIns="91440" tIns="45720" rIns="91440" bIns="45720" rtlCol="0"/>
+          <a:lstStyle>
+            <a:lvl1pPr algn="l">
+              <a:defRPr sz="1200"/>
+            </a:lvl1pPr>
+          </a:lstStyle>
+          <a:p>
+            <a:endParaRPr lang="en-US"/>
+          </a:p>
+        </p:txBody>
+      </p:sp>
+      <p:sp>
+        <p:nvSpPr>
+          <p:cNvPr id="3" name="Date Placeholder 2"/>
+          <p:cNvSpPr>
+            <a:spLocks noGrp="1"/>
+          </p:cNvSpPr>
+          <p:nvPr>
+            <p:ph type="dt" idx="1"/>
+          </p:nvPr>
+        </p:nvSpPr>
+        <p:spPr>
+          <a:xfrm>
+            <a:off x="3884613" y="0"/>
+            <a:ext cx="2971800" cy="458788"/>
+          </a:xfrm>
+          <a:prstGeom prst="rect">
+            <a:avLst/>
+          </a:prstGeom>
+        </p:spPr>
+        <p:txBody>
+          <a:bodyPr vert="horz" lIns="91440" tIns="45720" rIns="91440" bIns="45720" rtlCol="0"/>
+          <a:lstStyle>
+            <a:lvl1pPr algn="r">
+              <a:defRPr sz="1200"/>
+            </a:lvl1pPr>
+          </a:lstStyle>
+          <a:p>
+            <a:fld id="{E05BB65A-1268-40FE-AC3B-E992ABBA3B2E}" type="datetimeFigureOut">
+              <a:rPr lang="en-US" smtClean="0"/>
+              <a:t>4/24/24</a:t>
+            </a:fld>
+            <a:endParaRPr lang="en-US"/>
+          </a:p>
+        </p:txBody>
+      </p:sp>
+      <p:sp>
+        <p:nvSpPr>
+          <p:cNvPr id="4" name="Slide Image Placeholder 3"/>
+          <p:cNvSpPr>
+            <a:spLocks noGrp="1" noRot="1" noChangeAspect="1"/>
+          </p:cNvSpPr>
+          <p:nvPr>
+            <p:ph type="sldImg" idx="2"/>
+          </p:nvPr>
+        </p:nvSpPr>
+        <p:spPr>
+          <a:xfrm>
+            <a:off x="685800" y="1143000"/>
+            <a:ext cx="5486400" cy="3086100"/>
+          </a:xfrm>
+          <a:prstGeom prst="rect">
+            <a:avLst/>
+          </a:prstGeom>
+          <a:noFill/>
+          <a:ln w="12700">
+            <a:solidFill>
+              <a:prstClr val="black"/>
+            </a:solidFill>
+          </a:ln>
+        </p:spPr>
+        <p:txBody>
+          <a:bodyPr vert="horz" lIns="91440" tIns="45720" rIns="91440" bIns="45720" rtlCol="0" anchor="ctr"/>
+          <a:lstStyle/>
+          <a:p>
+            <a:endParaRPr lang="en-US"/>
+          </a:p>
+        </p:txBody>
+      </p:sp>
+      <p:sp>
+        <p:nvSpPr>
+          <p:cNvPr id="5" name="Notes Placeholder 4"/>
+          <p:cNvSpPr>
+            <a:spLocks noGrp="1"/>
+          </p:cNvSpPr>
+          <p:nvPr>
+            <p:ph type="body" sz="quarter" idx="3"/>
+          </p:nvPr>
+        </p:nvSpPr>
+        <p:spPr>
+          <a:xfrm>
+            <a:off x="685800" y="4400550"/>
+            <a:ext cx="5486400" cy="3600450"/>
+          </a:xfrm>
+          <a:prstGeom prst="rect">
+            <a:avLst/>
+          </a:prstGeom>
+        </p:spPr>
+        <p:txBody>
+          <a:bodyPr vert="horz" lIns="91440" tIns="45720" rIns="91440" bIns="45720" rtlCol="0"/>
+          <a:lstStyle/>
+          <a:p>
+            <a:pPr lvl="0"/>
+            <a:r>
+              <a:rPr lang="en-US"/>
+              <a:t>Click to edit Master text styles</a:t>
+            </a:r>
+          </a:p>
+          <a:p>
+            <a:pPr lvl="1"/>
+            <a:r>
+              <a:rPr lang="en-US"/>
+              <a:t>Second level</a:t>
+            </a:r>
+          </a:p>
+          <a:p>
+            <a:pPr lvl="2"/>
+            <a:r>
+              <a:rPr lang="en-US"/>
+              <a:t>Third level</a:t>
+            </a:r>
+          </a:p>
+          <a:p>
+            <a:pPr lvl="3"/>
+            <a:r>
+              <a:rPr lang="en-US"/>
+              <a:t>Fourth level</a:t>
+            </a:r>
+          </a:p>
+          <a:p>
+            <a:pPr lvl="4"/>
+            <a:r>
+              <a:rPr lang="en-US"/>
+              <a:t>Fifth level</a:t>
+            </a:r>
+          </a:p>
+        </p:txBody>
+      </p:sp>
+      <p:sp>
+        <p:nvSpPr>
+          <p:cNvPr id="6" name="Footer Placeholder 5"/>
+          <p:cNvSpPr>
+            <a:spLocks noGrp="1"/>
+          </p:cNvSpPr>
+          <p:nvPr>
+            <p:ph type="ftr" sz="quarter" idx="4"/>
+          </p:nvPr>
+        </p:nvSpPr>
+        <p:spPr>
+          <a:xfrm>
+            <a:off x="0" y="8685213"/>
+            <a:ext cx="2971800" cy="458787"/>
+          </a:xfrm>
+          <a:prstGeom prst="rect">
+            <a:avLst/>
+          </a:prstGeom>
+        </p:spPr>
+        <p:txBody>
+          <a:bodyPr vert="horz" lIns="91440" tIns="45720" rIns="91440" bIns="45720" rtlCol="0" anchor="b"/>
+          <a:lstStyle>
+            <a:lvl1pPr algn="l">
+              <a:defRPr sz="1200"/>
+            </a:lvl1pPr>
+          </a:lstStyle>
+          <a:p>
+            <a:endParaRPr lang="en-US"/>
+          </a:p>
+        </p:txBody>
+      </p:sp>
+      <p:sp>
+        <p:nvSpPr>
+          <p:cNvPr id="7" name="Slide Number Placeholder 6"/>
+          <p:cNvSpPr>
+            <a:spLocks noGrp="1"/>
+          </p:cNvSpPr>
+          <p:nvPr>
+            <p:ph type="sldNum" sz="quarter" idx="5"/>
+          </p:nvPr>
+        </p:nvSpPr>
+        <p:spPr>
+          <a:xfrm>
+            <a:off x="3884613" y="8685213"/>
+            <a:ext cx="2971800" cy="458787"/>
+          </a:xfrm>
+          <a:prstGeom prst="rect">
+            <a:avLst/>
+          </a:prstGeom>
+        </p:spPr>
+        <p:txBody>
+          <a:bodyPr vert="horz" lIns="91440" tIns="45720" rIns="91440" bIns="45720" rtlCol="0" anchor="b"/>
+          <a:lstStyle>
+            <a:lvl1pPr algn="r">
+              <a:defRPr sz="1200"/>
+            </a:lvl1pPr>
+          </a:lstStyle>
+          <a:p>
+            <a:fld id="{374B7DEB-8EB3-45F9-B7C8-C0B1BE52185A}" type="slidenum">
+              <a:rPr lang="en-US" smtClean="0"/>
+              <a:t>‹#›</a:t>
+            </a:fld>
+            <a:endParaRPr lang="en-US"/>
+          </a:p>
+        </p:txBody>
+      </p:sp>
+    </p:spTree>
+    <p:extLst>
+      <p:ext uri="{BB962C8B-B14F-4D97-AF65-F5344CB8AC3E}">
+        <p14:creationId xmlns:p14="http://schemas.microsoft.com/office/powerpoint/2010/main" val="998842196"/>
+      </p:ext>
+    </p:extLst>
+  </p:cSld>
+  <p:clrMap bg1="lt1" tx1="dk1" bg2="lt2" tx2="dk2" accent1="accent1" accent2="accent2" accent3="accent3" accent4="accent4" accent5="accent5" accent6="accent6" hlink="hlink" folHlink="folHlink"/>
+  <p:notesStyle>
+    <a:lvl1pPr marL="0" algn="l" defTabSz="914400" rtl="0" eaLnBrk="1" latinLnBrk="0" hangingPunct="1">
+      <a:defRPr sz="1200" kern="1200">
+        <a:solidFill>
+          <a:schemeClr val="tx1"/>
+        </a:solidFill>
+        <a:latin typeface="+mn-lt"/>
+        <a:ea typeface="+mn-ea"/>
+        <a:cs typeface="+mn-cs"/>
+      </a:defRPr>
+    </a:lvl1pPr>
+    <a:lvl2pPr marL="457200" algn="l" defTabSz="914400" rtl="0" eaLnBrk="1" latinLnBrk="0" hangingPunct="1">
+      <a:defRPr sz="1200" kern="1200">
+        <a:solidFill>
+          <a:schemeClr val="tx1"/>
+        </a:solidFill>
+        <a:latin typeface="+mn-lt"/>
+        <a:ea typeface="+mn-ea"/>
+        <a:cs typeface="+mn-cs"/>
+      </a:defRPr>
+    </a:lvl2pPr>
+    <a:lvl3pPr marL="914400" algn="l" defTabSz="914400" rtl="0" eaLnBrk="1" latinLnBrk="0" hangingPunct="1">
+      <a:defRPr sz="1200" kern="1200">
+        <a:solidFill>
+          <a:schemeClr val="tx1"/>
+        </a:solidFill>
+        <a:latin typeface="+mn-lt"/>
+        <a:ea typeface="+mn-ea"/>
+        <a:cs typeface="+mn-cs"/>
+      </a:defRPr>
+    </a:lvl3pPr>
+    <a:lvl4pPr marL="1371600" algn="l" defTabSz="914400" rtl="0" eaLnBrk="1" latinLnBrk="0" hangingPunct="1">
+      <a:defRPr sz="1200" kern="1200">
+        <a:solidFill>
+          <a:schemeClr val="tx1"/>
+        </a:solidFill>
+        <a:latin typeface="+mn-lt"/>
+        <a:ea typeface="+mn-ea"/>
+        <a:cs typeface="+mn-cs"/>
+      </a:defRPr>
+    </a:lvl4pPr>
+    <a:lvl5pPr marL="1828800" algn="l" defTabSz="914400" rtl="0" eaLnBrk="1" latinLnBrk="0" hangingPunct="1">
+      <a:defRPr sz="1200" kern="1200">
+        <a:solidFill>
+          <a:schemeClr val="tx1"/>
+        </a:solidFill>
+        <a:latin typeface="+mn-lt"/>
+        <a:ea typeface="+mn-ea"/>
+        <a:cs typeface="+mn-cs"/>
+      </a:defRPr>
+    </a:lvl5pPr>
+    <a:lvl6pPr marL="2286000" algn="l" defTabSz="914400" rtl="0" eaLnBrk="1" latinLnBrk="0" hangingPunct="1">
+      <a:defRPr sz="1200" kern="1200">
+        <a:solidFill>
+          <a:schemeClr val="tx1"/>
+        </a:solidFill>
+        <a:latin typeface="+mn-lt"/>
+        <a:ea typeface="+mn-ea"/>
+        <a:cs typeface="+mn-cs"/>
+      </a:defRPr>
+    </a:lvl6pPr>
+    <a:lvl7pPr marL="2743200" algn="l" defTabSz="914400" rtl="0" eaLnBrk="1" latinLnBrk="0" hangingPunct="1">
+      <a:defRPr sz="1200" kern="1200">
+        <a:solidFill>
+          <a:schemeClr val="tx1"/>
+        </a:solidFill>
+        <a:latin typeface="+mn-lt"/>
+        <a:ea typeface="+mn-ea"/>
+        <a:cs typeface="+mn-cs"/>
+      </a:defRPr>
+    </a:lvl7pPr>
+    <a:lvl8pPr marL="3200400" algn="l" defTabSz="914400" rtl="0" eaLnBrk="1" latinLnBrk="0" hangingPunct="1">
+      <a:defRPr sz="1200" kern="1200">
+        <a:solidFill>
+          <a:schemeClr val="tx1"/>
+        </a:solidFill>
+        <a:latin typeface="+mn-lt"/>
+        <a:ea typeface="+mn-ea"/>
+        <a:cs typeface="+mn-cs"/>
+      </a:defRPr>
+    </a:lvl8pPr>
+    <a:lvl9pPr marL="3657600" algn="l" defTabSz="914400" rtl="0" eaLnBrk="1" latinLnBrk="0" hangingPunct="1">
+      <a:defRPr sz="1200" kern="1200">
+        <a:solidFill>
+          <a:schemeClr val="tx1"/>
+        </a:solidFill>
+        <a:latin typeface="+mn-lt"/>
+        <a:ea typeface="+mn-ea"/>
+        <a:cs typeface="+mn-cs"/>
+      </a:defRPr>
+    </a:lvl9pPr>
+  </p:notesStyle>
+</p:notesMaster>
+</file>
+
+<file path=ppt/notesSlides/notesSlide1.xml><?xml version="1.0" encoding="utf-8"?>
+<p:notes xmlns:a="http://schemas.openxmlformats.org/drawingml/2006/main" xmlns:r="http://schemas.openxmlformats.org/officeDocument/2006/relationships" xmlns:p="http://schemas.openxmlformats.org/presentationml/2006/main">
+  <p:cSld>
+    <p:spTree>
+      <p:nvGrpSpPr>
+        <p:cNvPr id="1" name=""/>
+        <p:cNvGrpSpPr/>
+        <p:nvPr/>
+      </p:nvGrpSpPr>
+      <p:grpSpPr>
+        <a:xfrm>
+          <a:off x="0" y="0"/>
+          <a:ext cx="0" cy="0"/>
+          <a:chOff x="0" y="0"/>
+          <a:chExt cx="0" cy="0"/>
+        </a:xfrm>
+      </p:grpSpPr>
+      <p:sp>
+        <p:nvSpPr>
+          <p:cNvPr id="2" name="Slide Image Placeholder 1"/>
+          <p:cNvSpPr>
+            <a:spLocks noGrp="1" noRot="1" noChangeAspect="1"/>
+          </p:cNvSpPr>
+          <p:nvPr>
+            <p:ph type="sldImg"/>
+          </p:nvPr>
+        </p:nvSpPr>
+        <p:spPr/>
+      </p:sp>
+      <p:sp>
+        <p:nvSpPr>
+          <p:cNvPr id="3" name="Notes Placeholder 2"/>
+          <p:cNvSpPr>
+            <a:spLocks noGrp="1"/>
+          </p:cNvSpPr>
+          <p:nvPr>
+            <p:ph type="body" idx="1"/>
+          </p:nvPr>
+        </p:nvSpPr>
+        <p:spPr/>
+        <p:txBody>
+          <a:bodyPr/>
+          <a:lstStyle/>
+          <a:p>
+            <a:endParaRPr lang="en-US" dirty="0"/>
+          </a:p>
+        </p:txBody>
+      </p:sp>
+      <p:sp>
+        <p:nvSpPr>
+          <p:cNvPr id="4" name="Slide Number Placeholder 3"/>
+          <p:cNvSpPr>
+            <a:spLocks noGrp="1"/>
+          </p:cNvSpPr>
+          <p:nvPr>
+            <p:ph type="sldNum" sz="quarter" idx="5"/>
+          </p:nvPr>
+        </p:nvSpPr>
+        <p:spPr/>
+        <p:txBody>
+          <a:bodyPr/>
+          <a:lstStyle/>
+          <a:p>
+            <a:fld id="{374B7DEB-8EB3-45F9-B7C8-C0B1BE52185A}" type="slidenum">
+              <a:rPr lang="en-US" smtClean="0"/>
+              <a:t>10</a:t>
+            </a:fld>
+            <a:endParaRPr lang="en-US"/>
+          </a:p>
+        </p:txBody>
+      </p:sp>
+    </p:spTree>
+    <p:extLst>
+      <p:ext uri="{BB962C8B-B14F-4D97-AF65-F5344CB8AC3E}">
+        <p14:creationId xmlns:p14="http://schemas.microsoft.com/office/powerpoint/2010/main" val="619570216"/>
+      </p:ext>
+    </p:extLst>
+  </p:cSld>
+  <p:clrMapOvr>
+    <a:masterClrMapping/>
+  </p:clrMapOvr>
+</p:notes>
+</file>
+
+<file path=ppt/notesSlides/notesSlide2.xml><?xml version="1.0" encoding="utf-8"?>
+<p:notes xmlns:a="http://schemas.openxmlformats.org/drawingml/2006/main" xmlns:r="http://schemas.openxmlformats.org/officeDocument/2006/relationships" xmlns:p="http://schemas.openxmlformats.org/presentationml/2006/main">
+  <p:cSld>
+    <p:spTree>
+      <p:nvGrpSpPr>
+        <p:cNvPr id="1" name=""/>
+        <p:cNvGrpSpPr/>
+        <p:nvPr/>
+      </p:nvGrpSpPr>
+      <p:grpSpPr>
+        <a:xfrm>
+          <a:off x="0" y="0"/>
+          <a:ext cx="0" cy="0"/>
+          <a:chOff x="0" y="0"/>
+          <a:chExt cx="0" cy="0"/>
+        </a:xfrm>
+      </p:grpSpPr>
+      <p:sp>
+        <p:nvSpPr>
+          <p:cNvPr id="2" name="Slide Image Placeholder 1"/>
+          <p:cNvSpPr>
+            <a:spLocks noGrp="1" noRot="1" noChangeAspect="1"/>
+          </p:cNvSpPr>
+          <p:nvPr>
+            <p:ph type="sldImg"/>
+          </p:nvPr>
+        </p:nvSpPr>
+        <p:spPr/>
+      </p:sp>
+      <p:sp>
+        <p:nvSpPr>
+          <p:cNvPr id="3" name="Notes Placeholder 2"/>
+          <p:cNvSpPr>
+            <a:spLocks noGrp="1"/>
+          </p:cNvSpPr>
+          <p:nvPr>
+            <p:ph type="body" idx="1"/>
+          </p:nvPr>
+        </p:nvSpPr>
+        <p:spPr/>
+        <p:txBody>
+          <a:bodyPr/>
+          <a:lstStyle/>
+          <a:p>
+            <a:endParaRPr lang="en-US" dirty="0"/>
+          </a:p>
+        </p:txBody>
+      </p:sp>
+      <p:sp>
+        <p:nvSpPr>
+          <p:cNvPr id="4" name="Slide Number Placeholder 3"/>
+          <p:cNvSpPr>
+            <a:spLocks noGrp="1"/>
+          </p:cNvSpPr>
+          <p:nvPr>
+            <p:ph type="sldNum" sz="quarter" idx="5"/>
+          </p:nvPr>
+        </p:nvSpPr>
+        <p:spPr/>
+        <p:txBody>
+          <a:bodyPr/>
+          <a:lstStyle/>
+          <a:p>
+            <a:fld id="{374B7DEB-8EB3-45F9-B7C8-C0B1BE52185A}" type="slidenum">
+              <a:rPr lang="en-US" smtClean="0"/>
+              <a:t>11</a:t>
+            </a:fld>
+            <a:endParaRPr lang="en-US"/>
+          </a:p>
+        </p:txBody>
+      </p:sp>
+    </p:spTree>
+    <p:extLst>
+      <p:ext uri="{BB962C8B-B14F-4D97-AF65-F5344CB8AC3E}">
+        <p14:creationId xmlns:p14="http://schemas.microsoft.com/office/powerpoint/2010/main" val="2355053105"/>
+      </p:ext>
+    </p:extLst>
+  </p:cSld>
+  <p:clrMapOvr>
+    <a:masterClrMapping/>
+  </p:clrMapOvr>
+</p:notes>
 </file>
 
 <file path=ppt/slideLayouts/slideLayout1.xml><?xml version="1.0" encoding="utf-8"?>
@@ -5931,7 +3801,7 @@
           <a:p>
             <a:fld id="{FBBF67D9-30EE-4841-A430-DD7FE06690F4}" type="datetimeFigureOut">
               <a:rPr lang="en-US" smtClean="0"/>
-              <a:t>3/10/24</a:t>
+              <a:t>4/24/24</a:t>
             </a:fld>
             <a:endParaRPr lang="en-US"/>
           </a:p>
@@ -6129,7 +3999,7 @@
           <a:p>
             <a:fld id="{FBBF67D9-30EE-4841-A430-DD7FE06690F4}" type="datetimeFigureOut">
               <a:rPr lang="en-US" smtClean="0"/>
-              <a:t>3/10/24</a:t>
+              <a:t>4/24/24</a:t>
             </a:fld>
             <a:endParaRPr lang="en-US"/>
           </a:p>
@@ -6337,7 +4207,7 @@
           <a:p>
             <a:fld id="{FBBF67D9-30EE-4841-A430-DD7FE06690F4}" type="datetimeFigureOut">
               <a:rPr lang="en-US" smtClean="0"/>
-              <a:t>3/10/24</a:t>
+              <a:t>4/24/24</a:t>
             </a:fld>
             <a:endParaRPr lang="en-US"/>
           </a:p>
@@ -6535,7 +4405,7 @@
           <a:p>
             <a:fld id="{FBBF67D9-30EE-4841-A430-DD7FE06690F4}" type="datetimeFigureOut">
               <a:rPr lang="en-US" smtClean="0"/>
-              <a:t>3/10/24</a:t>
+              <a:t>4/24/24</a:t>
             </a:fld>
             <a:endParaRPr lang="en-US"/>
           </a:p>
@@ -6810,7 +4680,7 @@
           <a:p>
             <a:fld id="{FBBF67D9-30EE-4841-A430-DD7FE06690F4}" type="datetimeFigureOut">
               <a:rPr lang="en-US" smtClean="0"/>
-              <a:t>3/10/24</a:t>
+              <a:t>4/24/24</a:t>
             </a:fld>
             <a:endParaRPr lang="en-US"/>
           </a:p>
@@ -7075,7 +4945,7 @@
           <a:p>
             <a:fld id="{FBBF67D9-30EE-4841-A430-DD7FE06690F4}" type="datetimeFigureOut">
               <a:rPr lang="en-US" smtClean="0"/>
-              <a:t>3/10/24</a:t>
+              <a:t>4/24/24</a:t>
             </a:fld>
             <a:endParaRPr lang="en-US"/>
           </a:p>
@@ -7487,7 +5357,7 @@
           <a:p>
             <a:fld id="{FBBF67D9-30EE-4841-A430-DD7FE06690F4}" type="datetimeFigureOut">
               <a:rPr lang="en-US" smtClean="0"/>
-              <a:t>3/10/24</a:t>
+              <a:t>4/24/24</a:t>
             </a:fld>
             <a:endParaRPr lang="en-US"/>
           </a:p>
@@ -7628,7 +5498,7 @@
           <a:p>
             <a:fld id="{FBBF67D9-30EE-4841-A430-DD7FE06690F4}" type="datetimeFigureOut">
               <a:rPr lang="en-US" smtClean="0"/>
-              <a:t>3/10/24</a:t>
+              <a:t>4/24/24</a:t>
             </a:fld>
             <a:endParaRPr lang="en-US"/>
           </a:p>
@@ -7741,7 +5611,7 @@
           <a:p>
             <a:fld id="{FBBF67D9-30EE-4841-A430-DD7FE06690F4}" type="datetimeFigureOut">
               <a:rPr lang="en-US" smtClean="0"/>
-              <a:t>3/10/24</a:t>
+              <a:t>4/24/24</a:t>
             </a:fld>
             <a:endParaRPr lang="en-US"/>
           </a:p>
@@ -8052,7 +5922,7 @@
           <a:p>
             <a:fld id="{FBBF67D9-30EE-4841-A430-DD7FE06690F4}" type="datetimeFigureOut">
               <a:rPr lang="en-US" smtClean="0"/>
-              <a:t>3/10/24</a:t>
+              <a:t>4/24/24</a:t>
             </a:fld>
             <a:endParaRPr lang="en-US"/>
           </a:p>
@@ -8340,7 +6210,7 @@
           <a:p>
             <a:fld id="{FBBF67D9-30EE-4841-A430-DD7FE06690F4}" type="datetimeFigureOut">
               <a:rPr lang="en-US" smtClean="0"/>
-              <a:t>3/10/24</a:t>
+              <a:t>4/24/24</a:t>
             </a:fld>
             <a:endParaRPr lang="en-US"/>
           </a:p>
@@ -8581,7 +6451,7 @@
           <a:p>
             <a:fld id="{FBBF67D9-30EE-4841-A430-DD7FE06690F4}" type="datetimeFigureOut">
               <a:rPr lang="en-US" smtClean="0"/>
-              <a:t>3/10/24</a:t>
+              <a:t>4/24/24</a:t>
             </a:fld>
             <a:endParaRPr lang="en-US"/>
           </a:p>
@@ -9488,49 +7358,12 @@
           <a:chExt cx="0" cy="0"/>
         </a:xfrm>
       </p:grpSpPr>
-      <p:pic>
-        <p:nvPicPr>
-          <p:cNvPr id="6" name="Picture 5">
-            <a:extLst>
-              <a:ext uri="{FF2B5EF4-FFF2-40B4-BE49-F238E27FC236}">
-                <a16:creationId xmlns:a16="http://schemas.microsoft.com/office/drawing/2014/main" id="{318609E7-CECC-36A6-BAF3-01B2FE5792A4}"/>
-              </a:ext>
-            </a:extLst>
-          </p:cNvPr>
-          <p:cNvPicPr>
-            <a:picLocks noChangeAspect="1"/>
-          </p:cNvPicPr>
-          <p:nvPr/>
-        </p:nvPicPr>
-        <p:blipFill rotWithShape="1">
-          <a:blip r:embed="rId2">
-            <a:duotone>
-              <a:schemeClr val="bg2">
-                <a:shade val="45000"/>
-                <a:satMod val="135000"/>
-              </a:schemeClr>
-              <a:prstClr val="white"/>
-            </a:duotone>
-          </a:blip>
-          <a:srcRect t="11931" b="3800"/>
-          <a:stretch/>
-        </p:blipFill>
-        <p:spPr>
-          <a:xfrm>
-            <a:off x="20" y="365125"/>
-            <a:ext cx="12191980" cy="6857990"/>
-          </a:xfrm>
-          <a:prstGeom prst="rect">
-            <a:avLst/>
-          </a:prstGeom>
-        </p:spPr>
-      </p:pic>
-      <p:sp>
-        <p:nvSpPr>
-          <p:cNvPr id="10" name="Rectangle 9">
-            <a:extLst>
-              <a:ext uri="{FF2B5EF4-FFF2-40B4-BE49-F238E27FC236}">
-                <a16:creationId xmlns:a16="http://schemas.microsoft.com/office/drawing/2014/main" id="{B50AB553-2A96-4A92-96F2-93548E096954}"/>
+      <p:sp useBgFill="1">
+        <p:nvSpPr>
+          <p:cNvPr id="8" name="Rectangle 7">
+            <a:extLst>
+              <a:ext uri="{FF2B5EF4-FFF2-40B4-BE49-F238E27FC236}">
+                <a16:creationId xmlns:a16="http://schemas.microsoft.com/office/drawing/2014/main" id="{1B15ED52-F352-441B-82BF-E0EA34836D08}"/>
               </a:ext>
               <a:ext uri="{C183D7F6-B498-43B3-948B-1728B52AA6E4}">
                 <adec:decorative xmlns:adec="http://schemas.microsoft.com/office/drawing/2017/decorative" val="1"/>
@@ -9556,22 +7389,94 @@
           <a:prstGeom prst="rect">
             <a:avLst/>
           </a:prstGeom>
+          <a:ln w="12700" cap="flat" cmpd="sng" algn="ctr">
+            <a:noFill/>
+            <a:prstDash val="solid"/>
+            <a:miter lim="800000"/>
+          </a:ln>
+          <a:effectLst/>
+          <a:extLst>
+            <a:ext uri="{91240B29-F687-4F45-9708-019B960494DF}">
+              <a14:hiddenLine xmlns:a14="http://schemas.microsoft.com/office/drawing/2010/main" w="12700" cap="flat" cmpd="sng" algn="ctr">
+                <a:solidFill>
+                  <a:schemeClr val="accent1">
+                    <a:shade val="50000"/>
+                  </a:schemeClr>
+                </a:solidFill>
+                <a:prstDash val="solid"/>
+                <a:miter lim="800000"/>
+              </a14:hiddenLine>
+            </a:ext>
+          </a:extLst>
+        </p:spPr>
+        <p:style>
+          <a:lnRef idx="2">
+            <a:schemeClr val="accent1">
+              <a:shade val="50000"/>
+            </a:schemeClr>
+          </a:lnRef>
+          <a:fillRef idx="1">
+            <a:schemeClr val="accent1"/>
+          </a:fillRef>
+          <a:effectRef idx="0">
+            <a:schemeClr val="accent1"/>
+          </a:effectRef>
+          <a:fontRef idx="minor">
+            <a:schemeClr val="lt1"/>
+          </a:fontRef>
+        </p:style>
+        <p:txBody>
+          <a:bodyPr rtlCol="0" anchor="ctr"/>
+          <a:lstStyle/>
+          <a:p>
+            <a:pPr algn="ctr"/>
+            <a:endParaRPr lang="en-US"/>
+          </a:p>
+        </p:txBody>
+      </p:sp>
+      <p:sp>
+        <p:nvSpPr>
+          <p:cNvPr id="10" name="Rectangle 9">
+            <a:extLst>
+              <a:ext uri="{FF2B5EF4-FFF2-40B4-BE49-F238E27FC236}">
+                <a16:creationId xmlns:a16="http://schemas.microsoft.com/office/drawing/2014/main" id="{3B2E3793-BFE6-45A2-9B7B-E18844431C99}"/>
+              </a:ext>
+              <a:ext uri="{C183D7F6-B498-43B3-948B-1728B52AA6E4}">
+                <adec:decorative xmlns:adec="http://schemas.microsoft.com/office/drawing/2017/decorative" val="1"/>
+              </a:ext>
+            </a:extLst>
+          </p:cNvPr>
+          <p:cNvSpPr>
+            <a:spLocks noGrp="1" noRot="1" noChangeAspect="1" noMove="1" noResize="1" noEditPoints="1" noAdjustHandles="1" noChangeArrowheads="1" noChangeShapeType="1" noTextEdit="1"/>
+          </p:cNvSpPr>
+          <p:nvPr>
+            <p:extLst>
+              <p:ext uri="{386F3935-93C4-4BCD-93E2-E3B085C9AB24}">
+                <p16:designElem xmlns:p16="http://schemas.microsoft.com/office/powerpoint/2015/main" val="1"/>
+              </p:ext>
+            </p:extLst>
+          </p:nvPr>
+        </p:nvSpPr>
+        <p:spPr>
+          <a:xfrm flipH="1">
+            <a:off x="-1" y="-1"/>
+            <a:ext cx="12191998" cy="1590742"/>
+          </a:xfrm>
+          <a:prstGeom prst="rect">
+            <a:avLst/>
+          </a:prstGeom>
           <a:gradFill>
             <a:gsLst>
-              <a:gs pos="10000">
-                <a:schemeClr val="bg2">
-                  <a:alpha val="68000"/>
-                </a:schemeClr>
+              <a:gs pos="0">
+                <a:srgbClr val="000000"/>
               </a:gs>
-              <a:gs pos="85000">
-                <a:schemeClr val="bg2">
-                  <a:alpha val="97000"/>
+              <a:gs pos="100000">
+                <a:schemeClr val="accent1">
+                  <a:lumMod val="75000"/>
                 </a:schemeClr>
               </a:gs>
             </a:gsLst>
-            <a:path path="circle">
-              <a:fillToRect l="50000" t="50000" r="50000" b="50000"/>
-            </a:path>
+            <a:lin ang="8400000" scaled="0"/>
           </a:gradFill>
           <a:ln>
             <a:noFill/>
@@ -9604,10 +7509,237 @@
       </p:sp>
       <p:sp>
         <p:nvSpPr>
+          <p:cNvPr id="12" name="Rectangle 11">
+            <a:extLst>
+              <a:ext uri="{FF2B5EF4-FFF2-40B4-BE49-F238E27FC236}">
+                <a16:creationId xmlns:a16="http://schemas.microsoft.com/office/drawing/2014/main" id="{BC4C4868-CB8F-4AF9-9CDB-8108F2C19B67}"/>
+              </a:ext>
+              <a:ext uri="{C183D7F6-B498-43B3-948B-1728B52AA6E4}">
+                <adec:decorative xmlns:adec="http://schemas.microsoft.com/office/drawing/2017/decorative" val="1"/>
+              </a:ext>
+            </a:extLst>
+          </p:cNvPr>
+          <p:cNvSpPr>
+            <a:spLocks noGrp="1" noRot="1" noChangeAspect="1" noMove="1" noResize="1" noEditPoints="1" noAdjustHandles="1" noChangeArrowheads="1" noChangeShapeType="1" noTextEdit="1"/>
+          </p:cNvSpPr>
+          <p:nvPr>
+            <p:extLst>
+              <p:ext uri="{386F3935-93C4-4BCD-93E2-E3B085C9AB24}">
+                <p16:designElem xmlns:p16="http://schemas.microsoft.com/office/powerpoint/2015/main" val="1"/>
+              </p:ext>
+            </p:extLst>
+          </p:nvPr>
+        </p:nvSpPr>
+        <p:spPr>
+          <a:xfrm rot="10800000" flipH="1">
+            <a:off x="-3" y="0"/>
+            <a:ext cx="8115306" cy="1590742"/>
+          </a:xfrm>
+          <a:prstGeom prst="rect">
+            <a:avLst/>
+          </a:prstGeom>
+          <a:gradFill>
+            <a:gsLst>
+              <a:gs pos="20000">
+                <a:schemeClr val="accent1">
+                  <a:alpha val="0"/>
+                </a:schemeClr>
+              </a:gs>
+              <a:gs pos="100000">
+                <a:schemeClr val="accent1">
+                  <a:lumMod val="50000"/>
+                  <a:alpha val="55000"/>
+                </a:schemeClr>
+              </a:gs>
+            </a:gsLst>
+            <a:lin ang="13800000" scaled="0"/>
+          </a:gradFill>
+          <a:ln>
+            <a:noFill/>
+          </a:ln>
+        </p:spPr>
+        <p:style>
+          <a:lnRef idx="2">
+            <a:schemeClr val="accent1">
+              <a:shade val="50000"/>
+            </a:schemeClr>
+          </a:lnRef>
+          <a:fillRef idx="1">
+            <a:schemeClr val="accent1"/>
+          </a:fillRef>
+          <a:effectRef idx="0">
+            <a:schemeClr val="accent1"/>
+          </a:effectRef>
+          <a:fontRef idx="minor">
+            <a:schemeClr val="lt1"/>
+          </a:fontRef>
+        </p:style>
+        <p:txBody>
+          <a:bodyPr rtlCol="0" anchor="ctr"/>
+          <a:lstStyle/>
+          <a:p>
+            <a:pPr algn="ctr"/>
+            <a:endParaRPr lang="en-US"/>
+          </a:p>
+        </p:txBody>
+      </p:sp>
+      <p:sp>
+        <p:nvSpPr>
+          <p:cNvPr id="14" name="Rectangle 13">
+            <a:extLst>
+              <a:ext uri="{FF2B5EF4-FFF2-40B4-BE49-F238E27FC236}">
+                <a16:creationId xmlns:a16="http://schemas.microsoft.com/office/drawing/2014/main" id="{375E0459-6403-40CD-989D-56A4407CA12E}"/>
+              </a:ext>
+              <a:ext uri="{C183D7F6-B498-43B3-948B-1728B52AA6E4}">
+                <adec:decorative xmlns:adec="http://schemas.microsoft.com/office/drawing/2017/decorative" val="1"/>
+              </a:ext>
+            </a:extLst>
+          </p:cNvPr>
+          <p:cNvSpPr>
+            <a:spLocks noGrp="1" noRot="1" noChangeAspect="1" noMove="1" noResize="1" noEditPoints="1" noAdjustHandles="1" noChangeArrowheads="1" noChangeShapeType="1" noTextEdit="1"/>
+          </p:cNvSpPr>
+          <p:nvPr>
+            <p:extLst>
+              <p:ext uri="{386F3935-93C4-4BCD-93E2-E3B085C9AB24}">
+                <p16:designElem xmlns:p16="http://schemas.microsoft.com/office/powerpoint/2015/main" val="1"/>
+              </p:ext>
+            </p:extLst>
+          </p:nvPr>
+        </p:nvSpPr>
+        <p:spPr>
+          <a:xfrm flipH="1">
+            <a:off x="8115299" y="-1"/>
+            <a:ext cx="4076698" cy="1590742"/>
+          </a:xfrm>
+          <a:prstGeom prst="rect">
+            <a:avLst/>
+          </a:prstGeom>
+          <a:gradFill>
+            <a:gsLst>
+              <a:gs pos="0">
+                <a:schemeClr val="accent1">
+                  <a:alpha val="66000"/>
+                </a:schemeClr>
+              </a:gs>
+              <a:gs pos="100000">
+                <a:srgbClr val="000000">
+                  <a:alpha val="30000"/>
+                </a:srgbClr>
+              </a:gs>
+            </a:gsLst>
+            <a:lin ang="13200000" scaled="0"/>
+          </a:gradFill>
+          <a:ln>
+            <a:noFill/>
+          </a:ln>
+        </p:spPr>
+        <p:style>
+          <a:lnRef idx="2">
+            <a:schemeClr val="accent1">
+              <a:shade val="50000"/>
+            </a:schemeClr>
+          </a:lnRef>
+          <a:fillRef idx="1">
+            <a:schemeClr val="accent1"/>
+          </a:fillRef>
+          <a:effectRef idx="0">
+            <a:schemeClr val="accent1"/>
+          </a:effectRef>
+          <a:fontRef idx="minor">
+            <a:schemeClr val="lt1"/>
+          </a:fontRef>
+        </p:style>
+        <p:txBody>
+          <a:bodyPr rtlCol="0" anchor="ctr"/>
+          <a:lstStyle/>
+          <a:p>
+            <a:pPr algn="ctr"/>
+            <a:endParaRPr lang="en-US"/>
+          </a:p>
+        </p:txBody>
+      </p:sp>
+      <p:sp>
+        <p:nvSpPr>
+          <p:cNvPr id="16" name="Rectangle 15">
+            <a:extLst>
+              <a:ext uri="{FF2B5EF4-FFF2-40B4-BE49-F238E27FC236}">
+                <a16:creationId xmlns:a16="http://schemas.microsoft.com/office/drawing/2014/main" id="{53E5B1A8-3AC9-4BD1-9BBC-78CA94F2D1BA}"/>
+              </a:ext>
+              <a:ext uri="{C183D7F6-B498-43B3-948B-1728B52AA6E4}">
+                <adec:decorative xmlns:adec="http://schemas.microsoft.com/office/drawing/2017/decorative" val="1"/>
+              </a:ext>
+            </a:extLst>
+          </p:cNvPr>
+          <p:cNvSpPr>
+            <a:spLocks noGrp="1" noRot="1" noChangeAspect="1" noMove="1" noResize="1" noEditPoints="1" noAdjustHandles="1" noChangeArrowheads="1" noChangeShapeType="1" noTextEdit="1"/>
+          </p:cNvSpPr>
+          <p:nvPr>
+            <p:extLst>
+              <p:ext uri="{386F3935-93C4-4BCD-93E2-E3B085C9AB24}">
+                <p16:designElem xmlns:p16="http://schemas.microsoft.com/office/powerpoint/2015/main" val="1"/>
+              </p:ext>
+            </p:extLst>
+          </p:nvPr>
+        </p:nvSpPr>
+        <p:spPr>
+          <a:xfrm>
+            <a:off x="459350" y="-1"/>
+            <a:ext cx="11732646" cy="1597433"/>
+          </a:xfrm>
+          <a:prstGeom prst="rect">
+            <a:avLst/>
+          </a:prstGeom>
+          <a:gradFill>
+            <a:gsLst>
+              <a:gs pos="50000">
+                <a:srgbClr val="000000">
+                  <a:alpha val="0"/>
+                </a:srgbClr>
+              </a:gs>
+              <a:gs pos="99000">
+                <a:schemeClr val="accent1">
+                  <a:lumMod val="50000"/>
+                  <a:alpha val="52000"/>
+                </a:schemeClr>
+              </a:gs>
+            </a:gsLst>
+            <a:lin ang="16800000" scaled="0"/>
+          </a:gradFill>
+          <a:ln>
+            <a:noFill/>
+          </a:ln>
+        </p:spPr>
+        <p:style>
+          <a:lnRef idx="2">
+            <a:schemeClr val="accent1">
+              <a:shade val="50000"/>
+            </a:schemeClr>
+          </a:lnRef>
+          <a:fillRef idx="1">
+            <a:schemeClr val="accent1"/>
+          </a:fillRef>
+          <a:effectRef idx="0">
+            <a:schemeClr val="accent1"/>
+          </a:effectRef>
+          <a:fontRef idx="minor">
+            <a:schemeClr val="lt1"/>
+          </a:fontRef>
+        </p:style>
+        <p:txBody>
+          <a:bodyPr rtlCol="0" anchor="ctr"/>
+          <a:lstStyle/>
+          <a:p>
+            <a:pPr algn="ctr"/>
+            <a:endParaRPr lang="en-US"/>
+          </a:p>
+        </p:txBody>
+      </p:sp>
+      <p:sp>
+        <p:nvSpPr>
           <p:cNvPr id="2" name="Title 1">
             <a:extLst>
               <a:ext uri="{FF2B5EF4-FFF2-40B4-BE49-F238E27FC236}">
-                <a16:creationId xmlns:a16="http://schemas.microsoft.com/office/drawing/2014/main" id="{FB946B71-87F9-7945-8287-178F6A5A12D8}"/>
+                <a16:creationId xmlns:a16="http://schemas.microsoft.com/office/drawing/2014/main" id="{F021F42D-C8FD-AD49-8558-0FBB5D132A79}"/>
               </a:ext>
             </a:extLst>
           </p:cNvPr>
@@ -9620,8 +7752,8 @@
         </p:nvSpPr>
         <p:spPr>
           <a:xfrm>
-            <a:off x="838200" y="365125"/>
-            <a:ext cx="10515600" cy="1325563"/>
+            <a:off x="1371599" y="294538"/>
+            <a:ext cx="9895951" cy="1033669"/>
           </a:xfrm>
         </p:spPr>
         <p:txBody>
@@ -9630,10 +7762,110 @@
           </a:bodyPr>
           <a:lstStyle/>
           <a:p>
+            <a:r>
+              <a:rPr lang="ar-KW" sz="4000" b="0" i="0" dirty="0">
+                <a:solidFill>
+                  <a:schemeClr val="bg1"/>
+                </a:solidFill>
+                <a:effectLst/>
+                <a:latin typeface="-apple-system"/>
+              </a:rPr>
+              <a:t>مكتبة الأدوات السيبرانية</a:t>
+            </a:r>
+            <a:endParaRPr lang="en-US" sz="4000" dirty="0">
+              <a:solidFill>
+                <a:schemeClr val="bg1"/>
+              </a:solidFill>
+            </a:endParaRPr>
+          </a:p>
+        </p:txBody>
+      </p:sp>
+      <p:sp>
+        <p:nvSpPr>
+          <p:cNvPr id="20" name="TextBox 19">
+            <a:extLst>
+              <a:ext uri="{FF2B5EF4-FFF2-40B4-BE49-F238E27FC236}">
+                <a16:creationId xmlns:a16="http://schemas.microsoft.com/office/drawing/2014/main" id="{90F086DE-ECC5-9B87-217C-9B4BF82B3512}"/>
+              </a:ext>
+            </a:extLst>
+          </p:cNvPr>
+          <p:cNvSpPr txBox="1"/>
+          <p:nvPr/>
+        </p:nvSpPr>
+        <p:spPr>
+          <a:xfrm>
+            <a:off x="6035452" y="1772936"/>
+            <a:ext cx="5232098" cy="707886"/>
+          </a:xfrm>
+          <a:prstGeom prst="rect">
+            <a:avLst/>
+          </a:prstGeom>
+          <a:noFill/>
+        </p:spPr>
+        <p:txBody>
+          <a:bodyPr wrap="square" rtlCol="0">
+            <a:spAutoFit/>
+          </a:bodyPr>
+          <a:lstStyle/>
+          <a:p>
             <a:pPr algn="r"/>
             <a:r>
-              <a:rPr lang="ar-AE" dirty="0"/>
-              <a:t>الخطوات التالية</a:t>
+              <a:rPr lang="ar-KW" sz="4000" b="0" i="0" dirty="0">
+                <a:solidFill>
+                  <a:schemeClr val="accent1">
+                    <a:lumMod val="50000"/>
+                  </a:schemeClr>
+                </a:solidFill>
+                <a:effectLst/>
+                <a:latin typeface="-apple-system"/>
+              </a:rPr>
+              <a:t>تصنيف الأدوات بناءً على:</a:t>
+            </a:r>
+            <a:endParaRPr lang="en-US" sz="4000" dirty="0">
+              <a:solidFill>
+                <a:schemeClr val="accent1">
+                  <a:lumMod val="50000"/>
+                </a:schemeClr>
+              </a:solidFill>
+            </a:endParaRPr>
+          </a:p>
+        </p:txBody>
+      </p:sp>
+      <p:sp>
+        <p:nvSpPr>
+          <p:cNvPr id="22" name="TextBox 21">
+            <a:extLst>
+              <a:ext uri="{FF2B5EF4-FFF2-40B4-BE49-F238E27FC236}">
+                <a16:creationId xmlns:a16="http://schemas.microsoft.com/office/drawing/2014/main" id="{50DD88F5-696D-D4A0-981D-2E7EA5F2C479}"/>
+              </a:ext>
+            </a:extLst>
+          </p:cNvPr>
+          <p:cNvSpPr txBox="1"/>
+          <p:nvPr/>
+        </p:nvSpPr>
+        <p:spPr>
+          <a:xfrm>
+            <a:off x="1103773" y="1942285"/>
+            <a:ext cx="8624577" cy="584775"/>
+          </a:xfrm>
+          <a:prstGeom prst="rect">
+            <a:avLst/>
+          </a:prstGeom>
+          <a:noFill/>
+        </p:spPr>
+        <p:txBody>
+          <a:bodyPr wrap="square" rtlCol="0">
+            <a:spAutoFit/>
+          </a:bodyPr>
+          <a:lstStyle/>
+          <a:p>
+            <a:r>
+              <a:rPr lang="en-US" sz="3200" dirty="0"/>
+              <a:t>Category / </a:t>
+            </a:r>
+            <a:r>
+              <a:rPr lang="ar-KW" sz="3200" dirty="0"/>
+              <a:t>فئة</a:t>
             </a:r>
             <a:endParaRPr lang="en-US" dirty="0"/>
           </a:p>
@@ -9641,10 +7873,643 @@
       </p:sp>
       <p:sp>
         <p:nvSpPr>
-          <p:cNvPr id="4" name="Content Placeholder 3">
-            <a:extLst>
-              <a:ext uri="{FF2B5EF4-FFF2-40B4-BE49-F238E27FC236}">
-                <a16:creationId xmlns:a16="http://schemas.microsoft.com/office/drawing/2014/main" id="{14D2A413-ADA9-446A-860D-86E7E5D8C9F4}"/>
+          <p:cNvPr id="25" name="TextBox 24">
+            <a:extLst>
+              <a:ext uri="{FF2B5EF4-FFF2-40B4-BE49-F238E27FC236}">
+                <a16:creationId xmlns:a16="http://schemas.microsoft.com/office/drawing/2014/main" id="{ADF7E2EE-95EB-14D0-816D-088E5DF622E7}"/>
+              </a:ext>
+            </a:extLst>
+          </p:cNvPr>
+          <p:cNvSpPr txBox="1"/>
+          <p:nvPr/>
+        </p:nvSpPr>
+        <p:spPr>
+          <a:xfrm>
+            <a:off x="1103773" y="2699207"/>
+            <a:ext cx="4847943" cy="584775"/>
+          </a:xfrm>
+          <a:prstGeom prst="rect">
+            <a:avLst/>
+          </a:prstGeom>
+          <a:noFill/>
+        </p:spPr>
+        <p:txBody>
+          <a:bodyPr wrap="square" rtlCol="0">
+            <a:spAutoFit/>
+          </a:bodyPr>
+          <a:lstStyle/>
+          <a:p>
+            <a:r>
+              <a:rPr lang="en-US" sz="3200" dirty="0"/>
+              <a:t>Type / </a:t>
+            </a:r>
+            <a:r>
+              <a:rPr lang="ar-KW" sz="3200" b="0" i="0" dirty="0">
+                <a:solidFill>
+                  <a:srgbClr val="363636"/>
+                </a:solidFill>
+                <a:effectLst/>
+                <a:latin typeface="-apple-system"/>
+              </a:rPr>
+              <a:t>نوع </a:t>
+            </a:r>
+            <a:endParaRPr lang="en-US" sz="3200" dirty="0"/>
+          </a:p>
+        </p:txBody>
+      </p:sp>
+      <p:sp>
+        <p:nvSpPr>
+          <p:cNvPr id="26" name="TextBox 25">
+            <a:extLst>
+              <a:ext uri="{FF2B5EF4-FFF2-40B4-BE49-F238E27FC236}">
+                <a16:creationId xmlns:a16="http://schemas.microsoft.com/office/drawing/2014/main" id="{1BB223ED-1F28-0600-07A3-269E20D2824A}"/>
+              </a:ext>
+            </a:extLst>
+          </p:cNvPr>
+          <p:cNvSpPr txBox="1"/>
+          <p:nvPr/>
+        </p:nvSpPr>
+        <p:spPr>
+          <a:xfrm>
+            <a:off x="1103773" y="3456129"/>
+            <a:ext cx="2672862" cy="584775"/>
+          </a:xfrm>
+          <a:prstGeom prst="rect">
+            <a:avLst/>
+          </a:prstGeom>
+          <a:noFill/>
+        </p:spPr>
+        <p:txBody>
+          <a:bodyPr wrap="square" rtlCol="0">
+            <a:spAutoFit/>
+          </a:bodyPr>
+          <a:lstStyle/>
+          <a:p>
+            <a:r>
+              <a:rPr lang="en-US" sz="3200" dirty="0"/>
+              <a:t>Tested Yes/No</a:t>
+            </a:r>
+          </a:p>
+        </p:txBody>
+      </p:sp>
+      <p:sp>
+        <p:nvSpPr>
+          <p:cNvPr id="27" name="TextBox 26">
+            <a:extLst>
+              <a:ext uri="{FF2B5EF4-FFF2-40B4-BE49-F238E27FC236}">
+                <a16:creationId xmlns:a16="http://schemas.microsoft.com/office/drawing/2014/main" id="{9D5530A9-32ED-A116-6CDC-6559CD028D03}"/>
+              </a:ext>
+            </a:extLst>
+          </p:cNvPr>
+          <p:cNvSpPr txBox="1"/>
+          <p:nvPr/>
+        </p:nvSpPr>
+        <p:spPr>
+          <a:xfrm>
+            <a:off x="1103773" y="4213051"/>
+            <a:ext cx="3506102" cy="584775"/>
+          </a:xfrm>
+          <a:prstGeom prst="rect">
+            <a:avLst/>
+          </a:prstGeom>
+          <a:noFill/>
+        </p:spPr>
+        <p:txBody>
+          <a:bodyPr wrap="square" rtlCol="0">
+            <a:spAutoFit/>
+          </a:bodyPr>
+          <a:lstStyle/>
+          <a:p>
+            <a:r>
+              <a:rPr lang="en-US" sz="3200" dirty="0"/>
+              <a:t>Tool Name / </a:t>
+            </a:r>
+            <a:r>
+              <a:rPr lang="ar-KW" sz="3200" b="0" i="0" dirty="0">
+                <a:solidFill>
+                  <a:srgbClr val="363636"/>
+                </a:solidFill>
+                <a:effectLst/>
+                <a:latin typeface="-apple-system"/>
+              </a:rPr>
+              <a:t>إسم الأداة</a:t>
+            </a:r>
+            <a:endParaRPr lang="en-US" sz="3200" dirty="0"/>
+          </a:p>
+        </p:txBody>
+      </p:sp>
+      <p:sp>
+        <p:nvSpPr>
+          <p:cNvPr id="28" name="TextBox 27">
+            <a:extLst>
+              <a:ext uri="{FF2B5EF4-FFF2-40B4-BE49-F238E27FC236}">
+                <a16:creationId xmlns:a16="http://schemas.microsoft.com/office/drawing/2014/main" id="{977EE9E6-7BF4-4C3E-A7E1-F7C469AED057}"/>
+              </a:ext>
+            </a:extLst>
+          </p:cNvPr>
+          <p:cNvSpPr txBox="1"/>
+          <p:nvPr/>
+        </p:nvSpPr>
+        <p:spPr>
+          <a:xfrm>
+            <a:off x="1103773" y="4969973"/>
+            <a:ext cx="3614314" cy="584775"/>
+          </a:xfrm>
+          <a:prstGeom prst="rect">
+            <a:avLst/>
+          </a:prstGeom>
+          <a:noFill/>
+        </p:spPr>
+        <p:txBody>
+          <a:bodyPr wrap="square" rtlCol="0">
+            <a:spAutoFit/>
+          </a:bodyPr>
+          <a:lstStyle/>
+          <a:p>
+            <a:r>
+              <a:rPr lang="en-US" sz="3200" dirty="0"/>
+              <a:t>Description / </a:t>
+            </a:r>
+            <a:r>
+              <a:rPr lang="ar-KW" sz="3200" b="0" i="0" dirty="0">
+                <a:solidFill>
+                  <a:srgbClr val="363636"/>
+                </a:solidFill>
+                <a:effectLst/>
+                <a:latin typeface="-apple-system"/>
+              </a:rPr>
+              <a:t>الوصف </a:t>
+            </a:r>
+            <a:endParaRPr lang="en-US" sz="3200" dirty="0"/>
+          </a:p>
+        </p:txBody>
+      </p:sp>
+      <p:sp>
+        <p:nvSpPr>
+          <p:cNvPr id="29" name="TextBox 28">
+            <a:extLst>
+              <a:ext uri="{FF2B5EF4-FFF2-40B4-BE49-F238E27FC236}">
+                <a16:creationId xmlns:a16="http://schemas.microsoft.com/office/drawing/2014/main" id="{3FEFF2F9-B1AA-9F1A-BD2A-9DF07FDED21F}"/>
+              </a:ext>
+            </a:extLst>
+          </p:cNvPr>
+          <p:cNvSpPr txBox="1"/>
+          <p:nvPr/>
+        </p:nvSpPr>
+        <p:spPr>
+          <a:xfrm>
+            <a:off x="1103773" y="5726895"/>
+            <a:ext cx="2905520" cy="584775"/>
+          </a:xfrm>
+          <a:prstGeom prst="rect">
+            <a:avLst/>
+          </a:prstGeom>
+          <a:noFill/>
+        </p:spPr>
+        <p:txBody>
+          <a:bodyPr wrap="square" rtlCol="0">
+            <a:spAutoFit/>
+          </a:bodyPr>
+          <a:lstStyle/>
+          <a:p>
+            <a:r>
+              <a:rPr lang="en-US" sz="3200" dirty="0"/>
+              <a:t>Link / </a:t>
+            </a:r>
+            <a:r>
+              <a:rPr lang="ar-KW" sz="3200" b="0" i="0" dirty="0">
+                <a:solidFill>
+                  <a:srgbClr val="363636"/>
+                </a:solidFill>
+                <a:effectLst/>
+                <a:latin typeface="-apple-system"/>
+              </a:rPr>
+              <a:t>الرابط</a:t>
+            </a:r>
+            <a:endParaRPr lang="en-US" sz="3200" dirty="0"/>
+          </a:p>
+        </p:txBody>
+      </p:sp>
+    </p:spTree>
+    <p:extLst>
+      <p:ext uri="{BB962C8B-B14F-4D97-AF65-F5344CB8AC3E}">
+        <p14:creationId xmlns:p14="http://schemas.microsoft.com/office/powerpoint/2010/main" val="4289973358"/>
+      </p:ext>
+    </p:extLst>
+  </p:cSld>
+  <p:clrMapOvr>
+    <a:masterClrMapping/>
+  </p:clrMapOvr>
+</p:sld>
+</file>
+
+<file path=ppt/slides/slide11.xml><?xml version="1.0" encoding="utf-8"?>
+<p:sld xmlns:a="http://schemas.openxmlformats.org/drawingml/2006/main" xmlns:r="http://schemas.openxmlformats.org/officeDocument/2006/relationships" xmlns:p="http://schemas.openxmlformats.org/presentationml/2006/main">
+  <p:cSld>
+    <p:bg>
+      <p:bgPr>
+        <a:solidFill>
+          <a:schemeClr val="bg1"/>
+        </a:solidFill>
+        <a:effectLst/>
+      </p:bgPr>
+    </p:bg>
+    <p:spTree>
+      <p:nvGrpSpPr>
+        <p:cNvPr id="1" name=""/>
+        <p:cNvGrpSpPr/>
+        <p:nvPr/>
+      </p:nvGrpSpPr>
+      <p:grpSpPr>
+        <a:xfrm>
+          <a:off x="0" y="0"/>
+          <a:ext cx="0" cy="0"/>
+          <a:chOff x="0" y="0"/>
+          <a:chExt cx="0" cy="0"/>
+        </a:xfrm>
+      </p:grpSpPr>
+      <p:sp useBgFill="1">
+        <p:nvSpPr>
+          <p:cNvPr id="8" name="Rectangle 7">
+            <a:extLst>
+              <a:ext uri="{FF2B5EF4-FFF2-40B4-BE49-F238E27FC236}">
+                <a16:creationId xmlns:a16="http://schemas.microsoft.com/office/drawing/2014/main" id="{1B15ED52-F352-441B-82BF-E0EA34836D08}"/>
+              </a:ext>
+              <a:ext uri="{C183D7F6-B498-43B3-948B-1728B52AA6E4}">
+                <adec:decorative xmlns:adec="http://schemas.microsoft.com/office/drawing/2017/decorative" val="1"/>
+              </a:ext>
+            </a:extLst>
+          </p:cNvPr>
+          <p:cNvSpPr>
+            <a:spLocks noGrp="1" noRot="1" noChangeAspect="1" noMove="1" noResize="1" noEditPoints="1" noAdjustHandles="1" noChangeArrowheads="1" noChangeShapeType="1" noTextEdit="1"/>
+          </p:cNvSpPr>
+          <p:nvPr>
+            <p:extLst>
+              <p:ext uri="{386F3935-93C4-4BCD-93E2-E3B085C9AB24}">
+                <p16:designElem xmlns:p16="http://schemas.microsoft.com/office/powerpoint/2015/main" val="1"/>
+              </p:ext>
+            </p:extLst>
+          </p:nvPr>
+        </p:nvSpPr>
+        <p:spPr>
+          <a:xfrm>
+            <a:off x="0" y="0"/>
+            <a:ext cx="12192000" cy="6858000"/>
+          </a:xfrm>
+          <a:prstGeom prst="rect">
+            <a:avLst/>
+          </a:prstGeom>
+          <a:ln w="12700" cap="flat" cmpd="sng" algn="ctr">
+            <a:noFill/>
+            <a:prstDash val="solid"/>
+            <a:miter lim="800000"/>
+          </a:ln>
+          <a:effectLst/>
+          <a:extLst>
+            <a:ext uri="{91240B29-F687-4F45-9708-019B960494DF}">
+              <a14:hiddenLine xmlns:a14="http://schemas.microsoft.com/office/drawing/2010/main" w="12700" cap="flat" cmpd="sng" algn="ctr">
+                <a:solidFill>
+                  <a:schemeClr val="accent1">
+                    <a:shade val="50000"/>
+                  </a:schemeClr>
+                </a:solidFill>
+                <a:prstDash val="solid"/>
+                <a:miter lim="800000"/>
+              </a14:hiddenLine>
+            </a:ext>
+          </a:extLst>
+        </p:spPr>
+        <p:style>
+          <a:lnRef idx="2">
+            <a:schemeClr val="accent1">
+              <a:shade val="50000"/>
+            </a:schemeClr>
+          </a:lnRef>
+          <a:fillRef idx="1">
+            <a:schemeClr val="accent1"/>
+          </a:fillRef>
+          <a:effectRef idx="0">
+            <a:schemeClr val="accent1"/>
+          </a:effectRef>
+          <a:fontRef idx="minor">
+            <a:schemeClr val="lt1"/>
+          </a:fontRef>
+        </p:style>
+        <p:txBody>
+          <a:bodyPr rtlCol="0" anchor="ctr"/>
+          <a:lstStyle/>
+          <a:p>
+            <a:pPr algn="ctr"/>
+            <a:endParaRPr lang="en-US"/>
+          </a:p>
+        </p:txBody>
+      </p:sp>
+      <p:sp>
+        <p:nvSpPr>
+          <p:cNvPr id="10" name="Rectangle 9">
+            <a:extLst>
+              <a:ext uri="{FF2B5EF4-FFF2-40B4-BE49-F238E27FC236}">
+                <a16:creationId xmlns:a16="http://schemas.microsoft.com/office/drawing/2014/main" id="{3B2E3793-BFE6-45A2-9B7B-E18844431C99}"/>
+              </a:ext>
+              <a:ext uri="{C183D7F6-B498-43B3-948B-1728B52AA6E4}">
+                <adec:decorative xmlns:adec="http://schemas.microsoft.com/office/drawing/2017/decorative" val="1"/>
+              </a:ext>
+            </a:extLst>
+          </p:cNvPr>
+          <p:cNvSpPr>
+            <a:spLocks noGrp="1" noRot="1" noChangeAspect="1" noMove="1" noResize="1" noEditPoints="1" noAdjustHandles="1" noChangeArrowheads="1" noChangeShapeType="1" noTextEdit="1"/>
+          </p:cNvSpPr>
+          <p:nvPr>
+            <p:extLst>
+              <p:ext uri="{386F3935-93C4-4BCD-93E2-E3B085C9AB24}">
+                <p16:designElem xmlns:p16="http://schemas.microsoft.com/office/powerpoint/2015/main" val="1"/>
+              </p:ext>
+            </p:extLst>
+          </p:nvPr>
+        </p:nvSpPr>
+        <p:spPr>
+          <a:xfrm flipH="1">
+            <a:off x="-1" y="-1"/>
+            <a:ext cx="12191998" cy="1590742"/>
+          </a:xfrm>
+          <a:prstGeom prst="rect">
+            <a:avLst/>
+          </a:prstGeom>
+          <a:gradFill>
+            <a:gsLst>
+              <a:gs pos="0">
+                <a:srgbClr val="000000"/>
+              </a:gs>
+              <a:gs pos="100000">
+                <a:schemeClr val="accent1">
+                  <a:lumMod val="75000"/>
+                </a:schemeClr>
+              </a:gs>
+            </a:gsLst>
+            <a:lin ang="8400000" scaled="0"/>
+          </a:gradFill>
+          <a:ln>
+            <a:noFill/>
+          </a:ln>
+        </p:spPr>
+        <p:style>
+          <a:lnRef idx="2">
+            <a:schemeClr val="accent1">
+              <a:shade val="50000"/>
+            </a:schemeClr>
+          </a:lnRef>
+          <a:fillRef idx="1">
+            <a:schemeClr val="accent1"/>
+          </a:fillRef>
+          <a:effectRef idx="0">
+            <a:schemeClr val="accent1"/>
+          </a:effectRef>
+          <a:fontRef idx="minor">
+            <a:schemeClr val="lt1"/>
+          </a:fontRef>
+        </p:style>
+        <p:txBody>
+          <a:bodyPr rtlCol="0" anchor="ctr"/>
+          <a:lstStyle/>
+          <a:p>
+            <a:pPr algn="ctr"/>
+            <a:endParaRPr lang="en-US"/>
+          </a:p>
+        </p:txBody>
+      </p:sp>
+      <p:sp>
+        <p:nvSpPr>
+          <p:cNvPr id="12" name="Rectangle 11">
+            <a:extLst>
+              <a:ext uri="{FF2B5EF4-FFF2-40B4-BE49-F238E27FC236}">
+                <a16:creationId xmlns:a16="http://schemas.microsoft.com/office/drawing/2014/main" id="{BC4C4868-CB8F-4AF9-9CDB-8108F2C19B67}"/>
+              </a:ext>
+              <a:ext uri="{C183D7F6-B498-43B3-948B-1728B52AA6E4}">
+                <adec:decorative xmlns:adec="http://schemas.microsoft.com/office/drawing/2017/decorative" val="1"/>
+              </a:ext>
+            </a:extLst>
+          </p:cNvPr>
+          <p:cNvSpPr>
+            <a:spLocks noGrp="1" noRot="1" noChangeAspect="1" noMove="1" noResize="1" noEditPoints="1" noAdjustHandles="1" noChangeArrowheads="1" noChangeShapeType="1" noTextEdit="1"/>
+          </p:cNvSpPr>
+          <p:nvPr>
+            <p:extLst>
+              <p:ext uri="{386F3935-93C4-4BCD-93E2-E3B085C9AB24}">
+                <p16:designElem xmlns:p16="http://schemas.microsoft.com/office/powerpoint/2015/main" val="1"/>
+              </p:ext>
+            </p:extLst>
+          </p:nvPr>
+        </p:nvSpPr>
+        <p:spPr>
+          <a:xfrm rot="10800000" flipH="1">
+            <a:off x="-3" y="0"/>
+            <a:ext cx="8115306" cy="1590742"/>
+          </a:xfrm>
+          <a:prstGeom prst="rect">
+            <a:avLst/>
+          </a:prstGeom>
+          <a:gradFill>
+            <a:gsLst>
+              <a:gs pos="20000">
+                <a:schemeClr val="accent1">
+                  <a:alpha val="0"/>
+                </a:schemeClr>
+              </a:gs>
+              <a:gs pos="100000">
+                <a:schemeClr val="accent1">
+                  <a:lumMod val="50000"/>
+                  <a:alpha val="55000"/>
+                </a:schemeClr>
+              </a:gs>
+            </a:gsLst>
+            <a:lin ang="13800000" scaled="0"/>
+          </a:gradFill>
+          <a:ln>
+            <a:noFill/>
+          </a:ln>
+        </p:spPr>
+        <p:style>
+          <a:lnRef idx="2">
+            <a:schemeClr val="accent1">
+              <a:shade val="50000"/>
+            </a:schemeClr>
+          </a:lnRef>
+          <a:fillRef idx="1">
+            <a:schemeClr val="accent1"/>
+          </a:fillRef>
+          <a:effectRef idx="0">
+            <a:schemeClr val="accent1"/>
+          </a:effectRef>
+          <a:fontRef idx="minor">
+            <a:schemeClr val="lt1"/>
+          </a:fontRef>
+        </p:style>
+        <p:txBody>
+          <a:bodyPr rtlCol="0" anchor="ctr"/>
+          <a:lstStyle/>
+          <a:p>
+            <a:pPr algn="ctr"/>
+            <a:endParaRPr lang="en-US"/>
+          </a:p>
+        </p:txBody>
+      </p:sp>
+      <p:sp>
+        <p:nvSpPr>
+          <p:cNvPr id="14" name="Rectangle 13">
+            <a:extLst>
+              <a:ext uri="{FF2B5EF4-FFF2-40B4-BE49-F238E27FC236}">
+                <a16:creationId xmlns:a16="http://schemas.microsoft.com/office/drawing/2014/main" id="{375E0459-6403-40CD-989D-56A4407CA12E}"/>
+              </a:ext>
+              <a:ext uri="{C183D7F6-B498-43B3-948B-1728B52AA6E4}">
+                <adec:decorative xmlns:adec="http://schemas.microsoft.com/office/drawing/2017/decorative" val="1"/>
+              </a:ext>
+            </a:extLst>
+          </p:cNvPr>
+          <p:cNvSpPr>
+            <a:spLocks noGrp="1" noRot="1" noChangeAspect="1" noMove="1" noResize="1" noEditPoints="1" noAdjustHandles="1" noChangeArrowheads="1" noChangeShapeType="1" noTextEdit="1"/>
+          </p:cNvSpPr>
+          <p:nvPr>
+            <p:extLst>
+              <p:ext uri="{386F3935-93C4-4BCD-93E2-E3B085C9AB24}">
+                <p16:designElem xmlns:p16="http://schemas.microsoft.com/office/powerpoint/2015/main" val="1"/>
+              </p:ext>
+            </p:extLst>
+          </p:nvPr>
+        </p:nvSpPr>
+        <p:spPr>
+          <a:xfrm flipH="1">
+            <a:off x="8115299" y="-1"/>
+            <a:ext cx="4076698" cy="1590742"/>
+          </a:xfrm>
+          <a:prstGeom prst="rect">
+            <a:avLst/>
+          </a:prstGeom>
+          <a:gradFill>
+            <a:gsLst>
+              <a:gs pos="0">
+                <a:schemeClr val="accent1">
+                  <a:alpha val="66000"/>
+                </a:schemeClr>
+              </a:gs>
+              <a:gs pos="100000">
+                <a:srgbClr val="000000">
+                  <a:alpha val="30000"/>
+                </a:srgbClr>
+              </a:gs>
+            </a:gsLst>
+            <a:lin ang="13200000" scaled="0"/>
+          </a:gradFill>
+          <a:ln>
+            <a:noFill/>
+          </a:ln>
+        </p:spPr>
+        <p:style>
+          <a:lnRef idx="2">
+            <a:schemeClr val="accent1">
+              <a:shade val="50000"/>
+            </a:schemeClr>
+          </a:lnRef>
+          <a:fillRef idx="1">
+            <a:schemeClr val="accent1"/>
+          </a:fillRef>
+          <a:effectRef idx="0">
+            <a:schemeClr val="accent1"/>
+          </a:effectRef>
+          <a:fontRef idx="minor">
+            <a:schemeClr val="lt1"/>
+          </a:fontRef>
+        </p:style>
+        <p:txBody>
+          <a:bodyPr rtlCol="0" anchor="ctr"/>
+          <a:lstStyle/>
+          <a:p>
+            <a:pPr algn="ctr"/>
+            <a:endParaRPr lang="en-US"/>
+          </a:p>
+        </p:txBody>
+      </p:sp>
+      <p:sp>
+        <p:nvSpPr>
+          <p:cNvPr id="16" name="Rectangle 15">
+            <a:extLst>
+              <a:ext uri="{FF2B5EF4-FFF2-40B4-BE49-F238E27FC236}">
+                <a16:creationId xmlns:a16="http://schemas.microsoft.com/office/drawing/2014/main" id="{53E5B1A8-3AC9-4BD1-9BBC-78CA94F2D1BA}"/>
+              </a:ext>
+              <a:ext uri="{C183D7F6-B498-43B3-948B-1728B52AA6E4}">
+                <adec:decorative xmlns:adec="http://schemas.microsoft.com/office/drawing/2017/decorative" val="1"/>
+              </a:ext>
+            </a:extLst>
+          </p:cNvPr>
+          <p:cNvSpPr>
+            <a:spLocks noGrp="1" noRot="1" noChangeAspect="1" noMove="1" noResize="1" noEditPoints="1" noAdjustHandles="1" noChangeArrowheads="1" noChangeShapeType="1" noTextEdit="1"/>
+          </p:cNvSpPr>
+          <p:nvPr>
+            <p:extLst>
+              <p:ext uri="{386F3935-93C4-4BCD-93E2-E3B085C9AB24}">
+                <p16:designElem xmlns:p16="http://schemas.microsoft.com/office/powerpoint/2015/main" val="1"/>
+              </p:ext>
+            </p:extLst>
+          </p:nvPr>
+        </p:nvSpPr>
+        <p:spPr>
+          <a:xfrm>
+            <a:off x="459350" y="-1"/>
+            <a:ext cx="11732646" cy="1597433"/>
+          </a:xfrm>
+          <a:prstGeom prst="rect">
+            <a:avLst/>
+          </a:prstGeom>
+          <a:gradFill>
+            <a:gsLst>
+              <a:gs pos="50000">
+                <a:srgbClr val="000000">
+                  <a:alpha val="0"/>
+                </a:srgbClr>
+              </a:gs>
+              <a:gs pos="99000">
+                <a:schemeClr val="accent1">
+                  <a:lumMod val="50000"/>
+                  <a:alpha val="52000"/>
+                </a:schemeClr>
+              </a:gs>
+            </a:gsLst>
+            <a:lin ang="16800000" scaled="0"/>
+          </a:gradFill>
+          <a:ln>
+            <a:noFill/>
+          </a:ln>
+        </p:spPr>
+        <p:style>
+          <a:lnRef idx="2">
+            <a:schemeClr val="accent1">
+              <a:shade val="50000"/>
+            </a:schemeClr>
+          </a:lnRef>
+          <a:fillRef idx="1">
+            <a:schemeClr val="accent1"/>
+          </a:fillRef>
+          <a:effectRef idx="0">
+            <a:schemeClr val="accent1"/>
+          </a:effectRef>
+          <a:fontRef idx="minor">
+            <a:schemeClr val="lt1"/>
+          </a:fontRef>
+        </p:style>
+        <p:txBody>
+          <a:bodyPr rtlCol="0" anchor="ctr"/>
+          <a:lstStyle/>
+          <a:p>
+            <a:pPr algn="ctr"/>
+            <a:endParaRPr lang="en-US"/>
+          </a:p>
+        </p:txBody>
+      </p:sp>
+      <p:sp>
+        <p:nvSpPr>
+          <p:cNvPr id="2" name="Title 1">
+            <a:extLst>
+              <a:ext uri="{FF2B5EF4-FFF2-40B4-BE49-F238E27FC236}">
+                <a16:creationId xmlns:a16="http://schemas.microsoft.com/office/drawing/2014/main" id="{F021F42D-C8FD-AD49-8558-0FBB5D132A79}"/>
               </a:ext>
             </a:extLst>
           </p:cNvPr>
@@ -9652,76 +8517,73 @@
             <a:spLocks noGrp="1"/>
           </p:cNvSpPr>
           <p:nvPr>
-            <p:ph idx="1"/>
+            <p:ph type="title"/>
           </p:nvPr>
         </p:nvSpPr>
-        <p:spPr/>
+        <p:spPr>
+          <a:xfrm>
+            <a:off x="1371599" y="294538"/>
+            <a:ext cx="9895951" cy="1033669"/>
+          </a:xfrm>
+        </p:spPr>
         <p:txBody>
           <a:bodyPr>
             <a:normAutofit/>
           </a:bodyPr>
           <a:lstStyle/>
           <a:p>
-            <a:pPr marL="0" indent="0" algn="r">
-              <a:lnSpc>
-                <a:spcPct val="150000"/>
-              </a:lnSpc>
-              <a:buNone/>
-            </a:pPr>
-            <a:r>
-              <a:rPr lang="ar-KW" sz="3600" dirty="0"/>
-              <a:t>- اضافة خاصية الكشف عن وجود جدار حماية قبل عمل الفحص</a:t>
-            </a:r>
-            <a:endParaRPr lang="en-US" sz="3600" dirty="0"/>
-          </a:p>
-          <a:p>
-            <a:pPr marL="0" indent="0" algn="r">
-              <a:lnSpc>
-                <a:spcPct val="150000"/>
-              </a:lnSpc>
-              <a:buNone/>
-            </a:pPr>
-            <a:r>
-              <a:rPr lang="en-US" sz="3600" dirty="0"/>
-              <a:t>⁠</a:t>
-            </a:r>
-            <a:r>
-              <a:rPr lang="ar-KW" sz="3600" dirty="0"/>
-              <a:t>- تجاوز برامج الحماية وجدار الحماية</a:t>
-            </a:r>
-            <a:endParaRPr lang="en-US" sz="3600" dirty="0"/>
-          </a:p>
-          <a:p>
-            <a:pPr marL="0" indent="0" algn="r">
-              <a:lnSpc>
-                <a:spcPct val="150000"/>
-              </a:lnSpc>
-              <a:buNone/>
-            </a:pPr>
-            <a:r>
-              <a:rPr lang="ar-KW" sz="3600" dirty="0"/>
-              <a:t> ⁠- اصدار تقرير استطلاع بعد الانتهاء من الفحص</a:t>
-            </a:r>
-          </a:p>
-          <a:p>
-            <a:pPr marL="0" indent="0" algn="r">
-              <a:lnSpc>
-                <a:spcPct val="150000"/>
-              </a:lnSpc>
-              <a:buNone/>
-            </a:pPr>
-            <a:r>
-              <a:rPr lang="ar-KW" sz="3600" dirty="0"/>
-              <a:t> - بناء خريطة للشبكة</a:t>
-            </a:r>
-            <a:endParaRPr lang="en-US" sz="3600" dirty="0"/>
-          </a:p>
-        </p:txBody>
-      </p:sp>
+            <a:r>
+              <a:rPr lang="ar-KW" sz="4000" b="0" i="0" dirty="0">
+                <a:solidFill>
+                  <a:schemeClr val="bg1"/>
+                </a:solidFill>
+                <a:effectLst/>
+                <a:latin typeface="-apple-system"/>
+              </a:rPr>
+              <a:t>مكتبة الأدوات السيبرانية</a:t>
+            </a:r>
+            <a:endParaRPr lang="en-US" sz="4000" dirty="0">
+              <a:solidFill>
+                <a:schemeClr val="bg1"/>
+              </a:solidFill>
+            </a:endParaRPr>
+          </a:p>
+        </p:txBody>
+      </p:sp>
+      <p:pic>
+        <p:nvPicPr>
+          <p:cNvPr id="4" name="Picture 3">
+            <a:extLst>
+              <a:ext uri="{FF2B5EF4-FFF2-40B4-BE49-F238E27FC236}">
+                <a16:creationId xmlns:a16="http://schemas.microsoft.com/office/drawing/2014/main" id="{F84069A7-6D80-4F4E-47BE-6AA7840E144F}"/>
+              </a:ext>
+            </a:extLst>
+          </p:cNvPr>
+          <p:cNvPicPr>
+            <a:picLocks noChangeAspect="1"/>
+          </p:cNvPicPr>
+          <p:nvPr/>
+        </p:nvPicPr>
+        <p:blipFill>
+          <a:blip r:embed="rId3"/>
+          <a:stretch>
+            <a:fillRect/>
+          </a:stretch>
+        </p:blipFill>
+        <p:spPr>
+          <a:xfrm>
+            <a:off x="0" y="1597432"/>
+            <a:ext cx="12192000" cy="5260567"/>
+          </a:xfrm>
+          <a:prstGeom prst="rect">
+            <a:avLst/>
+          </a:prstGeom>
+        </p:spPr>
+      </p:pic>
     </p:spTree>
     <p:extLst>
       <p:ext uri="{BB962C8B-B14F-4D97-AF65-F5344CB8AC3E}">
-        <p14:creationId xmlns:p14="http://schemas.microsoft.com/office/powerpoint/2010/main" val="2800781779"/>
+        <p14:creationId xmlns:p14="http://schemas.microsoft.com/office/powerpoint/2010/main" val="1965578521"/>
       </p:ext>
     </p:extLst>
   </p:cSld>
@@ -11656,6 +10518,14 @@
 <file path=ppt/slides/slide7.xml><?xml version="1.0" encoding="utf-8"?>
 <p:sld xmlns:a="http://schemas.openxmlformats.org/drawingml/2006/main" xmlns:r="http://schemas.openxmlformats.org/officeDocument/2006/relationships" xmlns:p="http://schemas.openxmlformats.org/presentationml/2006/main">
   <p:cSld>
+    <p:bg>
+      <p:bgPr>
+        <a:solidFill>
+          <a:schemeClr val="bg1"/>
+        </a:solidFill>
+        <a:effectLst/>
+      </p:bgPr>
+    </p:bg>
     <p:spTree>
       <p:nvGrpSpPr>
         <p:cNvPr id="1" name=""/>
@@ -11670,12 +10540,126 @@
           <a:chExt cx="0" cy="0"/>
         </a:xfrm>
       </p:grpSpPr>
+      <p:pic>
+        <p:nvPicPr>
+          <p:cNvPr id="6" name="Picture 5">
+            <a:extLst>
+              <a:ext uri="{FF2B5EF4-FFF2-40B4-BE49-F238E27FC236}">
+                <a16:creationId xmlns:a16="http://schemas.microsoft.com/office/drawing/2014/main" id="{318609E7-CECC-36A6-BAF3-01B2FE5792A4}"/>
+              </a:ext>
+            </a:extLst>
+          </p:cNvPr>
+          <p:cNvPicPr>
+            <a:picLocks noChangeAspect="1"/>
+          </p:cNvPicPr>
+          <p:nvPr/>
+        </p:nvPicPr>
+        <p:blipFill rotWithShape="1">
+          <a:blip r:embed="rId2">
+            <a:duotone>
+              <a:schemeClr val="bg2">
+                <a:shade val="45000"/>
+                <a:satMod val="135000"/>
+              </a:schemeClr>
+              <a:prstClr val="white"/>
+            </a:duotone>
+          </a:blip>
+          <a:srcRect t="11931" b="3800"/>
+          <a:stretch/>
+        </p:blipFill>
+        <p:spPr>
+          <a:xfrm>
+            <a:off x="20" y="365125"/>
+            <a:ext cx="12191980" cy="6857990"/>
+          </a:xfrm>
+          <a:prstGeom prst="rect">
+            <a:avLst/>
+          </a:prstGeom>
+        </p:spPr>
+      </p:pic>
       <p:sp>
         <p:nvSpPr>
+          <p:cNvPr id="10" name="Rectangle 9">
+            <a:extLst>
+              <a:ext uri="{FF2B5EF4-FFF2-40B4-BE49-F238E27FC236}">
+                <a16:creationId xmlns:a16="http://schemas.microsoft.com/office/drawing/2014/main" id="{B50AB553-2A96-4A92-96F2-93548E096954}"/>
+              </a:ext>
+              <a:ext uri="{C183D7F6-B498-43B3-948B-1728B52AA6E4}">
+                <adec:decorative xmlns:adec="http://schemas.microsoft.com/office/drawing/2017/decorative" val="1"/>
+              </a:ext>
+            </a:extLst>
+          </p:cNvPr>
+          <p:cNvSpPr>
+            <a:spLocks noGrp="1" noRot="1" noChangeAspect="1" noMove="1" noResize="1" noEditPoints="1" noAdjustHandles="1" noChangeArrowheads="1" noChangeShapeType="1" noTextEdit="1"/>
+          </p:cNvSpPr>
+          <p:nvPr>
+            <p:extLst>
+              <p:ext uri="{386F3935-93C4-4BCD-93E2-E3B085C9AB24}">
+                <p16:designElem xmlns:p16="http://schemas.microsoft.com/office/powerpoint/2015/main" val="1"/>
+              </p:ext>
+            </p:extLst>
+          </p:nvPr>
+        </p:nvSpPr>
+        <p:spPr>
+          <a:xfrm>
+            <a:off x="0" y="0"/>
+            <a:ext cx="12192000" cy="6858000"/>
+          </a:xfrm>
+          <a:prstGeom prst="rect">
+            <a:avLst/>
+          </a:prstGeom>
+          <a:gradFill>
+            <a:gsLst>
+              <a:gs pos="10000">
+                <a:schemeClr val="bg2">
+                  <a:alpha val="68000"/>
+                </a:schemeClr>
+              </a:gs>
+              <a:gs pos="85000">
+                <a:schemeClr val="bg2">
+                  <a:alpha val="97000"/>
+                </a:schemeClr>
+              </a:gs>
+            </a:gsLst>
+            <a:path path="circle">
+              <a:fillToRect l="50000" t="50000" r="50000" b="50000"/>
+            </a:path>
+          </a:gradFill>
+          <a:ln>
+            <a:noFill/>
+          </a:ln>
+        </p:spPr>
+        <p:style>
+          <a:lnRef idx="2">
+            <a:schemeClr val="accent1">
+              <a:shade val="50000"/>
+            </a:schemeClr>
+          </a:lnRef>
+          <a:fillRef idx="1">
+            <a:schemeClr val="accent1"/>
+          </a:fillRef>
+          <a:effectRef idx="0">
+            <a:schemeClr val="accent1"/>
+          </a:effectRef>
+          <a:fontRef idx="minor">
+            <a:schemeClr val="lt1"/>
+          </a:fontRef>
+        </p:style>
+        <p:txBody>
+          <a:bodyPr rtlCol="0" anchor="ctr"/>
+          <a:lstStyle/>
+          <a:p>
+            <a:pPr algn="ctr"/>
+            <a:endParaRPr lang="en-US"/>
+          </a:p>
+        </p:txBody>
+      </p:sp>
+      <p:sp>
+        <p:nvSpPr>
           <p:cNvPr id="2" name="Title 1">
             <a:extLst>
               <a:ext uri="{FF2B5EF4-FFF2-40B4-BE49-F238E27FC236}">
-                <a16:creationId xmlns:a16="http://schemas.microsoft.com/office/drawing/2014/main" id="{90236D24-AFE1-2A45-8ADD-F86DF08076CB}"/>
+                <a16:creationId xmlns:a16="http://schemas.microsoft.com/office/drawing/2014/main" id="{FB946B71-87F9-7945-8287-178F6A5A12D8}"/>
               </a:ext>
             </a:extLst>
           </p:cNvPr>
@@ -11686,113 +10670,110 @@
             <p:ph type="title"/>
           </p:nvPr>
         </p:nvSpPr>
-        <p:spPr/>
-        <p:txBody>
-          <a:bodyPr/>
+        <p:spPr>
+          <a:xfrm>
+            <a:off x="838200" y="365125"/>
+            <a:ext cx="10515600" cy="1325563"/>
+          </a:xfrm>
+        </p:spPr>
+        <p:txBody>
+          <a:bodyPr>
+            <a:normAutofit/>
+          </a:bodyPr>
           <a:lstStyle/>
           <a:p>
             <a:pPr algn="r"/>
             <a:r>
               <a:rPr lang="ar-AE" dirty="0"/>
-              <a:t>مثال شاشة تشغيل البرنامج</a:t>
+              <a:t>الخطوات التالية</a:t>
             </a:r>
             <a:endParaRPr lang="en-US" dirty="0"/>
           </a:p>
         </p:txBody>
       </p:sp>
-      <p:pic>
-        <p:nvPicPr>
-          <p:cNvPr id="11" name="Content Placeholder 10" descr="A screenshot of a computer&#10;&#10;Description automatically generated">
-            <a:extLst>
-              <a:ext uri="{FF2B5EF4-FFF2-40B4-BE49-F238E27FC236}">
-                <a16:creationId xmlns:a16="http://schemas.microsoft.com/office/drawing/2014/main" id="{127AC702-98A3-8E41-BE1D-6CA6560395A2}"/>
-              </a:ext>
-            </a:extLst>
-          </p:cNvPr>
-          <p:cNvPicPr>
-            <a:picLocks noGrp="1" noChangeAspect="1"/>
-          </p:cNvPicPr>
+      <p:sp>
+        <p:nvSpPr>
+          <p:cNvPr id="4" name="Content Placeholder 3">
+            <a:extLst>
+              <a:ext uri="{FF2B5EF4-FFF2-40B4-BE49-F238E27FC236}">
+                <a16:creationId xmlns:a16="http://schemas.microsoft.com/office/drawing/2014/main" id="{14D2A413-ADA9-446A-860D-86E7E5D8C9F4}"/>
+              </a:ext>
+            </a:extLst>
+          </p:cNvPr>
+          <p:cNvSpPr>
+            <a:spLocks noGrp="1"/>
+          </p:cNvSpPr>
           <p:nvPr>
             <p:ph idx="1"/>
           </p:nvPr>
-        </p:nvPicPr>
-        <p:blipFill>
-          <a:blip r:embed="rId2"/>
-          <a:stretch>
-            <a:fillRect/>
-          </a:stretch>
-        </p:blipFill>
-        <p:spPr>
-          <a:xfrm>
-            <a:off x="367192" y="2066539"/>
-            <a:ext cx="3549714" cy="3734347"/>
-          </a:xfrm>
-        </p:spPr>
-      </p:pic>
-      <p:pic>
-        <p:nvPicPr>
-          <p:cNvPr id="13" name="Picture 12" descr="A screenshot of a computer&#10;&#10;Description automatically generated">
-            <a:extLst>
-              <a:ext uri="{FF2B5EF4-FFF2-40B4-BE49-F238E27FC236}">
-                <a16:creationId xmlns:a16="http://schemas.microsoft.com/office/drawing/2014/main" id="{271BD6D3-8448-794F-91E2-06FD8D9063C1}"/>
-              </a:ext>
-            </a:extLst>
-          </p:cNvPr>
-          <p:cNvPicPr>
-            <a:picLocks noChangeAspect="1"/>
-          </p:cNvPicPr>
-          <p:nvPr/>
-        </p:nvPicPr>
-        <p:blipFill>
-          <a:blip r:embed="rId3"/>
-          <a:stretch>
-            <a:fillRect/>
-          </a:stretch>
-        </p:blipFill>
-        <p:spPr>
-          <a:xfrm>
-            <a:off x="4200087" y="2098894"/>
-            <a:ext cx="3549715" cy="3669638"/>
-          </a:xfrm>
-          <a:prstGeom prst="rect">
-            <a:avLst/>
-          </a:prstGeom>
-        </p:spPr>
-      </p:pic>
-      <p:pic>
-        <p:nvPicPr>
-          <p:cNvPr id="15" name="Picture 14" descr="A screenshot of a computer&#10;&#10;Description automatically generated">
-            <a:extLst>
-              <a:ext uri="{FF2B5EF4-FFF2-40B4-BE49-F238E27FC236}">
-                <a16:creationId xmlns:a16="http://schemas.microsoft.com/office/drawing/2014/main" id="{63F0990C-239F-8D4B-9C98-53FC0C92CC2F}"/>
-              </a:ext>
-            </a:extLst>
-          </p:cNvPr>
-          <p:cNvPicPr>
-            <a:picLocks noChangeAspect="1"/>
-          </p:cNvPicPr>
-          <p:nvPr/>
-        </p:nvPicPr>
-        <p:blipFill>
-          <a:blip r:embed="rId4"/>
-          <a:stretch>
-            <a:fillRect/>
-          </a:stretch>
-        </p:blipFill>
-        <p:spPr>
-          <a:xfrm>
-            <a:off x="8032983" y="2098895"/>
-            <a:ext cx="3549714" cy="3645008"/>
-          </a:xfrm>
-          <a:prstGeom prst="rect">
-            <a:avLst/>
-          </a:prstGeom>
-        </p:spPr>
-      </p:pic>
+        </p:nvSpPr>
+        <p:spPr/>
+        <p:txBody>
+          <a:bodyPr>
+            <a:normAutofit/>
+          </a:bodyPr>
+          <a:lstStyle/>
+          <a:p>
+            <a:pPr marL="0" indent="0" algn="r">
+              <a:lnSpc>
+                <a:spcPct val="150000"/>
+              </a:lnSpc>
+              <a:buNone/>
+            </a:pPr>
+            <a:r>
+              <a:rPr lang="ar-KW" sz="3600" dirty="0"/>
+              <a:t>- اضافة خاصية الكشف عن وجود جدار حماية قبل عمل الفحص</a:t>
+            </a:r>
+            <a:endParaRPr lang="en-US" sz="3600" dirty="0"/>
+          </a:p>
+          <a:p>
+            <a:pPr marL="0" indent="0" algn="r">
+              <a:lnSpc>
+                <a:spcPct val="150000"/>
+              </a:lnSpc>
+              <a:buNone/>
+            </a:pPr>
+            <a:r>
+              <a:rPr lang="en-US" sz="3600" dirty="0"/>
+              <a:t>⁠</a:t>
+            </a:r>
+            <a:r>
+              <a:rPr lang="ar-KW" sz="3600" dirty="0"/>
+              <a:t>- تجاوز برامج الحماية وجدار الحماية</a:t>
+            </a:r>
+            <a:endParaRPr lang="en-US" sz="3600" dirty="0"/>
+          </a:p>
+          <a:p>
+            <a:pPr marL="0" indent="0" algn="r">
+              <a:lnSpc>
+                <a:spcPct val="150000"/>
+              </a:lnSpc>
+              <a:buNone/>
+            </a:pPr>
+            <a:r>
+              <a:rPr lang="ar-KW" sz="3600" dirty="0"/>
+              <a:t> ⁠- اصدار تقرير استطلاع بعد الانتهاء من الفحص</a:t>
+            </a:r>
+          </a:p>
+          <a:p>
+            <a:pPr marL="0" indent="0" algn="r">
+              <a:lnSpc>
+                <a:spcPct val="150000"/>
+              </a:lnSpc>
+              <a:buNone/>
+            </a:pPr>
+            <a:r>
+              <a:rPr lang="ar-KW" sz="3600" dirty="0"/>
+              <a:t> - بناء خريطة للشبكة</a:t>
+            </a:r>
+            <a:endParaRPr lang="en-US" sz="3600" dirty="0"/>
+          </a:p>
+        </p:txBody>
+      </p:sp>
     </p:spTree>
     <p:extLst>
       <p:ext uri="{BB962C8B-B14F-4D97-AF65-F5344CB8AC3E}">
-        <p14:creationId xmlns:p14="http://schemas.microsoft.com/office/powerpoint/2010/main" val="1613703189"/>
+        <p14:creationId xmlns:p14="http://schemas.microsoft.com/office/powerpoint/2010/main" val="2800781779"/>
       </p:ext>
     </p:extLst>
   </p:cSld>
@@ -11803,125 +10784,6 @@
 </file>
 
 <file path=ppt/slides/slide8.xml><?xml version="1.0" encoding="utf-8"?>
-<p:sld xmlns:a="http://schemas.openxmlformats.org/drawingml/2006/main" xmlns:r="http://schemas.openxmlformats.org/officeDocument/2006/relationships" xmlns:p="http://schemas.openxmlformats.org/presentationml/2006/main">
-  <p:cSld>
-    <p:spTree>
-      <p:nvGrpSpPr>
-        <p:cNvPr id="1" name=""/>
-        <p:cNvGrpSpPr/>
-        <p:nvPr/>
-      </p:nvGrpSpPr>
-      <p:grpSpPr>
-        <a:xfrm>
-          <a:off x="0" y="0"/>
-          <a:ext cx="0" cy="0"/>
-          <a:chOff x="0" y="0"/>
-          <a:chExt cx="0" cy="0"/>
-        </a:xfrm>
-      </p:grpSpPr>
-      <p:sp>
-        <p:nvSpPr>
-          <p:cNvPr id="2" name="Title 1">
-            <a:extLst>
-              <a:ext uri="{FF2B5EF4-FFF2-40B4-BE49-F238E27FC236}">
-                <a16:creationId xmlns:a16="http://schemas.microsoft.com/office/drawing/2014/main" id="{90236D24-AFE1-2A45-8ADD-F86DF08076CB}"/>
-              </a:ext>
-            </a:extLst>
-          </p:cNvPr>
-          <p:cNvSpPr>
-            <a:spLocks noGrp="1"/>
-          </p:cNvSpPr>
-          <p:nvPr>
-            <p:ph type="title"/>
-          </p:nvPr>
-        </p:nvSpPr>
-        <p:spPr/>
-        <p:txBody>
-          <a:bodyPr/>
-          <a:lstStyle/>
-          <a:p>
-            <a:pPr algn="r"/>
-            <a:r>
-              <a:rPr lang="ar-AE" dirty="0"/>
-              <a:t>مثال شاشة تشغيل البرنامج</a:t>
-            </a:r>
-            <a:endParaRPr lang="en-US" dirty="0"/>
-          </a:p>
-        </p:txBody>
-      </p:sp>
-      <p:pic>
-        <p:nvPicPr>
-          <p:cNvPr id="6" name="Content Placeholder 5" descr="A screenshot of a computer&#10;&#10;Description automatically generated">
-            <a:extLst>
-              <a:ext uri="{FF2B5EF4-FFF2-40B4-BE49-F238E27FC236}">
-                <a16:creationId xmlns:a16="http://schemas.microsoft.com/office/drawing/2014/main" id="{3597C1D5-B4FA-EC4D-A539-B005537FD448}"/>
-              </a:ext>
-            </a:extLst>
-          </p:cNvPr>
-          <p:cNvPicPr>
-            <a:picLocks noGrp="1" noChangeAspect="1"/>
-          </p:cNvPicPr>
-          <p:nvPr>
-            <p:ph idx="1"/>
-          </p:nvPr>
-        </p:nvPicPr>
-        <p:blipFill>
-          <a:blip r:embed="rId2"/>
-          <a:stretch>
-            <a:fillRect/>
-          </a:stretch>
-        </p:blipFill>
-        <p:spPr>
-          <a:xfrm>
-            <a:off x="1559862" y="1836136"/>
-            <a:ext cx="4174454" cy="4351338"/>
-          </a:xfrm>
-        </p:spPr>
-      </p:pic>
-      <p:pic>
-        <p:nvPicPr>
-          <p:cNvPr id="8" name="Picture 7" descr="A screenshot of a computer&#10;&#10;Description automatically generated">
-            <a:extLst>
-              <a:ext uri="{FF2B5EF4-FFF2-40B4-BE49-F238E27FC236}">
-                <a16:creationId xmlns:a16="http://schemas.microsoft.com/office/drawing/2014/main" id="{88A962FD-9746-A443-BBE5-7CC8416394D8}"/>
-              </a:ext>
-            </a:extLst>
-          </p:cNvPr>
-          <p:cNvPicPr>
-            <a:picLocks noChangeAspect="1"/>
-          </p:cNvPicPr>
-          <p:nvPr/>
-        </p:nvPicPr>
-        <p:blipFill>
-          <a:blip r:embed="rId3"/>
-          <a:stretch>
-            <a:fillRect/>
-          </a:stretch>
-        </p:blipFill>
-        <p:spPr>
-          <a:xfrm>
-            <a:off x="6096001" y="1817743"/>
-            <a:ext cx="4174454" cy="4355347"/>
-          </a:xfrm>
-          <a:prstGeom prst="rect">
-            <a:avLst/>
-          </a:prstGeom>
-        </p:spPr>
-      </p:pic>
-    </p:spTree>
-    <p:extLst>
-      <p:ext uri="{BB962C8B-B14F-4D97-AF65-F5344CB8AC3E}">
-        <p14:creationId xmlns:p14="http://schemas.microsoft.com/office/powerpoint/2010/main" val="2828524470"/>
-      </p:ext>
-    </p:extLst>
-  </p:cSld>
-  <p:clrMapOvr>
-    <a:masterClrMapping/>
-  </p:clrMapOvr>
-</p:sld>
-</file>
-
-<file path=ppt/slides/slide9.xml><?xml version="1.0" encoding="utf-8"?>
 <p:sld xmlns:a="http://schemas.openxmlformats.org/drawingml/2006/main" xmlns:r="http://schemas.openxmlformats.org/officeDocument/2006/relationships" xmlns:p="http://schemas.openxmlformats.org/presentationml/2006/main">
   <p:cSld>
     <p:bg>
@@ -11948,10 +10810,10 @@
       </p:grpSpPr>
       <p:sp useBgFill="1">
         <p:nvSpPr>
-          <p:cNvPr id="9" name="Rectangle 8">
-            <a:extLst>
-              <a:ext uri="{FF2B5EF4-FFF2-40B4-BE49-F238E27FC236}">
-                <a16:creationId xmlns:a16="http://schemas.microsoft.com/office/drawing/2014/main" id="{BACC6370-2D7E-4714-9D71-7542949D7D5D}"/>
+          <p:cNvPr id="8" name="Rectangle 7">
+            <a:extLst>
+              <a:ext uri="{FF2B5EF4-FFF2-40B4-BE49-F238E27FC236}">
+                <a16:creationId xmlns:a16="http://schemas.microsoft.com/office/drawing/2014/main" id="{1B15ED52-F352-441B-82BF-E0EA34836D08}"/>
               </a:ext>
               <a:ext uri="{C183D7F6-B498-43B3-948B-1728B52AA6E4}">
                 <adec:decorative xmlns:adec="http://schemas.microsoft.com/office/drawing/2017/decorative" val="1"/>
@@ -12024,10 +10886,10 @@
       </p:sp>
       <p:sp>
         <p:nvSpPr>
-          <p:cNvPr id="11" name="Rectangle 10">
-            <a:extLst>
-              <a:ext uri="{FF2B5EF4-FFF2-40B4-BE49-F238E27FC236}">
-                <a16:creationId xmlns:a16="http://schemas.microsoft.com/office/drawing/2014/main" id="{F68B3F68-107C-434F-AA38-110D5EA91B85}"/>
+          <p:cNvPr id="10" name="Rectangle 9">
+            <a:extLst>
+              <a:ext uri="{FF2B5EF4-FFF2-40B4-BE49-F238E27FC236}">
+                <a16:creationId xmlns:a16="http://schemas.microsoft.com/office/drawing/2014/main" id="{3B2E3793-BFE6-45A2-9B7B-E18844431C99}"/>
               </a:ext>
               <a:ext uri="{C183D7F6-B498-43B3-948B-1728B52AA6E4}">
                 <adec:decorative xmlns:adec="http://schemas.microsoft.com/office/drawing/2017/decorative" val="1"/>
@@ -12047,8 +10909,8 @@
         </p:nvSpPr>
         <p:spPr>
           <a:xfrm flipH="1">
-            <a:off x="2" y="0"/>
-            <a:ext cx="12191998" cy="1575955"/>
+            <a:off x="-1" y="-1"/>
+            <a:ext cx="12191998" cy="1590742"/>
           </a:xfrm>
           <a:prstGeom prst="rect">
             <a:avLst/>
@@ -12056,9 +10918,7 @@
           <a:gradFill>
             <a:gsLst>
               <a:gs pos="0">
-                <a:srgbClr val="000000">
-                  <a:alpha val="96000"/>
-                </a:srgbClr>
+                <a:srgbClr val="000000"/>
               </a:gs>
               <a:gs pos="100000">
                 <a:schemeClr val="accent1">
@@ -12099,10 +10959,10 @@
       </p:sp>
       <p:sp>
         <p:nvSpPr>
-          <p:cNvPr id="13" name="Rectangle 12">
-            <a:extLst>
-              <a:ext uri="{FF2B5EF4-FFF2-40B4-BE49-F238E27FC236}">
-                <a16:creationId xmlns:a16="http://schemas.microsoft.com/office/drawing/2014/main" id="{AAD0DBB9-1A4B-4391-81D4-CB19F9AB918A}"/>
+          <p:cNvPr id="12" name="Rectangle 11">
+            <a:extLst>
+              <a:ext uri="{FF2B5EF4-FFF2-40B4-BE49-F238E27FC236}">
+                <a16:creationId xmlns:a16="http://schemas.microsoft.com/office/drawing/2014/main" id="{BC4C4868-CB8F-4AF9-9CDB-8108F2C19B67}"/>
               </a:ext>
               <a:ext uri="{C183D7F6-B498-43B3-948B-1728B52AA6E4}">
                 <adec:decorative xmlns:adec="http://schemas.microsoft.com/office/drawing/2017/decorative" val="1"/>
@@ -12122,27 +10982,27 @@
         </p:nvSpPr>
         <p:spPr>
           <a:xfrm rot="10800000" flipH="1">
-            <a:off x="8128857" y="0"/>
-            <a:ext cx="4063143" cy="1576412"/>
+            <a:off x="-3" y="0"/>
+            <a:ext cx="8115306" cy="1590742"/>
           </a:xfrm>
           <a:prstGeom prst="rect">
             <a:avLst/>
           </a:prstGeom>
           <a:gradFill>
             <a:gsLst>
-              <a:gs pos="19000">
+              <a:gs pos="20000">
                 <a:schemeClr val="accent1">
-                  <a:lumMod val="50000"/>
-                  <a:alpha val="68000"/>
+                  <a:alpha val="0"/>
                 </a:schemeClr>
               </a:gs>
               <a:gs pos="100000">
                 <a:schemeClr val="accent1">
-                  <a:alpha val="79000"/>
+                  <a:lumMod val="50000"/>
+                  <a:alpha val="55000"/>
                 </a:schemeClr>
               </a:gs>
             </a:gsLst>
-            <a:lin ang="19200000" scaled="0"/>
+            <a:lin ang="13800000" scaled="0"/>
           </a:gradFill>
           <a:ln>
             <a:noFill/>
@@ -12175,10 +11035,10 @@
       </p:sp>
       <p:sp>
         <p:nvSpPr>
-          <p:cNvPr id="15" name="Rectangle 14">
-            <a:extLst>
-              <a:ext uri="{FF2B5EF4-FFF2-40B4-BE49-F238E27FC236}">
-                <a16:creationId xmlns:a16="http://schemas.microsoft.com/office/drawing/2014/main" id="{063BBA22-50EA-4C4D-BE05-F1CE4E63AA56}"/>
+          <p:cNvPr id="14" name="Rectangle 13">
+            <a:extLst>
+              <a:ext uri="{FF2B5EF4-FFF2-40B4-BE49-F238E27FC236}">
+                <a16:creationId xmlns:a16="http://schemas.microsoft.com/office/drawing/2014/main" id="{375E0459-6403-40CD-989D-56A4407CA12E}"/>
               </a:ext>
               <a:ext uri="{C183D7F6-B498-43B3-948B-1728B52AA6E4}">
                 <adec:decorative xmlns:adec="http://schemas.microsoft.com/office/drawing/2017/decorative" val="1"/>
@@ -12197,27 +11057,27 @@
           </p:nvPr>
         </p:nvSpPr>
         <p:spPr>
-          <a:xfrm rot="5400000">
-            <a:off x="5307777" y="-5307778"/>
-            <a:ext cx="1576446" cy="12192002"/>
+          <a:xfrm flipH="1">
+            <a:off x="8115299" y="-1"/>
+            <a:ext cx="4076698" cy="1590742"/>
           </a:xfrm>
           <a:prstGeom prst="rect">
             <a:avLst/>
           </a:prstGeom>
           <a:gradFill>
             <a:gsLst>
-              <a:gs pos="23000">
+              <a:gs pos="0">
                 <a:schemeClr val="accent1">
-                  <a:alpha val="0"/>
+                  <a:alpha val="66000"/>
                 </a:schemeClr>
               </a:gs>
-              <a:gs pos="99000">
+              <a:gs pos="100000">
                 <a:srgbClr val="000000">
-                  <a:alpha val="74000"/>
+                  <a:alpha val="30000"/>
                 </a:srgbClr>
               </a:gs>
             </a:gsLst>
-            <a:lin ang="20400000" scaled="0"/>
+            <a:lin ang="13200000" scaled="0"/>
           </a:gradFill>
           <a:ln>
             <a:noFill/>
@@ -12244,16 +11104,92 @@
           <a:lstStyle/>
           <a:p>
             <a:pPr algn="ctr"/>
-            <a:endParaRPr lang="en-US" dirty="0"/>
+            <a:endParaRPr lang="en-US"/>
           </a:p>
         </p:txBody>
       </p:sp>
       <p:sp>
         <p:nvSpPr>
+          <p:cNvPr id="16" name="Rectangle 15">
+            <a:extLst>
+              <a:ext uri="{FF2B5EF4-FFF2-40B4-BE49-F238E27FC236}">
+                <a16:creationId xmlns:a16="http://schemas.microsoft.com/office/drawing/2014/main" id="{53E5B1A8-3AC9-4BD1-9BBC-78CA94F2D1BA}"/>
+              </a:ext>
+              <a:ext uri="{C183D7F6-B498-43B3-948B-1728B52AA6E4}">
+                <adec:decorative xmlns:adec="http://schemas.microsoft.com/office/drawing/2017/decorative" val="1"/>
+              </a:ext>
+            </a:extLst>
+          </p:cNvPr>
+          <p:cNvSpPr>
+            <a:spLocks noGrp="1" noRot="1" noChangeAspect="1" noMove="1" noResize="1" noEditPoints="1" noAdjustHandles="1" noChangeArrowheads="1" noChangeShapeType="1" noTextEdit="1"/>
+          </p:cNvSpPr>
+          <p:nvPr>
+            <p:extLst>
+              <p:ext uri="{386F3935-93C4-4BCD-93E2-E3B085C9AB24}">
+                <p16:designElem xmlns:p16="http://schemas.microsoft.com/office/powerpoint/2015/main" val="1"/>
+              </p:ext>
+            </p:extLst>
+          </p:nvPr>
+        </p:nvSpPr>
+        <p:spPr>
+          <a:xfrm>
+            <a:off x="459350" y="-1"/>
+            <a:ext cx="11732646" cy="1597433"/>
+          </a:xfrm>
+          <a:prstGeom prst="rect">
+            <a:avLst/>
+          </a:prstGeom>
+          <a:gradFill>
+            <a:gsLst>
+              <a:gs pos="50000">
+                <a:srgbClr val="000000">
+                  <a:alpha val="0"/>
+                </a:srgbClr>
+              </a:gs>
+              <a:gs pos="99000">
+                <a:schemeClr val="accent1">
+                  <a:lumMod val="50000"/>
+                  <a:alpha val="52000"/>
+                </a:schemeClr>
+              </a:gs>
+            </a:gsLst>
+            <a:lin ang="16800000" scaled="0"/>
+          </a:gradFill>
+          <a:ln>
+            <a:noFill/>
+          </a:ln>
+        </p:spPr>
+        <p:style>
+          <a:lnRef idx="2">
+            <a:schemeClr val="accent1">
+              <a:shade val="50000"/>
+            </a:schemeClr>
+          </a:lnRef>
+          <a:fillRef idx="1">
+            <a:schemeClr val="accent1"/>
+          </a:fillRef>
+          <a:effectRef idx="0">
+            <a:schemeClr val="accent1"/>
+          </a:effectRef>
+          <a:fontRef idx="minor">
+            <a:schemeClr val="lt1"/>
+          </a:fontRef>
+        </p:style>
+        <p:txBody>
+          <a:bodyPr rtlCol="0" anchor="ctr"/>
+          <a:lstStyle/>
+          <a:p>
+            <a:pPr algn="ctr"/>
+            <a:endParaRPr lang="en-US"/>
+          </a:p>
+        </p:txBody>
+      </p:sp>
+      <p:sp>
+        <p:nvSpPr>
           <p:cNvPr id="2" name="Title 1">
             <a:extLst>
               <a:ext uri="{FF2B5EF4-FFF2-40B4-BE49-F238E27FC236}">
-                <a16:creationId xmlns:a16="http://schemas.microsoft.com/office/drawing/2014/main" id="{9925ABEB-B8C6-4CC7-8A23-A10364A90D08}"/>
+                <a16:creationId xmlns:a16="http://schemas.microsoft.com/office/drawing/2014/main" id="{F021F42D-C8FD-AD49-8558-0FBB5D132A79}"/>
               </a:ext>
             </a:extLst>
           </p:cNvPr>
@@ -12266,83 +11202,1086 @@
         </p:nvSpPr>
         <p:spPr>
           <a:xfrm>
-            <a:off x="1371597" y="348865"/>
-            <a:ext cx="10044023" cy="877729"/>
+            <a:off x="1371599" y="294538"/>
+            <a:ext cx="9895951" cy="1033669"/>
           </a:xfrm>
         </p:spPr>
         <p:txBody>
-          <a:bodyPr anchor="ctr">
+          <a:bodyPr>
             <a:normAutofit/>
           </a:bodyPr>
           <a:lstStyle/>
           <a:p>
-            <a:pPr marL="0" marR="0">
-              <a:spcBef>
-                <a:spcPts val="0"/>
-              </a:spcBef>
-              <a:spcAft>
-                <a:spcPts val="800"/>
-              </a:spcAft>
-            </a:pPr>
-            <a:r>
-              <a:rPr lang="ar-KW" sz="4000" dirty="0">
+            <a:r>
+              <a:rPr lang="ar-KW" sz="4000" b="0" i="0" dirty="0">
                 <a:solidFill>
-                  <a:srgbClr val="FFFFFF"/>
+                  <a:schemeClr val="bg1"/>
                 </a:solidFill>
                 <a:effectLst/>
-                <a:latin typeface="Calibri" panose="020F0502020204030204" pitchFamily="34" charset="0"/>
-                <a:ea typeface="Calibri" panose="020F0502020204030204" pitchFamily="34" charset="0"/>
-                <a:cs typeface="Arial" panose="020B0604020202020204" pitchFamily="34" charset="0"/>
+                <a:latin typeface="-apple-system"/>
               </a:rPr>
-              <a:t>المشاكل الحالية</a:t>
+              <a:t>مكتبة الأدوات السيبرانية</a:t>
             </a:r>
             <a:endParaRPr lang="en-US" sz="4000" dirty="0">
               <a:solidFill>
-                <a:srgbClr val="FFFFFF"/>
+                <a:schemeClr val="bg1"/>
               </a:solidFill>
-              <a:effectLst/>
-              <a:latin typeface="Calibri" panose="020F0502020204030204" pitchFamily="34" charset="0"/>
-              <a:ea typeface="Calibri" panose="020F0502020204030204" pitchFamily="34" charset="0"/>
-              <a:cs typeface="Arial" panose="020B0604020202020204" pitchFamily="34" charset="0"/>
             </a:endParaRPr>
           </a:p>
         </p:txBody>
       </p:sp>
-      <p:graphicFrame>
-        <p:nvGraphicFramePr>
-          <p:cNvPr id="5" name="Content Placeholder 2">
-            <a:extLst>
-              <a:ext uri="{FF2B5EF4-FFF2-40B4-BE49-F238E27FC236}">
-                <a16:creationId xmlns:a16="http://schemas.microsoft.com/office/drawing/2014/main" id="{5E8B2A4C-4543-25F7-2F5D-67AD4499392C}"/>
-              </a:ext>
-            </a:extLst>
-          </p:cNvPr>
-          <p:cNvGraphicFramePr>
-            <a:graphicFrameLocks noGrp="1"/>
-          </p:cNvGraphicFramePr>
+      <p:sp>
+        <p:nvSpPr>
+          <p:cNvPr id="6" name="Content Placeholder 5">
+            <a:extLst>
+              <a:ext uri="{FF2B5EF4-FFF2-40B4-BE49-F238E27FC236}">
+                <a16:creationId xmlns:a16="http://schemas.microsoft.com/office/drawing/2014/main" id="{93E4719E-2283-CB6B-A4A6-15391C166BA7}"/>
+              </a:ext>
+            </a:extLst>
+          </p:cNvPr>
+          <p:cNvSpPr>
+            <a:spLocks noGrp="1"/>
+          </p:cNvSpPr>
           <p:nvPr>
             <p:ph idx="1"/>
+          </p:nvPr>
+        </p:nvSpPr>
+        <p:spPr>
+          <a:xfrm>
+            <a:off x="201580" y="1825625"/>
+            <a:ext cx="11732646" cy="4836432"/>
+          </a:xfrm>
+        </p:spPr>
+        <p:txBody>
+          <a:bodyPr>
+            <a:normAutofit lnSpcReduction="10000"/>
+          </a:bodyPr>
+          <a:lstStyle/>
+          <a:p>
+            <a:pPr algn="r" rtl="1"/>
+            <a:r>
+              <a:rPr lang="en-US" sz="3200" dirty="0"/>
+              <a:t> </a:t>
+            </a:r>
+            <a:r>
+              <a:rPr lang="ar-KW" sz="3200" dirty="0"/>
+              <a:t>نظراً للدور المهم لركن التطوير والدعم فني والذي هو تمكين فريق المهام من أداء واجباتهم عن طريق إنشاء البيئة المناسبة وتزويدهم بالادوات والنصوص اللازمه وذلك بعد أنتهاء فريق الاستطلاع من جمع المعلومات، لذلك وجب على الركن من إنشاء قاعدة بيانات بالادوات او يمكن تسميتها مكتبة الادوات والتي سوف تحتوي على جميع الادوات والنصوص اللازمة.</a:t>
+            </a:r>
+          </a:p>
+          <a:p>
+            <a:pPr marL="0" indent="0" algn="r" rtl="1">
+              <a:buNone/>
+            </a:pPr>
+            <a:endParaRPr lang="ar-KW" sz="3200" dirty="0"/>
+          </a:p>
+          <a:p>
+            <a:pPr marL="0" indent="0" algn="r" rtl="1">
+              <a:buNone/>
+            </a:pPr>
+            <a:endParaRPr lang="ar-KW" sz="3200" dirty="0"/>
+          </a:p>
+          <a:p>
+            <a:pPr algn="r" rtl="1"/>
+            <a:r>
+              <a:rPr lang="ar-KW" sz="3200" dirty="0"/>
+              <a:t> لإنشاء هذة المكتبة عزم الركن على البدء أولاً بمرحلة التصنيف والترتيب ثمه اختبار الادوات وأخيراً اعتمادها. في الشرائح القادمة سيتم شرح ما قام به الركن حتى هذة لحظة في ما يخص مكتبة الأدوات.</a:t>
+            </a:r>
+            <a:endParaRPr lang="en-US" sz="3200" dirty="0"/>
+          </a:p>
+        </p:txBody>
+      </p:sp>
+    </p:spTree>
+    <p:extLst>
+      <p:ext uri="{BB962C8B-B14F-4D97-AF65-F5344CB8AC3E}">
+        <p14:creationId xmlns:p14="http://schemas.microsoft.com/office/powerpoint/2010/main" val="2650017886"/>
+      </p:ext>
+    </p:extLst>
+  </p:cSld>
+  <p:clrMapOvr>
+    <a:masterClrMapping/>
+  </p:clrMapOvr>
+</p:sld>
+</file>
+
+<file path=ppt/slides/slide9.xml><?xml version="1.0" encoding="utf-8"?>
+<p:sld xmlns:a="http://schemas.openxmlformats.org/drawingml/2006/main" xmlns:r="http://schemas.openxmlformats.org/officeDocument/2006/relationships" xmlns:p="http://schemas.openxmlformats.org/presentationml/2006/main">
+  <p:cSld>
+    <p:bg>
+      <p:bgPr>
+        <a:solidFill>
+          <a:schemeClr val="bg1"/>
+        </a:solidFill>
+        <a:effectLst/>
+      </p:bgPr>
+    </p:bg>
+    <p:spTree>
+      <p:nvGrpSpPr>
+        <p:cNvPr id="1" name=""/>
+        <p:cNvGrpSpPr/>
+        <p:nvPr/>
+      </p:nvGrpSpPr>
+      <p:grpSpPr>
+        <a:xfrm>
+          <a:off x="0" y="0"/>
+          <a:ext cx="0" cy="0"/>
+          <a:chOff x="0" y="0"/>
+          <a:chExt cx="0" cy="0"/>
+        </a:xfrm>
+      </p:grpSpPr>
+      <p:sp useBgFill="1">
+        <p:nvSpPr>
+          <p:cNvPr id="8" name="Rectangle 7">
+            <a:extLst>
+              <a:ext uri="{FF2B5EF4-FFF2-40B4-BE49-F238E27FC236}">
+                <a16:creationId xmlns:a16="http://schemas.microsoft.com/office/drawing/2014/main" id="{1B15ED52-F352-441B-82BF-E0EA34836D08}"/>
+              </a:ext>
+              <a:ext uri="{C183D7F6-B498-43B3-948B-1728B52AA6E4}">
+                <adec:decorative xmlns:adec="http://schemas.microsoft.com/office/drawing/2017/decorative" val="1"/>
+              </a:ext>
+            </a:extLst>
+          </p:cNvPr>
+          <p:cNvSpPr>
+            <a:spLocks noGrp="1" noRot="1" noChangeAspect="1" noMove="1" noResize="1" noEditPoints="1" noAdjustHandles="1" noChangeArrowheads="1" noChangeShapeType="1" noTextEdit="1"/>
+          </p:cNvSpPr>
+          <p:nvPr>
             <p:extLst>
-              <p:ext uri="{D42A27DB-BD31-4B8C-83A1-F6EECF244321}">
-                <p14:modId xmlns:p14="http://schemas.microsoft.com/office/powerpoint/2010/main" val="4047471720"/>
+              <p:ext uri="{386F3935-93C4-4BCD-93E2-E3B085C9AB24}">
+                <p16:designElem xmlns:p16="http://schemas.microsoft.com/office/powerpoint/2015/main" val="1"/>
               </p:ext>
             </p:extLst>
           </p:nvPr>
-        </p:nvGraphicFramePr>
-        <p:xfrm>
-          <a:off x="644056" y="2112579"/>
-          <a:ext cx="10927829" cy="4192805"/>
-        </p:xfrm>
-        <a:graphic>
-          <a:graphicData uri="http://schemas.openxmlformats.org/drawingml/2006/diagram">
-            <dgm:relIds xmlns:dgm="http://schemas.openxmlformats.org/drawingml/2006/diagram" xmlns:r="http://schemas.openxmlformats.org/officeDocument/2006/relationships" r:dm="rId2" r:lo="rId3" r:qs="rId4" r:cs="rId5"/>
-          </a:graphicData>
-        </a:graphic>
-      </p:graphicFrame>
+        </p:nvSpPr>
+        <p:spPr>
+          <a:xfrm>
+            <a:off x="0" y="0"/>
+            <a:ext cx="12192000" cy="6858000"/>
+          </a:xfrm>
+          <a:prstGeom prst="rect">
+            <a:avLst/>
+          </a:prstGeom>
+          <a:ln w="12700" cap="flat" cmpd="sng" algn="ctr">
+            <a:noFill/>
+            <a:prstDash val="solid"/>
+            <a:miter lim="800000"/>
+          </a:ln>
+          <a:effectLst/>
+          <a:extLst>
+            <a:ext uri="{91240B29-F687-4F45-9708-019B960494DF}">
+              <a14:hiddenLine xmlns:a14="http://schemas.microsoft.com/office/drawing/2010/main" w="12700" cap="flat" cmpd="sng" algn="ctr">
+                <a:solidFill>
+                  <a:schemeClr val="accent1">
+                    <a:shade val="50000"/>
+                  </a:schemeClr>
+                </a:solidFill>
+                <a:prstDash val="solid"/>
+                <a:miter lim="800000"/>
+              </a14:hiddenLine>
+            </a:ext>
+          </a:extLst>
+        </p:spPr>
+        <p:style>
+          <a:lnRef idx="2">
+            <a:schemeClr val="accent1">
+              <a:shade val="50000"/>
+            </a:schemeClr>
+          </a:lnRef>
+          <a:fillRef idx="1">
+            <a:schemeClr val="accent1"/>
+          </a:fillRef>
+          <a:effectRef idx="0">
+            <a:schemeClr val="accent1"/>
+          </a:effectRef>
+          <a:fontRef idx="minor">
+            <a:schemeClr val="lt1"/>
+          </a:fontRef>
+        </p:style>
+        <p:txBody>
+          <a:bodyPr rtlCol="0" anchor="ctr"/>
+          <a:lstStyle/>
+          <a:p>
+            <a:pPr algn="ctr"/>
+            <a:endParaRPr lang="en-US"/>
+          </a:p>
+        </p:txBody>
+      </p:sp>
+      <p:sp>
+        <p:nvSpPr>
+          <p:cNvPr id="10" name="Rectangle 9">
+            <a:extLst>
+              <a:ext uri="{FF2B5EF4-FFF2-40B4-BE49-F238E27FC236}">
+                <a16:creationId xmlns:a16="http://schemas.microsoft.com/office/drawing/2014/main" id="{3B2E3793-BFE6-45A2-9B7B-E18844431C99}"/>
+              </a:ext>
+              <a:ext uri="{C183D7F6-B498-43B3-948B-1728B52AA6E4}">
+                <adec:decorative xmlns:adec="http://schemas.microsoft.com/office/drawing/2017/decorative" val="1"/>
+              </a:ext>
+            </a:extLst>
+          </p:cNvPr>
+          <p:cNvSpPr>
+            <a:spLocks noGrp="1" noRot="1" noChangeAspect="1" noMove="1" noResize="1" noEditPoints="1" noAdjustHandles="1" noChangeArrowheads="1" noChangeShapeType="1" noTextEdit="1"/>
+          </p:cNvSpPr>
+          <p:nvPr>
+            <p:extLst>
+              <p:ext uri="{386F3935-93C4-4BCD-93E2-E3B085C9AB24}">
+                <p16:designElem xmlns:p16="http://schemas.microsoft.com/office/powerpoint/2015/main" val="1"/>
+              </p:ext>
+            </p:extLst>
+          </p:nvPr>
+        </p:nvSpPr>
+        <p:spPr>
+          <a:xfrm flipH="1">
+            <a:off x="-1" y="-1"/>
+            <a:ext cx="12191998" cy="1590742"/>
+          </a:xfrm>
+          <a:prstGeom prst="rect">
+            <a:avLst/>
+          </a:prstGeom>
+          <a:gradFill>
+            <a:gsLst>
+              <a:gs pos="0">
+                <a:srgbClr val="000000"/>
+              </a:gs>
+              <a:gs pos="100000">
+                <a:schemeClr val="accent1">
+                  <a:lumMod val="75000"/>
+                </a:schemeClr>
+              </a:gs>
+            </a:gsLst>
+            <a:lin ang="8400000" scaled="0"/>
+          </a:gradFill>
+          <a:ln>
+            <a:noFill/>
+          </a:ln>
+        </p:spPr>
+        <p:style>
+          <a:lnRef idx="2">
+            <a:schemeClr val="accent1">
+              <a:shade val="50000"/>
+            </a:schemeClr>
+          </a:lnRef>
+          <a:fillRef idx="1">
+            <a:schemeClr val="accent1"/>
+          </a:fillRef>
+          <a:effectRef idx="0">
+            <a:schemeClr val="accent1"/>
+          </a:effectRef>
+          <a:fontRef idx="minor">
+            <a:schemeClr val="lt1"/>
+          </a:fontRef>
+        </p:style>
+        <p:txBody>
+          <a:bodyPr rtlCol="0" anchor="ctr"/>
+          <a:lstStyle/>
+          <a:p>
+            <a:pPr algn="ctr"/>
+            <a:endParaRPr lang="en-US"/>
+          </a:p>
+        </p:txBody>
+      </p:sp>
+      <p:sp>
+        <p:nvSpPr>
+          <p:cNvPr id="12" name="Rectangle 11">
+            <a:extLst>
+              <a:ext uri="{FF2B5EF4-FFF2-40B4-BE49-F238E27FC236}">
+                <a16:creationId xmlns:a16="http://schemas.microsoft.com/office/drawing/2014/main" id="{BC4C4868-CB8F-4AF9-9CDB-8108F2C19B67}"/>
+              </a:ext>
+              <a:ext uri="{C183D7F6-B498-43B3-948B-1728B52AA6E4}">
+                <adec:decorative xmlns:adec="http://schemas.microsoft.com/office/drawing/2017/decorative" val="1"/>
+              </a:ext>
+            </a:extLst>
+          </p:cNvPr>
+          <p:cNvSpPr>
+            <a:spLocks noGrp="1" noRot="1" noChangeAspect="1" noMove="1" noResize="1" noEditPoints="1" noAdjustHandles="1" noChangeArrowheads="1" noChangeShapeType="1" noTextEdit="1"/>
+          </p:cNvSpPr>
+          <p:nvPr>
+            <p:extLst>
+              <p:ext uri="{386F3935-93C4-4BCD-93E2-E3B085C9AB24}">
+                <p16:designElem xmlns:p16="http://schemas.microsoft.com/office/powerpoint/2015/main" val="1"/>
+              </p:ext>
+            </p:extLst>
+          </p:nvPr>
+        </p:nvSpPr>
+        <p:spPr>
+          <a:xfrm rot="10800000" flipH="1">
+            <a:off x="-3" y="0"/>
+            <a:ext cx="8115306" cy="1590742"/>
+          </a:xfrm>
+          <a:prstGeom prst="rect">
+            <a:avLst/>
+          </a:prstGeom>
+          <a:gradFill>
+            <a:gsLst>
+              <a:gs pos="20000">
+                <a:schemeClr val="accent1">
+                  <a:alpha val="0"/>
+                </a:schemeClr>
+              </a:gs>
+              <a:gs pos="100000">
+                <a:schemeClr val="accent1">
+                  <a:lumMod val="50000"/>
+                  <a:alpha val="55000"/>
+                </a:schemeClr>
+              </a:gs>
+            </a:gsLst>
+            <a:lin ang="13800000" scaled="0"/>
+          </a:gradFill>
+          <a:ln>
+            <a:noFill/>
+          </a:ln>
+        </p:spPr>
+        <p:style>
+          <a:lnRef idx="2">
+            <a:schemeClr val="accent1">
+              <a:shade val="50000"/>
+            </a:schemeClr>
+          </a:lnRef>
+          <a:fillRef idx="1">
+            <a:schemeClr val="accent1"/>
+          </a:fillRef>
+          <a:effectRef idx="0">
+            <a:schemeClr val="accent1"/>
+          </a:effectRef>
+          <a:fontRef idx="minor">
+            <a:schemeClr val="lt1"/>
+          </a:fontRef>
+        </p:style>
+        <p:txBody>
+          <a:bodyPr rtlCol="0" anchor="ctr"/>
+          <a:lstStyle/>
+          <a:p>
+            <a:pPr algn="ctr"/>
+            <a:endParaRPr lang="en-US"/>
+          </a:p>
+        </p:txBody>
+      </p:sp>
+      <p:sp>
+        <p:nvSpPr>
+          <p:cNvPr id="14" name="Rectangle 13">
+            <a:extLst>
+              <a:ext uri="{FF2B5EF4-FFF2-40B4-BE49-F238E27FC236}">
+                <a16:creationId xmlns:a16="http://schemas.microsoft.com/office/drawing/2014/main" id="{375E0459-6403-40CD-989D-56A4407CA12E}"/>
+              </a:ext>
+              <a:ext uri="{C183D7F6-B498-43B3-948B-1728B52AA6E4}">
+                <adec:decorative xmlns:adec="http://schemas.microsoft.com/office/drawing/2017/decorative" val="1"/>
+              </a:ext>
+            </a:extLst>
+          </p:cNvPr>
+          <p:cNvSpPr>
+            <a:spLocks noGrp="1" noRot="1" noChangeAspect="1" noMove="1" noResize="1" noEditPoints="1" noAdjustHandles="1" noChangeArrowheads="1" noChangeShapeType="1" noTextEdit="1"/>
+          </p:cNvSpPr>
+          <p:nvPr>
+            <p:extLst>
+              <p:ext uri="{386F3935-93C4-4BCD-93E2-E3B085C9AB24}">
+                <p16:designElem xmlns:p16="http://schemas.microsoft.com/office/powerpoint/2015/main" val="1"/>
+              </p:ext>
+            </p:extLst>
+          </p:nvPr>
+        </p:nvSpPr>
+        <p:spPr>
+          <a:xfrm flipH="1">
+            <a:off x="8115299" y="-1"/>
+            <a:ext cx="4076698" cy="1590742"/>
+          </a:xfrm>
+          <a:prstGeom prst="rect">
+            <a:avLst/>
+          </a:prstGeom>
+          <a:gradFill>
+            <a:gsLst>
+              <a:gs pos="0">
+                <a:schemeClr val="accent1">
+                  <a:alpha val="66000"/>
+                </a:schemeClr>
+              </a:gs>
+              <a:gs pos="100000">
+                <a:srgbClr val="000000">
+                  <a:alpha val="30000"/>
+                </a:srgbClr>
+              </a:gs>
+            </a:gsLst>
+            <a:lin ang="13200000" scaled="0"/>
+          </a:gradFill>
+          <a:ln>
+            <a:noFill/>
+          </a:ln>
+        </p:spPr>
+        <p:style>
+          <a:lnRef idx="2">
+            <a:schemeClr val="accent1">
+              <a:shade val="50000"/>
+            </a:schemeClr>
+          </a:lnRef>
+          <a:fillRef idx="1">
+            <a:schemeClr val="accent1"/>
+          </a:fillRef>
+          <a:effectRef idx="0">
+            <a:schemeClr val="accent1"/>
+          </a:effectRef>
+          <a:fontRef idx="minor">
+            <a:schemeClr val="lt1"/>
+          </a:fontRef>
+        </p:style>
+        <p:txBody>
+          <a:bodyPr rtlCol="0" anchor="ctr"/>
+          <a:lstStyle/>
+          <a:p>
+            <a:pPr algn="ctr"/>
+            <a:endParaRPr lang="en-US"/>
+          </a:p>
+        </p:txBody>
+      </p:sp>
+      <p:sp>
+        <p:nvSpPr>
+          <p:cNvPr id="16" name="Rectangle 15">
+            <a:extLst>
+              <a:ext uri="{FF2B5EF4-FFF2-40B4-BE49-F238E27FC236}">
+                <a16:creationId xmlns:a16="http://schemas.microsoft.com/office/drawing/2014/main" id="{53E5B1A8-3AC9-4BD1-9BBC-78CA94F2D1BA}"/>
+              </a:ext>
+              <a:ext uri="{C183D7F6-B498-43B3-948B-1728B52AA6E4}">
+                <adec:decorative xmlns:adec="http://schemas.microsoft.com/office/drawing/2017/decorative" val="1"/>
+              </a:ext>
+            </a:extLst>
+          </p:cNvPr>
+          <p:cNvSpPr>
+            <a:spLocks noGrp="1" noRot="1" noChangeAspect="1" noMove="1" noResize="1" noEditPoints="1" noAdjustHandles="1" noChangeArrowheads="1" noChangeShapeType="1" noTextEdit="1"/>
+          </p:cNvSpPr>
+          <p:nvPr>
+            <p:extLst>
+              <p:ext uri="{386F3935-93C4-4BCD-93E2-E3B085C9AB24}">
+                <p16:designElem xmlns:p16="http://schemas.microsoft.com/office/powerpoint/2015/main" val="1"/>
+              </p:ext>
+            </p:extLst>
+          </p:nvPr>
+        </p:nvSpPr>
+        <p:spPr>
+          <a:xfrm>
+            <a:off x="459350" y="-1"/>
+            <a:ext cx="11732646" cy="1597433"/>
+          </a:xfrm>
+          <a:prstGeom prst="rect">
+            <a:avLst/>
+          </a:prstGeom>
+          <a:gradFill>
+            <a:gsLst>
+              <a:gs pos="50000">
+                <a:srgbClr val="000000">
+                  <a:alpha val="0"/>
+                </a:srgbClr>
+              </a:gs>
+              <a:gs pos="99000">
+                <a:schemeClr val="accent1">
+                  <a:lumMod val="50000"/>
+                  <a:alpha val="52000"/>
+                </a:schemeClr>
+              </a:gs>
+            </a:gsLst>
+            <a:lin ang="16800000" scaled="0"/>
+          </a:gradFill>
+          <a:ln>
+            <a:noFill/>
+          </a:ln>
+        </p:spPr>
+        <p:style>
+          <a:lnRef idx="2">
+            <a:schemeClr val="accent1">
+              <a:shade val="50000"/>
+            </a:schemeClr>
+          </a:lnRef>
+          <a:fillRef idx="1">
+            <a:schemeClr val="accent1"/>
+          </a:fillRef>
+          <a:effectRef idx="0">
+            <a:schemeClr val="accent1"/>
+          </a:effectRef>
+          <a:fontRef idx="minor">
+            <a:schemeClr val="lt1"/>
+          </a:fontRef>
+        </p:style>
+        <p:txBody>
+          <a:bodyPr rtlCol="0" anchor="ctr"/>
+          <a:lstStyle/>
+          <a:p>
+            <a:pPr algn="ctr"/>
+            <a:endParaRPr lang="en-US"/>
+          </a:p>
+        </p:txBody>
+      </p:sp>
+      <p:sp>
+        <p:nvSpPr>
+          <p:cNvPr id="2" name="Title 1">
+            <a:extLst>
+              <a:ext uri="{FF2B5EF4-FFF2-40B4-BE49-F238E27FC236}">
+                <a16:creationId xmlns:a16="http://schemas.microsoft.com/office/drawing/2014/main" id="{F021F42D-C8FD-AD49-8558-0FBB5D132A79}"/>
+              </a:ext>
+            </a:extLst>
+          </p:cNvPr>
+          <p:cNvSpPr>
+            <a:spLocks noGrp="1"/>
+          </p:cNvSpPr>
+          <p:nvPr>
+            <p:ph type="title"/>
+          </p:nvPr>
+        </p:nvSpPr>
+        <p:spPr>
+          <a:xfrm>
+            <a:off x="1371599" y="294538"/>
+            <a:ext cx="9895951" cy="1033669"/>
+          </a:xfrm>
+        </p:spPr>
+        <p:txBody>
+          <a:bodyPr>
+            <a:normAutofit/>
+          </a:bodyPr>
+          <a:lstStyle/>
+          <a:p>
+            <a:r>
+              <a:rPr lang="ar-KW" sz="4000" b="0" i="0" dirty="0">
+                <a:solidFill>
+                  <a:schemeClr val="bg1"/>
+                </a:solidFill>
+                <a:effectLst/>
+                <a:latin typeface="-apple-system"/>
+              </a:rPr>
+              <a:t>مكتبة الأدوات السيبرانية</a:t>
+            </a:r>
+            <a:endParaRPr lang="en-US" sz="4000" dirty="0">
+              <a:solidFill>
+                <a:schemeClr val="bg1"/>
+              </a:solidFill>
+            </a:endParaRPr>
+          </a:p>
+        </p:txBody>
+      </p:sp>
+      <p:sp>
+        <p:nvSpPr>
+          <p:cNvPr id="4" name="Content Placeholder 3">
+            <a:extLst>
+              <a:ext uri="{FF2B5EF4-FFF2-40B4-BE49-F238E27FC236}">
+                <a16:creationId xmlns:a16="http://schemas.microsoft.com/office/drawing/2014/main" id="{C8A40AF6-664D-012E-F066-92ABDD94BC42}"/>
+              </a:ext>
+            </a:extLst>
+          </p:cNvPr>
+          <p:cNvSpPr>
+            <a:spLocks noGrp="1"/>
+          </p:cNvSpPr>
+          <p:nvPr>
+            <p:ph idx="1"/>
+          </p:nvPr>
+        </p:nvSpPr>
+        <p:spPr>
+          <a:xfrm>
+            <a:off x="8312004" y="1794273"/>
+            <a:ext cx="3777342" cy="4810307"/>
+          </a:xfrm>
+        </p:spPr>
+        <p:txBody>
+          <a:bodyPr>
+            <a:normAutofit/>
+          </a:bodyPr>
+          <a:lstStyle/>
+          <a:p>
+            <a:pPr marL="0" indent="0" algn="r">
+              <a:buNone/>
+            </a:pPr>
+            <a:r>
+              <a:rPr lang="ar-KW" dirty="0"/>
+              <a:t>تبدأ عملية أنشاء المكتبة بالتالي:</a:t>
+            </a:r>
+          </a:p>
+          <a:p>
+            <a:pPr marL="0" indent="0" algn="r">
+              <a:buNone/>
+            </a:pPr>
+            <a:r>
+              <a:rPr lang="ar-KW" dirty="0"/>
+              <a:t> </a:t>
+            </a:r>
+          </a:p>
+          <a:p>
+            <a:pPr marL="514350" indent="-514350" algn="r" rtl="1">
+              <a:buAutoNum type="arabicPeriod"/>
+            </a:pPr>
+            <a:r>
+              <a:rPr lang="ar-KW" dirty="0"/>
+              <a:t>تصنيف الأدوات منها:</a:t>
+            </a:r>
+          </a:p>
+          <a:p>
+            <a:pPr marL="0" indent="0">
+              <a:buNone/>
+            </a:pPr>
+            <a:r>
+              <a:rPr lang="it-IT" dirty="0"/>
+              <a:t>- Network    </a:t>
+            </a:r>
+            <a:endParaRPr lang="ar-KW" dirty="0"/>
+          </a:p>
+          <a:p>
+            <a:pPr>
+              <a:buFontTx/>
+              <a:buChar char="-"/>
+            </a:pPr>
+            <a:r>
+              <a:rPr lang="it-IT" dirty="0"/>
+              <a:t>Web</a:t>
+            </a:r>
+            <a:endParaRPr lang="ar-KW" dirty="0"/>
+          </a:p>
+          <a:p>
+            <a:pPr>
+              <a:buFontTx/>
+              <a:buChar char="-"/>
+            </a:pPr>
+            <a:r>
+              <a:rPr lang="it-IT" dirty="0"/>
+              <a:t>Cloud   </a:t>
+            </a:r>
+            <a:endParaRPr lang="ar-KW" dirty="0"/>
+          </a:p>
+          <a:p>
+            <a:pPr>
+              <a:buFontTx/>
+              <a:buChar char="-"/>
+            </a:pPr>
+            <a:r>
+              <a:rPr lang="it-IT" dirty="0"/>
+              <a:t> Social Media   </a:t>
+            </a:r>
+            <a:endParaRPr lang="ar-KW" dirty="0"/>
+          </a:p>
+          <a:p>
+            <a:pPr>
+              <a:buFontTx/>
+              <a:buChar char="-"/>
+            </a:pPr>
+            <a:r>
+              <a:rPr lang="it-IT" dirty="0"/>
+              <a:t> AI</a:t>
+            </a:r>
+            <a:endParaRPr lang="en-US" dirty="0"/>
+          </a:p>
+        </p:txBody>
+      </p:sp>
+      <p:cxnSp>
+        <p:nvCxnSpPr>
+          <p:cNvPr id="15" name="Straight Connector 14">
+            <a:extLst>
+              <a:ext uri="{FF2B5EF4-FFF2-40B4-BE49-F238E27FC236}">
+                <a16:creationId xmlns:a16="http://schemas.microsoft.com/office/drawing/2014/main" id="{1E817ADA-9783-29C0-F384-76040E1E7D57}"/>
+              </a:ext>
+            </a:extLst>
+          </p:cNvPr>
+          <p:cNvCxnSpPr>
+            <a:cxnSpLocks/>
+          </p:cNvCxnSpPr>
+          <p:nvPr/>
+        </p:nvCxnSpPr>
+        <p:spPr>
+          <a:xfrm flipH="1">
+            <a:off x="8225678" y="1787582"/>
+            <a:ext cx="4" cy="4572000"/>
+          </a:xfrm>
+          <a:prstGeom prst="line">
+            <a:avLst/>
+          </a:prstGeom>
+          <a:ln w="63500">
+            <a:solidFill>
+              <a:schemeClr val="accent1"/>
+            </a:solidFill>
+          </a:ln>
+        </p:spPr>
+        <p:style>
+          <a:lnRef idx="1">
+            <a:schemeClr val="accent1"/>
+          </a:lnRef>
+          <a:fillRef idx="0">
+            <a:schemeClr val="accent1"/>
+          </a:fillRef>
+          <a:effectRef idx="0">
+            <a:schemeClr val="accent1"/>
+          </a:effectRef>
+          <a:fontRef idx="minor">
+            <a:schemeClr val="tx1"/>
+          </a:fontRef>
+        </p:style>
+      </p:cxnSp>
+      <p:sp>
+        <p:nvSpPr>
+          <p:cNvPr id="19" name="TextBox 18">
+            <a:extLst>
+              <a:ext uri="{FF2B5EF4-FFF2-40B4-BE49-F238E27FC236}">
+                <a16:creationId xmlns:a16="http://schemas.microsoft.com/office/drawing/2014/main" id="{3ADB4D33-7352-01FA-AAC7-3FE5BF0040F6}"/>
+              </a:ext>
+            </a:extLst>
+          </p:cNvPr>
+          <p:cNvSpPr txBox="1"/>
+          <p:nvPr/>
+        </p:nvSpPr>
+        <p:spPr>
+          <a:xfrm>
+            <a:off x="4733978" y="2827629"/>
+            <a:ext cx="3389045" cy="2246769"/>
+          </a:xfrm>
+          <a:prstGeom prst="rect">
+            <a:avLst/>
+          </a:prstGeom>
+          <a:noFill/>
+        </p:spPr>
+        <p:txBody>
+          <a:bodyPr wrap="square">
+            <a:spAutoFit/>
+          </a:bodyPr>
+          <a:lstStyle/>
+          <a:p>
+            <a:pPr algn="r" rtl="1"/>
+            <a:r>
+              <a:rPr lang="ar-KW" sz="2800" dirty="0"/>
+              <a:t>2. </a:t>
+            </a:r>
+            <a:r>
+              <a:rPr lang="en-US" sz="2800" dirty="0" err="1"/>
+              <a:t>ولكل</a:t>
+            </a:r>
+            <a:r>
+              <a:rPr lang="en-US" sz="2800" dirty="0"/>
+              <a:t> </a:t>
+            </a:r>
+            <a:r>
+              <a:rPr lang="en-US" sz="2800" dirty="0" err="1"/>
+              <a:t>تصنيف</a:t>
+            </a:r>
+            <a:r>
+              <a:rPr lang="en-US" sz="2800" dirty="0"/>
+              <a:t> </a:t>
+            </a:r>
+            <a:r>
+              <a:rPr lang="en-US" sz="2800" dirty="0" err="1"/>
+              <a:t>نوع</a:t>
+            </a:r>
+            <a:r>
+              <a:rPr lang="en-US" sz="2800" dirty="0"/>
+              <a:t> </a:t>
+            </a:r>
+            <a:r>
+              <a:rPr lang="en-US" sz="2800" dirty="0" err="1"/>
+              <a:t>منها</a:t>
+            </a:r>
+            <a:r>
+              <a:rPr lang="en-US" sz="2800" dirty="0"/>
+              <a:t>:</a:t>
+            </a:r>
+            <a:endParaRPr lang="ar-KW" sz="2800" dirty="0"/>
+          </a:p>
+          <a:p>
+            <a:r>
+              <a:rPr lang="en-US" sz="2800" dirty="0"/>
+              <a:t>-   Scan   </a:t>
+            </a:r>
+            <a:endParaRPr lang="ar-KW" sz="2800" dirty="0"/>
+          </a:p>
+          <a:p>
+            <a:r>
+              <a:rPr lang="en-US" sz="2800" dirty="0"/>
+              <a:t>- </a:t>
+            </a:r>
+            <a:r>
+              <a:rPr lang="ar-KW" sz="2800" dirty="0"/>
+              <a:t> </a:t>
+            </a:r>
+            <a:r>
+              <a:rPr lang="en-US" sz="2800" dirty="0"/>
+              <a:t>Sniff    </a:t>
+            </a:r>
+          </a:p>
+          <a:p>
+            <a:r>
+              <a:rPr lang="en-US" sz="2800" dirty="0"/>
+              <a:t>-  Evasion    </a:t>
+            </a:r>
+            <a:endParaRPr lang="ar-KW" sz="2800" dirty="0"/>
+          </a:p>
+          <a:p>
+            <a:r>
+              <a:rPr lang="en-US" sz="2800" dirty="0"/>
+              <a:t>-  Bypass</a:t>
+            </a:r>
+          </a:p>
+        </p:txBody>
+      </p:sp>
+      <p:cxnSp>
+        <p:nvCxnSpPr>
+          <p:cNvPr id="20" name="Straight Connector 19">
+            <a:extLst>
+              <a:ext uri="{FF2B5EF4-FFF2-40B4-BE49-F238E27FC236}">
+                <a16:creationId xmlns:a16="http://schemas.microsoft.com/office/drawing/2014/main" id="{6606B46B-595A-40C7-3CE2-07A49ED06750}"/>
+              </a:ext>
+            </a:extLst>
+          </p:cNvPr>
+          <p:cNvCxnSpPr>
+            <a:cxnSpLocks/>
+          </p:cNvCxnSpPr>
+          <p:nvPr/>
+        </p:nvCxnSpPr>
+        <p:spPr>
+          <a:xfrm flipH="1">
+            <a:off x="4682649" y="1787582"/>
+            <a:ext cx="4" cy="4572000"/>
+          </a:xfrm>
+          <a:prstGeom prst="line">
+            <a:avLst/>
+          </a:prstGeom>
+          <a:ln w="63500">
+            <a:solidFill>
+              <a:schemeClr val="accent1"/>
+            </a:solidFill>
+          </a:ln>
+        </p:spPr>
+        <p:style>
+          <a:lnRef idx="1">
+            <a:schemeClr val="accent1"/>
+          </a:lnRef>
+          <a:fillRef idx="0">
+            <a:schemeClr val="accent1"/>
+          </a:fillRef>
+          <a:effectRef idx="0">
+            <a:schemeClr val="accent1"/>
+          </a:effectRef>
+          <a:fontRef idx="minor">
+            <a:schemeClr val="tx1"/>
+          </a:fontRef>
+        </p:style>
+      </p:cxnSp>
+      <p:sp>
+        <p:nvSpPr>
+          <p:cNvPr id="22" name="TextBox 21">
+            <a:extLst>
+              <a:ext uri="{FF2B5EF4-FFF2-40B4-BE49-F238E27FC236}">
+                <a16:creationId xmlns:a16="http://schemas.microsoft.com/office/drawing/2014/main" id="{7576816E-6729-9B3D-73D0-95819BF3C418}"/>
+              </a:ext>
+            </a:extLst>
+          </p:cNvPr>
+          <p:cNvSpPr txBox="1"/>
+          <p:nvPr/>
+        </p:nvSpPr>
+        <p:spPr>
+          <a:xfrm>
+            <a:off x="-1511865" y="2827629"/>
+            <a:ext cx="6108192" cy="954107"/>
+          </a:xfrm>
+          <a:prstGeom prst="rect">
+            <a:avLst/>
+          </a:prstGeom>
+          <a:noFill/>
+        </p:spPr>
+        <p:txBody>
+          <a:bodyPr wrap="square">
+            <a:spAutoFit/>
+          </a:bodyPr>
+          <a:lstStyle/>
+          <a:p>
+            <a:pPr algn="r" rtl="1"/>
+            <a:r>
+              <a:rPr lang="ar-KW" sz="2800" dirty="0"/>
+              <a:t>3. </a:t>
+            </a:r>
+            <a:r>
+              <a:rPr lang="en-US" sz="2800" dirty="0" err="1"/>
+              <a:t>الأختصا</a:t>
+            </a:r>
+            <a:r>
+              <a:rPr lang="ar-KW" sz="2800" dirty="0"/>
+              <a:t>ص :</a:t>
+            </a:r>
+            <a:endParaRPr lang="en-US" sz="2800" dirty="0"/>
+          </a:p>
+          <a:p>
+            <a:pPr algn="r" rtl="1"/>
+            <a:r>
+              <a:rPr lang="ar-KW" sz="2800" dirty="0"/>
+              <a:t>تصنيف كل اداة بما يتخصص به</a:t>
+            </a:r>
+            <a:r>
+              <a:rPr lang="en-US" sz="2800" dirty="0"/>
+              <a:t>.</a:t>
+            </a:r>
+          </a:p>
+        </p:txBody>
+      </p:sp>
+      <p:sp>
+        <p:nvSpPr>
+          <p:cNvPr id="24" name="TextBox 23">
+            <a:extLst>
+              <a:ext uri="{FF2B5EF4-FFF2-40B4-BE49-F238E27FC236}">
+                <a16:creationId xmlns:a16="http://schemas.microsoft.com/office/drawing/2014/main" id="{ED111023-3F81-E92C-B265-8D3F9E98FAA8}"/>
+              </a:ext>
+            </a:extLst>
+          </p:cNvPr>
+          <p:cNvSpPr txBox="1"/>
+          <p:nvPr/>
+        </p:nvSpPr>
+        <p:spPr>
+          <a:xfrm>
+            <a:off x="355314" y="4381900"/>
+            <a:ext cx="4139230" cy="1384995"/>
+          </a:xfrm>
+          <a:prstGeom prst="rect">
+            <a:avLst/>
+          </a:prstGeom>
+          <a:noFill/>
+        </p:spPr>
+        <p:txBody>
+          <a:bodyPr wrap="square">
+            <a:spAutoFit/>
+          </a:bodyPr>
+          <a:lstStyle/>
+          <a:p>
+            <a:pPr algn="r" rtl="1"/>
+            <a:r>
+              <a:rPr lang="ar-KW" sz="2800" dirty="0"/>
+              <a:t>4. </a:t>
+            </a:r>
+            <a:r>
+              <a:rPr lang="en-US" sz="2800" dirty="0" err="1"/>
+              <a:t>الأختبار</a:t>
+            </a:r>
+            <a:r>
+              <a:rPr lang="ar-KW" sz="2800" dirty="0"/>
+              <a:t>(</a:t>
+            </a:r>
+            <a:r>
+              <a:rPr lang="en-US" sz="2800" dirty="0" err="1"/>
+              <a:t>في</a:t>
+            </a:r>
+            <a:r>
+              <a:rPr lang="en-US" sz="2800" dirty="0"/>
+              <a:t> </a:t>
+            </a:r>
+            <a:r>
+              <a:rPr lang="en-US" sz="2800" dirty="0" err="1"/>
+              <a:t>حال</a:t>
+            </a:r>
+            <a:r>
+              <a:rPr lang="en-US" sz="2800" dirty="0"/>
+              <a:t> </a:t>
+            </a:r>
+            <a:r>
+              <a:rPr lang="en-US" sz="2800" dirty="0" err="1"/>
+              <a:t>تم</a:t>
+            </a:r>
+            <a:r>
+              <a:rPr lang="en-US" sz="2800" dirty="0"/>
+              <a:t> </a:t>
+            </a:r>
+            <a:r>
+              <a:rPr lang="en-US" sz="2800" dirty="0" err="1"/>
+              <a:t>أختبار</a:t>
+            </a:r>
+            <a:r>
+              <a:rPr lang="en-US" sz="2800" dirty="0"/>
+              <a:t> </a:t>
+            </a:r>
+            <a:r>
+              <a:rPr lang="en-US" sz="2800" dirty="0" err="1"/>
+              <a:t>الأداة</a:t>
+            </a:r>
+            <a:r>
+              <a:rPr lang="en-US" sz="2800" dirty="0"/>
+              <a:t> </a:t>
+            </a:r>
+            <a:r>
+              <a:rPr lang="en-US" sz="2800" dirty="0" err="1"/>
+              <a:t>من</a:t>
+            </a:r>
+            <a:r>
+              <a:rPr lang="en-US" sz="2800" dirty="0"/>
+              <a:t> </a:t>
+            </a:r>
+            <a:r>
+              <a:rPr lang="en-US" sz="2800" dirty="0" err="1"/>
+              <a:t>قبل</a:t>
+            </a:r>
+            <a:r>
+              <a:rPr lang="en-US" sz="2800" dirty="0"/>
+              <a:t> </a:t>
+            </a:r>
+            <a:r>
+              <a:rPr lang="en-US" sz="2800" dirty="0" err="1"/>
+              <a:t>ركن</a:t>
+            </a:r>
+            <a:r>
+              <a:rPr lang="en-US" sz="2800" dirty="0"/>
+              <a:t> </a:t>
+            </a:r>
+            <a:r>
+              <a:rPr lang="en-US" sz="2800" dirty="0" err="1"/>
+              <a:t>التطوير</a:t>
+            </a:r>
+            <a:r>
+              <a:rPr lang="en-US" sz="2800" dirty="0"/>
+              <a:t> </a:t>
+            </a:r>
+            <a:r>
+              <a:rPr lang="en-US" sz="2800" dirty="0" err="1"/>
+              <a:t>والدعم</a:t>
+            </a:r>
+            <a:r>
+              <a:rPr lang="en-US" sz="2800" dirty="0"/>
+              <a:t> </a:t>
+            </a:r>
+            <a:r>
+              <a:rPr lang="en-US" sz="2800" dirty="0" err="1"/>
+              <a:t>الفني</a:t>
+            </a:r>
+            <a:r>
+              <a:rPr lang="en-US" sz="2800" dirty="0"/>
+              <a:t> </a:t>
+            </a:r>
+            <a:r>
+              <a:rPr lang="en-US" sz="2800" dirty="0" err="1"/>
+              <a:t>او</a:t>
+            </a:r>
+            <a:r>
+              <a:rPr lang="en-US" sz="2800" dirty="0"/>
+              <a:t> </a:t>
+            </a:r>
+            <a:r>
+              <a:rPr lang="en-US" sz="2800" dirty="0" err="1"/>
+              <a:t>من</a:t>
+            </a:r>
+            <a:r>
+              <a:rPr lang="en-US" sz="2800" dirty="0"/>
+              <a:t> </a:t>
+            </a:r>
+            <a:r>
+              <a:rPr lang="en-US" sz="2800" dirty="0" err="1"/>
+              <a:t>قبل</a:t>
+            </a:r>
+            <a:r>
+              <a:rPr lang="en-US" sz="2800" dirty="0"/>
+              <a:t> </a:t>
+            </a:r>
+            <a:r>
+              <a:rPr lang="en-US" sz="2800" dirty="0" err="1"/>
+              <a:t>فريق</a:t>
+            </a:r>
+            <a:r>
+              <a:rPr lang="en-US" sz="2800" dirty="0"/>
+              <a:t> </a:t>
+            </a:r>
+            <a:r>
+              <a:rPr lang="en-US" sz="2800" dirty="0" err="1"/>
+              <a:t>المهام</a:t>
+            </a:r>
+            <a:r>
+              <a:rPr lang="ar-KW" sz="2800" dirty="0"/>
+              <a:t>).</a:t>
+            </a:r>
+            <a:endParaRPr lang="en-US" sz="2800" dirty="0"/>
+          </a:p>
+        </p:txBody>
+      </p:sp>
     </p:spTree>
     <p:extLst>
       <p:ext uri="{BB962C8B-B14F-4D97-AF65-F5344CB8AC3E}">
-        <p14:creationId xmlns:p14="http://schemas.microsoft.com/office/powerpoint/2010/main" val="1069822785"/>
+        <p14:creationId xmlns:p14="http://schemas.microsoft.com/office/powerpoint/2010/main" val="672998307"/>
       </p:ext>
     </p:extLst>
   </p:cSld>
@@ -12645,4 +12584,319 @@
     </a:ext>
   </a:extLst>
 </a:theme>
+</file>
+
+<file path=ppt/theme/theme2.xml><?xml version="1.0" encoding="utf-8"?>
+<a:theme xmlns:a="http://schemas.openxmlformats.org/drawingml/2006/main" name="Office Theme">
+  <a:themeElements>
+    <a:clrScheme name="Office">
+      <a:dk1>
+        <a:sysClr val="windowText" lastClr="000000"/>
+      </a:dk1>
+      <a:lt1>
+        <a:sysClr val="window" lastClr="FFFFFF"/>
+      </a:lt1>
+      <a:dk2>
+        <a:srgbClr val="0E2841"/>
+      </a:dk2>
+      <a:lt2>
+        <a:srgbClr val="E8E8E8"/>
+      </a:lt2>
+      <a:accent1>
+        <a:srgbClr val="156082"/>
+      </a:accent1>
+      <a:accent2>
+        <a:srgbClr val="E97132"/>
+      </a:accent2>
+      <a:accent3>
+        <a:srgbClr val="196B24"/>
+      </a:accent3>
+      <a:accent4>
+        <a:srgbClr val="0F9ED5"/>
+      </a:accent4>
+      <a:accent5>
+        <a:srgbClr val="A02B93"/>
+      </a:accent5>
+      <a:accent6>
+        <a:srgbClr val="4EA72E"/>
+      </a:accent6>
+      <a:hlink>
+        <a:srgbClr val="467886"/>
+      </a:hlink>
+      <a:folHlink>
+        <a:srgbClr val="96607D"/>
+      </a:folHlink>
+    </a:clrScheme>
+    <a:fontScheme name="Office">
+      <a:majorFont>
+        <a:latin typeface="Aptos Display" panose="02110004020202020204"/>
+        <a:ea typeface=""/>
+        <a:cs typeface=""/>
+        <a:font script="Jpan" typeface="游ゴシック Light"/>
+        <a:font script="Hang" typeface="맑은 고딕"/>
+        <a:font script="Hans" typeface="等线 Light"/>
+        <a:font script="Hant" typeface="新細明體"/>
+        <a:font script="Arab" typeface="Times New Roman"/>
+        <a:font script="Hebr" typeface="Times New Roman"/>
+        <a:font script="Thai" typeface="Angsana New"/>
+        <a:font script="Ethi" typeface="Nyala"/>
+        <a:font script="Beng" typeface="Vrinda"/>
+        <a:font script="Gujr" typeface="Shruti"/>
+        <a:font script="Khmr" typeface="MoolBoran"/>
+        <a:font script="Knda" typeface="Tunga"/>
+        <a:font script="Guru" typeface="Raavi"/>
+        <a:font script="Cans" typeface="Euphemia"/>
+        <a:font script="Cher" typeface="Plantagenet Cherokee"/>
+        <a:font script="Yiii" typeface="Microsoft Yi Baiti"/>
+        <a:font script="Tibt" typeface="Microsoft Himalaya"/>
+        <a:font script="Thaa" typeface="MV Boli"/>
+        <a:font script="Deva" typeface="Mangal"/>
+        <a:font script="Telu" typeface="Gautami"/>
+        <a:font script="Taml" typeface="Latha"/>
+        <a:font script="Syrc" typeface="Estrangelo Edessa"/>
+        <a:font script="Orya" typeface="Kalinga"/>
+        <a:font script="Mlym" typeface="Kartika"/>
+        <a:font script="Laoo" typeface="DokChampa"/>
+        <a:font script="Sinh" typeface="Iskoola Pota"/>
+        <a:font script="Mong" typeface="Mongolian Baiti"/>
+        <a:font script="Viet" typeface="Times New Roman"/>
+        <a:font script="Uigh" typeface="Microsoft Uighur"/>
+        <a:font script="Geor" typeface="Sylfaen"/>
+        <a:font script="Armn" typeface="Arial"/>
+        <a:font script="Bugi" typeface="Leelawadee UI"/>
+        <a:font script="Bopo" typeface="Microsoft JhengHei"/>
+        <a:font script="Java" typeface="Javanese Text"/>
+        <a:font script="Lisu" typeface="Segoe UI"/>
+        <a:font script="Mymr" typeface="Myanmar Text"/>
+        <a:font script="Nkoo" typeface="Ebrima"/>
+        <a:font script="Olck" typeface="Nirmala UI"/>
+        <a:font script="Osma" typeface="Ebrima"/>
+        <a:font script="Phag" typeface="Phagspa"/>
+        <a:font script="Syrn" typeface="Estrangelo Edessa"/>
+        <a:font script="Syrj" typeface="Estrangelo Edessa"/>
+        <a:font script="Syre" typeface="Estrangelo Edessa"/>
+        <a:font script="Sora" typeface="Nirmala UI"/>
+        <a:font script="Tale" typeface="Microsoft Tai Le"/>
+        <a:font script="Talu" typeface="Microsoft New Tai Lue"/>
+        <a:font script="Tfng" typeface="Ebrima"/>
+      </a:majorFont>
+      <a:minorFont>
+        <a:latin typeface="Aptos" panose="02110004020202020204"/>
+        <a:ea typeface=""/>
+        <a:cs typeface=""/>
+        <a:font script="Jpan" typeface="游ゴシック"/>
+        <a:font script="Hang" typeface="맑은 고딕"/>
+        <a:font script="Hans" typeface="等线"/>
+        <a:font script="Hant" typeface="新細明體"/>
+        <a:font script="Arab" typeface="Arial"/>
+        <a:font script="Hebr" typeface="Arial"/>
+        <a:font script="Thai" typeface="Cordia New"/>
+        <a:font script="Ethi" typeface="Nyala"/>
+        <a:font script="Beng" typeface="Vrinda"/>
+        <a:font script="Gujr" typeface="Shruti"/>
+        <a:font script="Khmr" typeface="DaunPenh"/>
+        <a:font script="Knda" typeface="Tunga"/>
+        <a:font script="Guru" typeface="Raavi"/>
+        <a:font script="Cans" typeface="Euphemia"/>
+        <a:font script="Cher" typeface="Plantagenet Cherokee"/>
+        <a:font script="Yiii" typeface="Microsoft Yi Baiti"/>
+        <a:font script="Tibt" typeface="Microsoft Himalaya"/>
+        <a:font script="Thaa" typeface="MV Boli"/>
+        <a:font script="Deva" typeface="Mangal"/>
+        <a:font script="Telu" typeface="Gautami"/>
+        <a:font script="Taml" typeface="Latha"/>
+        <a:font script="Syrc" typeface="Estrangelo Edessa"/>
+        <a:font script="Orya" typeface="Kalinga"/>
+        <a:font script="Mlym" typeface="Kartika"/>
+        <a:font script="Laoo" typeface="DokChampa"/>
+        <a:font script="Sinh" typeface="Iskoola Pota"/>
+        <a:font script="Mong" typeface="Mongolian Baiti"/>
+        <a:font script="Viet" typeface="Arial"/>
+        <a:font script="Uigh" typeface="Microsoft Uighur"/>
+        <a:font script="Geor" typeface="Sylfaen"/>
+        <a:font script="Armn" typeface="Arial"/>
+        <a:font script="Bugi" typeface="Leelawadee UI"/>
+        <a:font script="Bopo" typeface="Microsoft JhengHei"/>
+        <a:font script="Java" typeface="Javanese Text"/>
+        <a:font script="Lisu" typeface="Segoe UI"/>
+        <a:font script="Mymr" typeface="Myanmar Text"/>
+        <a:font script="Nkoo" typeface="Ebrima"/>
+        <a:font script="Olck" typeface="Nirmala UI"/>
+        <a:font script="Osma" typeface="Ebrima"/>
+        <a:font script="Phag" typeface="Phagspa"/>
+        <a:font script="Syrn" typeface="Estrangelo Edessa"/>
+        <a:font script="Syrj" typeface="Estrangelo Edessa"/>
+        <a:font script="Syre" typeface="Estrangelo Edessa"/>
+        <a:font script="Sora" typeface="Nirmala UI"/>
+        <a:font script="Tale" typeface="Microsoft Tai Le"/>
+        <a:font script="Talu" typeface="Microsoft New Tai Lue"/>
+        <a:font script="Tfng" typeface="Ebrima"/>
+      </a:minorFont>
+    </a:fontScheme>
+    <a:fmtScheme name="Office">
+      <a:fillStyleLst>
+        <a:solidFill>
+          <a:schemeClr val="phClr"/>
+        </a:solidFill>
+        <a:gradFill rotWithShape="1">
+          <a:gsLst>
+            <a:gs pos="0">
+              <a:schemeClr val="phClr">
+                <a:lumMod val="110000"/>
+                <a:satMod val="105000"/>
+                <a:tint val="67000"/>
+              </a:schemeClr>
+            </a:gs>
+            <a:gs pos="50000">
+              <a:schemeClr val="phClr">
+                <a:lumMod val="105000"/>
+                <a:satMod val="103000"/>
+                <a:tint val="73000"/>
+              </a:schemeClr>
+            </a:gs>
+            <a:gs pos="100000">
+              <a:schemeClr val="phClr">
+                <a:lumMod val="105000"/>
+                <a:satMod val="109000"/>
+                <a:tint val="81000"/>
+              </a:schemeClr>
+            </a:gs>
+          </a:gsLst>
+          <a:lin ang="5400000" scaled="0"/>
+        </a:gradFill>
+        <a:gradFill rotWithShape="1">
+          <a:gsLst>
+            <a:gs pos="0">
+              <a:schemeClr val="phClr">
+                <a:satMod val="103000"/>
+                <a:lumMod val="102000"/>
+                <a:tint val="94000"/>
+              </a:schemeClr>
+            </a:gs>
+            <a:gs pos="50000">
+              <a:schemeClr val="phClr">
+                <a:satMod val="110000"/>
+                <a:lumMod val="100000"/>
+                <a:shade val="100000"/>
+              </a:schemeClr>
+            </a:gs>
+            <a:gs pos="100000">
+              <a:schemeClr val="phClr">
+                <a:lumMod val="99000"/>
+                <a:satMod val="120000"/>
+                <a:shade val="78000"/>
+              </a:schemeClr>
+            </a:gs>
+          </a:gsLst>
+          <a:lin ang="5400000" scaled="0"/>
+        </a:gradFill>
+      </a:fillStyleLst>
+      <a:lnStyleLst>
+        <a:ln w="12700" cap="flat" cmpd="sng" algn="ctr">
+          <a:solidFill>
+            <a:schemeClr val="phClr"/>
+          </a:solidFill>
+          <a:prstDash val="solid"/>
+          <a:miter lim="800000"/>
+        </a:ln>
+        <a:ln w="19050" cap="flat" cmpd="sng" algn="ctr">
+          <a:solidFill>
+            <a:schemeClr val="phClr"/>
+          </a:solidFill>
+          <a:prstDash val="solid"/>
+          <a:miter lim="800000"/>
+        </a:ln>
+        <a:ln w="25400" cap="flat" cmpd="sng" algn="ctr">
+          <a:solidFill>
+            <a:schemeClr val="phClr"/>
+          </a:solidFill>
+          <a:prstDash val="solid"/>
+          <a:miter lim="800000"/>
+        </a:ln>
+      </a:lnStyleLst>
+      <a:effectStyleLst>
+        <a:effectStyle>
+          <a:effectLst/>
+        </a:effectStyle>
+        <a:effectStyle>
+          <a:effectLst/>
+        </a:effectStyle>
+        <a:effectStyle>
+          <a:effectLst>
+            <a:outerShdw blurRad="57150" dist="19050" dir="5400000" algn="ctr" rotWithShape="0">
+              <a:srgbClr val="000000">
+                <a:alpha val="63000"/>
+              </a:srgbClr>
+            </a:outerShdw>
+          </a:effectLst>
+        </a:effectStyle>
+      </a:effectStyleLst>
+      <a:bgFillStyleLst>
+        <a:solidFill>
+          <a:schemeClr val="phClr"/>
+        </a:solidFill>
+        <a:solidFill>
+          <a:schemeClr val="phClr">
+            <a:tint val="95000"/>
+            <a:satMod val="170000"/>
+          </a:schemeClr>
+        </a:solidFill>
+        <a:gradFill rotWithShape="1">
+          <a:gsLst>
+            <a:gs pos="0">
+              <a:schemeClr val="phClr">
+                <a:tint val="93000"/>
+                <a:satMod val="150000"/>
+                <a:shade val="98000"/>
+                <a:lumMod val="102000"/>
+              </a:schemeClr>
+            </a:gs>
+            <a:gs pos="50000">
+              <a:schemeClr val="phClr">
+                <a:tint val="98000"/>
+                <a:satMod val="130000"/>
+                <a:shade val="90000"/>
+                <a:lumMod val="103000"/>
+              </a:schemeClr>
+            </a:gs>
+            <a:gs pos="100000">
+              <a:schemeClr val="phClr">
+                <a:shade val="63000"/>
+                <a:satMod val="120000"/>
+              </a:schemeClr>
+            </a:gs>
+          </a:gsLst>
+          <a:lin ang="5400000" scaled="0"/>
+        </a:gradFill>
+      </a:bgFillStyleLst>
+    </a:fmtScheme>
+  </a:themeElements>
+  <a:objectDefaults>
+    <a:lnDef>
+      <a:spPr/>
+      <a:bodyPr/>
+      <a:lstStyle/>
+      <a:style>
+        <a:lnRef idx="2">
+          <a:schemeClr val="accent1"/>
+        </a:lnRef>
+        <a:fillRef idx="0">
+          <a:schemeClr val="accent1"/>
+        </a:fillRef>
+        <a:effectRef idx="1">
+          <a:schemeClr val="accent1"/>
+        </a:effectRef>
+        <a:fontRef idx="minor">
+          <a:schemeClr val="tx1"/>
+        </a:fontRef>
+      </a:style>
+    </a:lnDef>
+  </a:objectDefaults>
+  <a:extraClrSchemeLst/>
+  <a:extLst>
+    <a:ext uri="{05A4C25C-085E-4340-85A3-A5531E510DB2}">
+      <thm15:themeFamily xmlns:thm15="http://schemas.microsoft.com/office/thememl/2012/main" name="Office Theme" id="{2E142A2C-CD16-42D6-873A-C26D2A0506FA}" vid="{1BDDFF52-6CD6-40A5-AB3C-68EB2F1E4D0A}"/>
+    </a:ext>
+  </a:extLst>
+</a:theme>
 </file>